--- a/Documentation/CSPROJ Docs/CSPROJ_MIDTERM_DEF.pptx
+++ b/Documentation/CSPROJ Docs/CSPROJ_MIDTERM_DEF.pptx
@@ -168,7 +168,7 @@
           <p:cNvPr id="2" name="Header Placeholder 1">
             <a:extLst>
               <a:ext uri="{FF2B5EF4-FFF2-40B4-BE49-F238E27FC236}">
-                <a16:creationId xmlns:a16="http://schemas.microsoft.com/office/drawing/2014/main" xmlns="" id="{5A9E02AD-574F-46B1-91CF-758ECD927212}"/>
+                <a16:creationId xmlns:a16="http://schemas.microsoft.com/office/drawing/2014/main" id="{5A9E02AD-574F-46B1-91CF-758ECD927212}"/>
               </a:ext>
             </a:extLst>
           </p:cNvPr>
@@ -205,7 +205,7 @@
           <p:cNvPr id="3" name="Date Placeholder 2">
             <a:extLst>
               <a:ext uri="{FF2B5EF4-FFF2-40B4-BE49-F238E27FC236}">
-                <a16:creationId xmlns:a16="http://schemas.microsoft.com/office/drawing/2014/main" xmlns="" id="{0DCDBB3E-0962-4543-8203-0E0084580CE0}"/>
+                <a16:creationId xmlns:a16="http://schemas.microsoft.com/office/drawing/2014/main" id="{0DCDBB3E-0962-4543-8203-0E0084580CE0}"/>
               </a:ext>
             </a:extLst>
           </p:cNvPr>
@@ -235,7 +235,7 @@
           <a:p>
             <a:fld id="{F702A5B2-8064-4382-9E31-9E46E0F5B2C3}" type="datetimeFigureOut">
               <a:rPr lang="ru-RU" smtClean="0"/>
-              <a:t>05.03.2019</a:t>
+              <a:t>30.04.2019</a:t>
             </a:fld>
             <a:endParaRPr lang="ru-RU"/>
           </a:p>
@@ -246,7 +246,7 @@
           <p:cNvPr id="4" name="Footer Placeholder 3">
             <a:extLst>
               <a:ext uri="{FF2B5EF4-FFF2-40B4-BE49-F238E27FC236}">
-                <a16:creationId xmlns:a16="http://schemas.microsoft.com/office/drawing/2014/main" xmlns="" id="{DD61A4A7-FC01-4444-9707-74E93BD63497}"/>
+                <a16:creationId xmlns:a16="http://schemas.microsoft.com/office/drawing/2014/main" id="{DD61A4A7-FC01-4444-9707-74E93BD63497}"/>
               </a:ext>
             </a:extLst>
           </p:cNvPr>
@@ -283,7 +283,7 @@
           <p:cNvPr id="5" name="Slide Number Placeholder 4">
             <a:extLst>
               <a:ext uri="{FF2B5EF4-FFF2-40B4-BE49-F238E27FC236}">
-                <a16:creationId xmlns:a16="http://schemas.microsoft.com/office/drawing/2014/main" xmlns="" id="{B28D65D7-8813-49CE-A8BE-42984C5CBDA7}"/>
+                <a16:creationId xmlns:a16="http://schemas.microsoft.com/office/drawing/2014/main" id="{B28D65D7-8813-49CE-A8BE-42984C5CBDA7}"/>
               </a:ext>
             </a:extLst>
           </p:cNvPr>
@@ -412,7 +412,7 @@
           <a:p>
             <a:fld id="{7000EB3D-2307-4317-8A1D-B47FA45245F0}" type="datetimeFigureOut">
               <a:rPr lang="ru-RU" smtClean="0"/>
-              <a:t>05.03.2019</a:t>
+              <a:t>30.04.2019</a:t>
             </a:fld>
             <a:endParaRPr lang="ru-RU" dirty="0"/>
           </a:p>
@@ -702,7 +702,7 @@
           <p:cNvPr id="2" name="Title 1">
             <a:extLst>
               <a:ext uri="{FF2B5EF4-FFF2-40B4-BE49-F238E27FC236}">
-                <a16:creationId xmlns:a16="http://schemas.microsoft.com/office/drawing/2014/main" xmlns="" id="{199AD403-A15F-4A2F-B050-AB874136E732}"/>
+                <a16:creationId xmlns:a16="http://schemas.microsoft.com/office/drawing/2014/main" id="{199AD403-A15F-4A2F-B050-AB874136E732}"/>
               </a:ext>
             </a:extLst>
           </p:cNvPr>
@@ -749,7 +749,7 @@
           <p:cNvPr id="23" name="Text Placeholder 26">
             <a:extLst>
               <a:ext uri="{FF2B5EF4-FFF2-40B4-BE49-F238E27FC236}">
-                <a16:creationId xmlns:a16="http://schemas.microsoft.com/office/drawing/2014/main" xmlns="" id="{5BB088E3-63C1-423F-A939-150B8E1F87A7}"/>
+                <a16:creationId xmlns:a16="http://schemas.microsoft.com/office/drawing/2014/main" id="{5BB088E3-63C1-423F-A939-150B8E1F87A7}"/>
               </a:ext>
             </a:extLst>
           </p:cNvPr>
@@ -818,7 +818,7 @@
           <p:cNvPr id="28" name="Freeform: Shape 27">
             <a:extLst>
               <a:ext uri="{FF2B5EF4-FFF2-40B4-BE49-F238E27FC236}">
-                <a16:creationId xmlns:a16="http://schemas.microsoft.com/office/drawing/2014/main" xmlns="" id="{87A7AFAC-3F6D-48D1-A100-148792529BC6}"/>
+                <a16:creationId xmlns:a16="http://schemas.microsoft.com/office/drawing/2014/main" id="{87A7AFAC-3F6D-48D1-A100-148792529BC6}"/>
               </a:ext>
             </a:extLst>
           </p:cNvPr>
@@ -913,7 +913,7 @@
           <p:cNvPr id="29" name="Freeform: Shape 28">
             <a:extLst>
               <a:ext uri="{FF2B5EF4-FFF2-40B4-BE49-F238E27FC236}">
-                <a16:creationId xmlns:a16="http://schemas.microsoft.com/office/drawing/2014/main" xmlns="" id="{81A4F88F-4E35-4BB3-AD24-CAC580C12F96}"/>
+                <a16:creationId xmlns:a16="http://schemas.microsoft.com/office/drawing/2014/main" id="{81A4F88F-4E35-4BB3-AD24-CAC580C12F96}"/>
               </a:ext>
             </a:extLst>
           </p:cNvPr>
@@ -1021,7 +1021,7 @@
           <p:cNvPr id="30" name="Freeform: Shape 29">
             <a:extLst>
               <a:ext uri="{FF2B5EF4-FFF2-40B4-BE49-F238E27FC236}">
-                <a16:creationId xmlns:a16="http://schemas.microsoft.com/office/drawing/2014/main" xmlns="" id="{592CE00E-F2AB-4099-8BB8-F109C4F2EFDB}"/>
+                <a16:creationId xmlns:a16="http://schemas.microsoft.com/office/drawing/2014/main" id="{592CE00E-F2AB-4099-8BB8-F109C4F2EFDB}"/>
               </a:ext>
             </a:extLst>
           </p:cNvPr>
@@ -1129,7 +1129,7 @@
           <p:cNvPr id="32" name="Freeform: Shape 31">
             <a:extLst>
               <a:ext uri="{FF2B5EF4-FFF2-40B4-BE49-F238E27FC236}">
-                <a16:creationId xmlns:a16="http://schemas.microsoft.com/office/drawing/2014/main" xmlns="" id="{B0920EEC-7CE3-4708-93D2-53699D17E5E3}"/>
+                <a16:creationId xmlns:a16="http://schemas.microsoft.com/office/drawing/2014/main" id="{B0920EEC-7CE3-4708-93D2-53699D17E5E3}"/>
               </a:ext>
             </a:extLst>
           </p:cNvPr>
@@ -1237,7 +1237,7 @@
           <p:cNvPr id="33" name="Freeform: Shape 32">
             <a:extLst>
               <a:ext uri="{FF2B5EF4-FFF2-40B4-BE49-F238E27FC236}">
-                <a16:creationId xmlns:a16="http://schemas.microsoft.com/office/drawing/2014/main" xmlns="" id="{2DF8B751-9294-46D5-B390-5D322195540F}"/>
+                <a16:creationId xmlns:a16="http://schemas.microsoft.com/office/drawing/2014/main" id="{2DF8B751-9294-46D5-B390-5D322195540F}"/>
               </a:ext>
             </a:extLst>
           </p:cNvPr>
@@ -1345,7 +1345,7 @@
           <p:cNvPr id="34" name="Freeform: Shape 33">
             <a:extLst>
               <a:ext uri="{FF2B5EF4-FFF2-40B4-BE49-F238E27FC236}">
-                <a16:creationId xmlns:a16="http://schemas.microsoft.com/office/drawing/2014/main" xmlns="" id="{E0F651C6-BE74-4133-ABA8-316072D4F5B5}"/>
+                <a16:creationId xmlns:a16="http://schemas.microsoft.com/office/drawing/2014/main" id="{E0F651C6-BE74-4133-ABA8-316072D4F5B5}"/>
               </a:ext>
             </a:extLst>
           </p:cNvPr>
@@ -1555,7 +1555,7 @@
           <p:cNvPr id="36" name="Text Placeholder 14">
             <a:extLst>
               <a:ext uri="{FF2B5EF4-FFF2-40B4-BE49-F238E27FC236}">
-                <a16:creationId xmlns:a16="http://schemas.microsoft.com/office/drawing/2014/main" xmlns="" id="{2A3D73F7-77EC-4576-B541-20C032F462DC}"/>
+                <a16:creationId xmlns:a16="http://schemas.microsoft.com/office/drawing/2014/main" id="{2A3D73F7-77EC-4576-B541-20C032F462DC}"/>
               </a:ext>
             </a:extLst>
           </p:cNvPr>
@@ -1603,7 +1603,7 @@
           <p:cNvPr id="40" name="Graphic 37">
             <a:extLst>
               <a:ext uri="{FF2B5EF4-FFF2-40B4-BE49-F238E27FC236}">
-                <a16:creationId xmlns:a16="http://schemas.microsoft.com/office/drawing/2014/main" xmlns="" id="{9F75ED2D-7077-4753-B623-4B9A718EB224}"/>
+                <a16:creationId xmlns:a16="http://schemas.microsoft.com/office/drawing/2014/main" id="{9F75ED2D-7077-4753-B623-4B9A718EB224}"/>
               </a:ext>
             </a:extLst>
           </p:cNvPr>
@@ -1739,7 +1739,7 @@
           <p:cNvPr id="12" name="Graphic 36">
             <a:extLst>
               <a:ext uri="{FF2B5EF4-FFF2-40B4-BE49-F238E27FC236}">
-                <a16:creationId xmlns:a16="http://schemas.microsoft.com/office/drawing/2014/main" xmlns="" id="{21FF5BCF-BC53-4C3F-8B7F-7077B35ADCA8}"/>
+                <a16:creationId xmlns:a16="http://schemas.microsoft.com/office/drawing/2014/main" id="{21FF5BCF-BC53-4C3F-8B7F-7077B35ADCA8}"/>
               </a:ext>
             </a:extLst>
           </p:cNvPr>
@@ -1847,7 +1847,7 @@
           <p:cNvPr id="21" name="Picture Placeholder 20">
             <a:extLst>
               <a:ext uri="{FF2B5EF4-FFF2-40B4-BE49-F238E27FC236}">
-                <a16:creationId xmlns:a16="http://schemas.microsoft.com/office/drawing/2014/main" xmlns="" id="{8C7B70A1-A813-470C-A829-7CC44559C94F}"/>
+                <a16:creationId xmlns:a16="http://schemas.microsoft.com/office/drawing/2014/main" id="{8C7B70A1-A813-470C-A829-7CC44559C94F}"/>
               </a:ext>
             </a:extLst>
           </p:cNvPr>
@@ -2141,7 +2141,7 @@
           </a:lstStyle>
           <a:p>
             <a:r>
-              <a:rPr lang="en-US" smtClean="0"/>
+              <a:rPr lang="en-US"/>
               <a:t>Click icon to add picture</a:t>
             </a:r>
             <a:endParaRPr lang="ru-RU"/>
@@ -2183,7 +2183,7 @@
           <p:cNvPr id="26" name="Picture Placeholder 25">
             <a:extLst>
               <a:ext uri="{FF2B5EF4-FFF2-40B4-BE49-F238E27FC236}">
-                <a16:creationId xmlns:a16="http://schemas.microsoft.com/office/drawing/2014/main" xmlns="" id="{3C229411-48AD-4A50-B02E-041030F18963}"/>
+                <a16:creationId xmlns:a16="http://schemas.microsoft.com/office/drawing/2014/main" id="{3C229411-48AD-4A50-B02E-041030F18963}"/>
               </a:ext>
             </a:extLst>
           </p:cNvPr>
@@ -2322,7 +2322,7 @@
           </a:lstStyle>
           <a:p>
             <a:r>
-              <a:rPr lang="en-US" smtClean="0"/>
+              <a:rPr lang="en-US"/>
               <a:t>Click icon to add picture</a:t>
             </a:r>
             <a:endParaRPr lang="ru-RU"/>
@@ -2334,7 +2334,7 @@
           <p:cNvPr id="2" name="Title 1">
             <a:extLst>
               <a:ext uri="{FF2B5EF4-FFF2-40B4-BE49-F238E27FC236}">
-                <a16:creationId xmlns:a16="http://schemas.microsoft.com/office/drawing/2014/main" xmlns="" id="{199AD403-A15F-4A2F-B050-AB874136E732}"/>
+                <a16:creationId xmlns:a16="http://schemas.microsoft.com/office/drawing/2014/main" id="{199AD403-A15F-4A2F-B050-AB874136E732}"/>
               </a:ext>
             </a:extLst>
           </p:cNvPr>
@@ -2372,7 +2372,7 @@
           <p:cNvPr id="12" name="Freeform: Shape 11">
             <a:extLst>
               <a:ext uri="{FF2B5EF4-FFF2-40B4-BE49-F238E27FC236}">
-                <a16:creationId xmlns:a16="http://schemas.microsoft.com/office/drawing/2014/main" xmlns="" id="{F9E3EED1-7BB3-4B75-BCA9-1C1223740B3C}"/>
+                <a16:creationId xmlns:a16="http://schemas.microsoft.com/office/drawing/2014/main" id="{F9E3EED1-7BB3-4B75-BCA9-1C1223740B3C}"/>
               </a:ext>
             </a:extLst>
           </p:cNvPr>
@@ -2467,7 +2467,7 @@
           <p:cNvPr id="16" name="Freeform: Shape 15">
             <a:extLst>
               <a:ext uri="{FF2B5EF4-FFF2-40B4-BE49-F238E27FC236}">
-                <a16:creationId xmlns:a16="http://schemas.microsoft.com/office/drawing/2014/main" xmlns="" id="{29016A5F-A55B-4605-B66C-5C6E2BF4919F}"/>
+                <a16:creationId xmlns:a16="http://schemas.microsoft.com/office/drawing/2014/main" id="{29016A5F-A55B-4605-B66C-5C6E2BF4919F}"/>
               </a:ext>
             </a:extLst>
           </p:cNvPr>
@@ -2575,7 +2575,7 @@
           <p:cNvPr id="19" name="Text Placeholder 26">
             <a:extLst>
               <a:ext uri="{FF2B5EF4-FFF2-40B4-BE49-F238E27FC236}">
-                <a16:creationId xmlns:a16="http://schemas.microsoft.com/office/drawing/2014/main" xmlns="" id="{9DBE4B29-4897-4A3A-B883-A887BCDA3718}"/>
+                <a16:creationId xmlns:a16="http://schemas.microsoft.com/office/drawing/2014/main" id="{9DBE4B29-4897-4A3A-B883-A887BCDA3718}"/>
               </a:ext>
             </a:extLst>
           </p:cNvPr>
@@ -2632,7 +2632,7 @@
           <p:cNvPr id="20" name="Text Placeholder 26">
             <a:extLst>
               <a:ext uri="{FF2B5EF4-FFF2-40B4-BE49-F238E27FC236}">
-                <a16:creationId xmlns:a16="http://schemas.microsoft.com/office/drawing/2014/main" xmlns="" id="{0EF4532A-9AB5-4545-A83D-BD0E39635727}"/>
+                <a16:creationId xmlns:a16="http://schemas.microsoft.com/office/drawing/2014/main" id="{0EF4532A-9AB5-4545-A83D-BD0E39635727}"/>
               </a:ext>
             </a:extLst>
           </p:cNvPr>
@@ -2689,7 +2689,7 @@
           <p:cNvPr id="21" name="Text Placeholder 26">
             <a:extLst>
               <a:ext uri="{FF2B5EF4-FFF2-40B4-BE49-F238E27FC236}">
-                <a16:creationId xmlns:a16="http://schemas.microsoft.com/office/drawing/2014/main" xmlns="" id="{D579A1F5-9180-47FE-A31B-4E37384383C4}"/>
+                <a16:creationId xmlns:a16="http://schemas.microsoft.com/office/drawing/2014/main" id="{D579A1F5-9180-47FE-A31B-4E37384383C4}"/>
               </a:ext>
             </a:extLst>
           </p:cNvPr>
@@ -2751,7 +2751,7 @@
           <p:cNvPr id="22" name="Text Placeholder 26">
             <a:extLst>
               <a:ext uri="{FF2B5EF4-FFF2-40B4-BE49-F238E27FC236}">
-                <a16:creationId xmlns:a16="http://schemas.microsoft.com/office/drawing/2014/main" xmlns="" id="{71BBF4E8-67FF-4A65-9EC1-AE832CEBE85D}"/>
+                <a16:creationId xmlns:a16="http://schemas.microsoft.com/office/drawing/2014/main" id="{71BBF4E8-67FF-4A65-9EC1-AE832CEBE85D}"/>
               </a:ext>
             </a:extLst>
           </p:cNvPr>
@@ -2808,7 +2808,7 @@
           <p:cNvPr id="23" name="Text Placeholder 26">
             <a:extLst>
               <a:ext uri="{FF2B5EF4-FFF2-40B4-BE49-F238E27FC236}">
-                <a16:creationId xmlns:a16="http://schemas.microsoft.com/office/drawing/2014/main" xmlns="" id="{5BB088E3-63C1-423F-A939-150B8E1F87A7}"/>
+                <a16:creationId xmlns:a16="http://schemas.microsoft.com/office/drawing/2014/main" id="{5BB088E3-63C1-423F-A939-150B8E1F87A7}"/>
               </a:ext>
             </a:extLst>
           </p:cNvPr>
@@ -2870,7 +2870,7 @@
           <p:cNvPr id="3" name="Graphic 23">
             <a:extLst>
               <a:ext uri="{FF2B5EF4-FFF2-40B4-BE49-F238E27FC236}">
-                <a16:creationId xmlns:a16="http://schemas.microsoft.com/office/drawing/2014/main" xmlns="" id="{7E62A657-0B76-4081-A698-3C47F1AFC78E}"/>
+                <a16:creationId xmlns:a16="http://schemas.microsoft.com/office/drawing/2014/main" id="{7E62A657-0B76-4081-A698-3C47F1AFC78E}"/>
               </a:ext>
             </a:extLst>
           </p:cNvPr>
@@ -3006,7 +3006,7 @@
           <p:cNvPr id="25" name="Freeform: Shape 24">
             <a:extLst>
               <a:ext uri="{FF2B5EF4-FFF2-40B4-BE49-F238E27FC236}">
-                <a16:creationId xmlns:a16="http://schemas.microsoft.com/office/drawing/2014/main" xmlns="" id="{C51D0359-A547-4B21-8850-06B9F1CDF9CE}"/>
+                <a16:creationId xmlns:a16="http://schemas.microsoft.com/office/drawing/2014/main" id="{C51D0359-A547-4B21-8850-06B9F1CDF9CE}"/>
               </a:ext>
             </a:extLst>
           </p:cNvPr>
@@ -3144,7 +3144,7 @@
           <p:cNvPr id="2" name="Title 1">
             <a:extLst>
               <a:ext uri="{FF2B5EF4-FFF2-40B4-BE49-F238E27FC236}">
-                <a16:creationId xmlns:a16="http://schemas.microsoft.com/office/drawing/2014/main" xmlns="" id="{199AD403-A15F-4A2F-B050-AB874136E732}"/>
+                <a16:creationId xmlns:a16="http://schemas.microsoft.com/office/drawing/2014/main" id="{199AD403-A15F-4A2F-B050-AB874136E732}"/>
               </a:ext>
             </a:extLst>
           </p:cNvPr>
@@ -3191,7 +3191,7 @@
           <p:cNvPr id="28" name="Freeform: Shape 27">
             <a:extLst>
               <a:ext uri="{FF2B5EF4-FFF2-40B4-BE49-F238E27FC236}">
-                <a16:creationId xmlns:a16="http://schemas.microsoft.com/office/drawing/2014/main" xmlns="" id="{87A7AFAC-3F6D-48D1-A100-148792529BC6}"/>
+                <a16:creationId xmlns:a16="http://schemas.microsoft.com/office/drawing/2014/main" id="{87A7AFAC-3F6D-48D1-A100-148792529BC6}"/>
               </a:ext>
             </a:extLst>
           </p:cNvPr>
@@ -3286,7 +3286,7 @@
           <p:cNvPr id="29" name="Freeform: Shape 28">
             <a:extLst>
               <a:ext uri="{FF2B5EF4-FFF2-40B4-BE49-F238E27FC236}">
-                <a16:creationId xmlns:a16="http://schemas.microsoft.com/office/drawing/2014/main" xmlns="" id="{81A4F88F-4E35-4BB3-AD24-CAC580C12F96}"/>
+                <a16:creationId xmlns:a16="http://schemas.microsoft.com/office/drawing/2014/main" id="{81A4F88F-4E35-4BB3-AD24-CAC580C12F96}"/>
               </a:ext>
             </a:extLst>
           </p:cNvPr>
@@ -3394,7 +3394,7 @@
           <p:cNvPr id="30" name="Freeform: Shape 29">
             <a:extLst>
               <a:ext uri="{FF2B5EF4-FFF2-40B4-BE49-F238E27FC236}">
-                <a16:creationId xmlns:a16="http://schemas.microsoft.com/office/drawing/2014/main" xmlns="" id="{592CE00E-F2AB-4099-8BB8-F109C4F2EFDB}"/>
+                <a16:creationId xmlns:a16="http://schemas.microsoft.com/office/drawing/2014/main" id="{592CE00E-F2AB-4099-8BB8-F109C4F2EFDB}"/>
               </a:ext>
             </a:extLst>
           </p:cNvPr>
@@ -3502,7 +3502,7 @@
           <p:cNvPr id="32" name="Freeform: Shape 31">
             <a:extLst>
               <a:ext uri="{FF2B5EF4-FFF2-40B4-BE49-F238E27FC236}">
-                <a16:creationId xmlns:a16="http://schemas.microsoft.com/office/drawing/2014/main" xmlns="" id="{B0920EEC-7CE3-4708-93D2-53699D17E5E3}"/>
+                <a16:creationId xmlns:a16="http://schemas.microsoft.com/office/drawing/2014/main" id="{B0920EEC-7CE3-4708-93D2-53699D17E5E3}"/>
               </a:ext>
             </a:extLst>
           </p:cNvPr>
@@ -3610,7 +3610,7 @@
           <p:cNvPr id="33" name="Freeform: Shape 32">
             <a:extLst>
               <a:ext uri="{FF2B5EF4-FFF2-40B4-BE49-F238E27FC236}">
-                <a16:creationId xmlns:a16="http://schemas.microsoft.com/office/drawing/2014/main" xmlns="" id="{2DF8B751-9294-46D5-B390-5D322195540F}"/>
+                <a16:creationId xmlns:a16="http://schemas.microsoft.com/office/drawing/2014/main" id="{2DF8B751-9294-46D5-B390-5D322195540F}"/>
               </a:ext>
             </a:extLst>
           </p:cNvPr>
@@ -3718,7 +3718,7 @@
           <p:cNvPr id="34" name="Freeform: Shape 33">
             <a:extLst>
               <a:ext uri="{FF2B5EF4-FFF2-40B4-BE49-F238E27FC236}">
-                <a16:creationId xmlns:a16="http://schemas.microsoft.com/office/drawing/2014/main" xmlns="" id="{E0F651C6-BE74-4133-ABA8-316072D4F5B5}"/>
+                <a16:creationId xmlns:a16="http://schemas.microsoft.com/office/drawing/2014/main" id="{E0F651C6-BE74-4133-ABA8-316072D4F5B5}"/>
               </a:ext>
             </a:extLst>
           </p:cNvPr>
@@ -3928,7 +3928,7 @@
           <p:cNvPr id="40" name="Graphic 37">
             <a:extLst>
               <a:ext uri="{FF2B5EF4-FFF2-40B4-BE49-F238E27FC236}">
-                <a16:creationId xmlns:a16="http://schemas.microsoft.com/office/drawing/2014/main" xmlns="" id="{9F75ED2D-7077-4753-B623-4B9A718EB224}"/>
+                <a16:creationId xmlns:a16="http://schemas.microsoft.com/office/drawing/2014/main" id="{9F75ED2D-7077-4753-B623-4B9A718EB224}"/>
               </a:ext>
             </a:extLst>
           </p:cNvPr>
@@ -4064,7 +4064,7 @@
           <p:cNvPr id="12" name="Graphic 36">
             <a:extLst>
               <a:ext uri="{FF2B5EF4-FFF2-40B4-BE49-F238E27FC236}">
-                <a16:creationId xmlns:a16="http://schemas.microsoft.com/office/drawing/2014/main" xmlns="" id="{21FF5BCF-BC53-4C3F-8B7F-7077B35ADCA8}"/>
+                <a16:creationId xmlns:a16="http://schemas.microsoft.com/office/drawing/2014/main" id="{21FF5BCF-BC53-4C3F-8B7F-7077B35ADCA8}"/>
               </a:ext>
             </a:extLst>
           </p:cNvPr>
@@ -4172,7 +4172,7 @@
           <p:cNvPr id="15" name="Subtitle 2">
             <a:extLst>
               <a:ext uri="{FF2B5EF4-FFF2-40B4-BE49-F238E27FC236}">
-                <a16:creationId xmlns:a16="http://schemas.microsoft.com/office/drawing/2014/main" xmlns="" id="{4BCD5243-C973-44F2-88E8-A4A6E3387B1F}"/>
+                <a16:creationId xmlns:a16="http://schemas.microsoft.com/office/drawing/2014/main" id="{4BCD5243-C973-44F2-88E8-A4A6E3387B1F}"/>
               </a:ext>
             </a:extLst>
           </p:cNvPr>
@@ -4202,7 +4202,7 @@
           <a:p>
             <a:pPr marL="228600" lvl="0" indent="-228600"/>
             <a:r>
-              <a:rPr lang="en-US" smtClean="0"/>
+              <a:rPr lang="en-US"/>
               <a:t>Click to edit Master subtitle style</a:t>
             </a:r>
             <a:endParaRPr lang="en-US" dirty="0"/>
@@ -4244,7 +4244,7 @@
           <p:cNvPr id="34" name="Oval 33">
             <a:extLst>
               <a:ext uri="{FF2B5EF4-FFF2-40B4-BE49-F238E27FC236}">
-                <a16:creationId xmlns:a16="http://schemas.microsoft.com/office/drawing/2014/main" xmlns="" id="{13074BE4-153F-46FE-B915-CD1AEF318A25}"/>
+                <a16:creationId xmlns:a16="http://schemas.microsoft.com/office/drawing/2014/main" id="{13074BE4-153F-46FE-B915-CD1AEF318A25}"/>
               </a:ext>
             </a:extLst>
           </p:cNvPr>
@@ -4296,7 +4296,7 @@
           <p:cNvPr id="35" name="Graphic 12">
             <a:extLst>
               <a:ext uri="{FF2B5EF4-FFF2-40B4-BE49-F238E27FC236}">
-                <a16:creationId xmlns:a16="http://schemas.microsoft.com/office/drawing/2014/main" xmlns="" id="{0B7E91C4-F19E-46BE-B05F-139B5418924E}"/>
+                <a16:creationId xmlns:a16="http://schemas.microsoft.com/office/drawing/2014/main" id="{0B7E91C4-F19E-46BE-B05F-139B5418924E}"/>
               </a:ext>
             </a:extLst>
           </p:cNvPr>
@@ -4413,7 +4413,7 @@
           <p:cNvPr id="10" name="Freeform: Shape 9">
             <a:extLst>
               <a:ext uri="{FF2B5EF4-FFF2-40B4-BE49-F238E27FC236}">
-                <a16:creationId xmlns:a16="http://schemas.microsoft.com/office/drawing/2014/main" xmlns="" id="{08A64499-0304-4070-BCB0-67E2BE20A3EA}"/>
+                <a16:creationId xmlns:a16="http://schemas.microsoft.com/office/drawing/2014/main" id="{08A64499-0304-4070-BCB0-67E2BE20A3EA}"/>
               </a:ext>
             </a:extLst>
           </p:cNvPr>
@@ -4521,7 +4521,7 @@
           <p:cNvPr id="25" name="Freeform: Shape 24">
             <a:extLst>
               <a:ext uri="{FF2B5EF4-FFF2-40B4-BE49-F238E27FC236}">
-                <a16:creationId xmlns:a16="http://schemas.microsoft.com/office/drawing/2014/main" xmlns="" id="{ED1736B3-AE79-40C2-80FF-2FB0FEE27195}"/>
+                <a16:creationId xmlns:a16="http://schemas.microsoft.com/office/drawing/2014/main" id="{ED1736B3-AE79-40C2-80FF-2FB0FEE27195}"/>
               </a:ext>
             </a:extLst>
           </p:cNvPr>
@@ -4611,7 +4611,7 @@
           <p:cNvPr id="2" name="Title 1">
             <a:extLst>
               <a:ext uri="{FF2B5EF4-FFF2-40B4-BE49-F238E27FC236}">
-                <a16:creationId xmlns:a16="http://schemas.microsoft.com/office/drawing/2014/main" xmlns="" id="{DC2228EE-3546-4272-9C39-150FF23CE033}"/>
+                <a16:creationId xmlns:a16="http://schemas.microsoft.com/office/drawing/2014/main" id="{DC2228EE-3546-4272-9C39-150FF23CE033}"/>
               </a:ext>
             </a:extLst>
           </p:cNvPr>
@@ -4663,7 +4663,7 @@
           <p:cNvPr id="3" name="Subtitle 2">
             <a:extLst>
               <a:ext uri="{FF2B5EF4-FFF2-40B4-BE49-F238E27FC236}">
-                <a16:creationId xmlns:a16="http://schemas.microsoft.com/office/drawing/2014/main" xmlns="" id="{0F2EFCC6-4D5A-4B43-A534-1A868887BC7F}"/>
+                <a16:creationId xmlns:a16="http://schemas.microsoft.com/office/drawing/2014/main" id="{0F2EFCC6-4D5A-4B43-A534-1A868887BC7F}"/>
               </a:ext>
             </a:extLst>
           </p:cNvPr>
@@ -4728,7 +4728,7 @@
           </a:lstStyle>
           <a:p>
             <a:r>
-              <a:rPr lang="en-US" smtClean="0"/>
+              <a:rPr lang="en-US"/>
               <a:t>Click to edit Master subtitle style</a:t>
             </a:r>
             <a:endParaRPr lang="ru-RU" dirty="0"/>
@@ -4740,7 +4740,7 @@
           <p:cNvPr id="24" name="Graphic 22">
             <a:extLst>
               <a:ext uri="{FF2B5EF4-FFF2-40B4-BE49-F238E27FC236}">
-                <a16:creationId xmlns:a16="http://schemas.microsoft.com/office/drawing/2014/main" xmlns="" id="{4EE1436E-33B5-4388-87D8-2D0633CC3CE7}"/>
+                <a16:creationId xmlns:a16="http://schemas.microsoft.com/office/drawing/2014/main" id="{4EE1436E-33B5-4388-87D8-2D0633CC3CE7}"/>
               </a:ext>
             </a:extLst>
           </p:cNvPr>
@@ -4876,7 +4876,7 @@
           <p:cNvPr id="9" name="Freeform: Shape 8">
             <a:extLst>
               <a:ext uri="{FF2B5EF4-FFF2-40B4-BE49-F238E27FC236}">
-                <a16:creationId xmlns:a16="http://schemas.microsoft.com/office/drawing/2014/main" xmlns="" id="{A8FB11AB-3031-47CA-85DD-696856C3C62C}"/>
+                <a16:creationId xmlns:a16="http://schemas.microsoft.com/office/drawing/2014/main" id="{A8FB11AB-3031-47CA-85DD-696856C3C62C}"/>
               </a:ext>
             </a:extLst>
           </p:cNvPr>
@@ -4984,7 +4984,7 @@
           <p:cNvPr id="38" name="Freeform: Shape 37">
             <a:extLst>
               <a:ext uri="{FF2B5EF4-FFF2-40B4-BE49-F238E27FC236}">
-                <a16:creationId xmlns:a16="http://schemas.microsoft.com/office/drawing/2014/main" xmlns="" id="{9CD6F167-FB82-4EFB-BAB9-1D0FEE07B85D}"/>
+                <a16:creationId xmlns:a16="http://schemas.microsoft.com/office/drawing/2014/main" id="{9CD6F167-FB82-4EFB-BAB9-1D0FEE07B85D}"/>
               </a:ext>
             </a:extLst>
           </p:cNvPr>
@@ -5110,7 +5110,7 @@
           <p:cNvPr id="36" name="Freeform: Shape 35">
             <a:extLst>
               <a:ext uri="{FF2B5EF4-FFF2-40B4-BE49-F238E27FC236}">
-                <a16:creationId xmlns:a16="http://schemas.microsoft.com/office/drawing/2014/main" xmlns="" id="{3DD2082D-81A7-4E2D-8136-9D48016E7FE9}"/>
+                <a16:creationId xmlns:a16="http://schemas.microsoft.com/office/drawing/2014/main" id="{3DD2082D-81A7-4E2D-8136-9D48016E7FE9}"/>
               </a:ext>
             </a:extLst>
           </p:cNvPr>
@@ -5200,7 +5200,7 @@
           <p:cNvPr id="30" name="Freeform: Shape 29">
             <a:extLst>
               <a:ext uri="{FF2B5EF4-FFF2-40B4-BE49-F238E27FC236}">
-                <a16:creationId xmlns:a16="http://schemas.microsoft.com/office/drawing/2014/main" xmlns="" id="{ECF16C35-4A81-4062-808C-7697AF0FD6F5}"/>
+                <a16:creationId xmlns:a16="http://schemas.microsoft.com/office/drawing/2014/main" id="{ECF16C35-4A81-4062-808C-7697AF0FD6F5}"/>
               </a:ext>
             </a:extLst>
           </p:cNvPr>
@@ -5352,7 +5352,7 @@
           <p:cNvPr id="7" name="Date Placeholder 6">
             <a:extLst>
               <a:ext uri="{FF2B5EF4-FFF2-40B4-BE49-F238E27FC236}">
-                <a16:creationId xmlns:a16="http://schemas.microsoft.com/office/drawing/2014/main" xmlns="" id="{B7EF9C60-0FED-4965-A9BC-CE69886A38CA}"/>
+                <a16:creationId xmlns:a16="http://schemas.microsoft.com/office/drawing/2014/main" id="{B7EF9C60-0FED-4965-A9BC-CE69886A38CA}"/>
               </a:ext>
             </a:extLst>
           </p:cNvPr>
@@ -5381,7 +5381,7 @@
           <p:cNvPr id="8" name="Footer Placeholder 7">
             <a:extLst>
               <a:ext uri="{FF2B5EF4-FFF2-40B4-BE49-F238E27FC236}">
-                <a16:creationId xmlns:a16="http://schemas.microsoft.com/office/drawing/2014/main" xmlns="" id="{239F2410-4015-48DB-BB4D-B5944D8C16B7}"/>
+                <a16:creationId xmlns:a16="http://schemas.microsoft.com/office/drawing/2014/main" id="{239F2410-4015-48DB-BB4D-B5944D8C16B7}"/>
               </a:ext>
             </a:extLst>
           </p:cNvPr>
@@ -5410,7 +5410,7 @@
           <p:cNvPr id="11" name="Slide Number Placeholder 10">
             <a:extLst>
               <a:ext uri="{FF2B5EF4-FFF2-40B4-BE49-F238E27FC236}">
-                <a16:creationId xmlns:a16="http://schemas.microsoft.com/office/drawing/2014/main" xmlns="" id="{C44F5F26-1B35-405A-AD75-5DFF48CF6BD6}"/>
+                <a16:creationId xmlns:a16="http://schemas.microsoft.com/office/drawing/2014/main" id="{C44F5F26-1B35-405A-AD75-5DFF48CF6BD6}"/>
               </a:ext>
             </a:extLst>
           </p:cNvPr>
@@ -5486,7 +5486,7 @@
           <p:cNvPr id="48" name="Oval 47">
             <a:extLst>
               <a:ext uri="{FF2B5EF4-FFF2-40B4-BE49-F238E27FC236}">
-                <a16:creationId xmlns:a16="http://schemas.microsoft.com/office/drawing/2014/main" xmlns="" id="{2F290D8B-987A-4555-890C-F3CD026BF7BF}"/>
+                <a16:creationId xmlns:a16="http://schemas.microsoft.com/office/drawing/2014/main" id="{2F290D8B-987A-4555-890C-F3CD026BF7BF}"/>
               </a:ext>
             </a:extLst>
           </p:cNvPr>
@@ -5538,7 +5538,7 @@
           <p:cNvPr id="49" name="Graphic 12">
             <a:extLst>
               <a:ext uri="{FF2B5EF4-FFF2-40B4-BE49-F238E27FC236}">
-                <a16:creationId xmlns:a16="http://schemas.microsoft.com/office/drawing/2014/main" xmlns="" id="{6139C5E6-5A04-4458-8EF9-628BFBA73A92}"/>
+                <a16:creationId xmlns:a16="http://schemas.microsoft.com/office/drawing/2014/main" id="{6139C5E6-5A04-4458-8EF9-628BFBA73A92}"/>
               </a:ext>
             </a:extLst>
           </p:cNvPr>
@@ -5655,7 +5655,7 @@
           <p:cNvPr id="4" name="Date Placeholder 3">
             <a:extLst>
               <a:ext uri="{FF2B5EF4-FFF2-40B4-BE49-F238E27FC236}">
-                <a16:creationId xmlns:a16="http://schemas.microsoft.com/office/drawing/2014/main" xmlns="" id="{DC2A0631-3130-4C36-8E5E-80464B1A62A7}"/>
+                <a16:creationId xmlns:a16="http://schemas.microsoft.com/office/drawing/2014/main" id="{DC2A0631-3130-4C36-8E5E-80464B1A62A7}"/>
               </a:ext>
             </a:extLst>
           </p:cNvPr>
@@ -5683,7 +5683,7 @@
           <p:cNvPr id="5" name="Footer Placeholder 4">
             <a:extLst>
               <a:ext uri="{FF2B5EF4-FFF2-40B4-BE49-F238E27FC236}">
-                <a16:creationId xmlns:a16="http://schemas.microsoft.com/office/drawing/2014/main" xmlns="" id="{79230F82-FE68-4450-98DF-5D29369AEE76}"/>
+                <a16:creationId xmlns:a16="http://schemas.microsoft.com/office/drawing/2014/main" id="{79230F82-FE68-4450-98DF-5D29369AEE76}"/>
               </a:ext>
             </a:extLst>
           </p:cNvPr>
@@ -5720,7 +5720,7 @@
           <p:cNvPr id="6" name="Slide Number Placeholder 5">
             <a:extLst>
               <a:ext uri="{FF2B5EF4-FFF2-40B4-BE49-F238E27FC236}">
-                <a16:creationId xmlns:a16="http://schemas.microsoft.com/office/drawing/2014/main" xmlns="" id="{EE6603C1-6E1A-4E4B-9555-31D84B6BDAD9}"/>
+                <a16:creationId xmlns:a16="http://schemas.microsoft.com/office/drawing/2014/main" id="{EE6603C1-6E1A-4E4B-9555-31D84B6BDAD9}"/>
               </a:ext>
             </a:extLst>
           </p:cNvPr>
@@ -5749,7 +5749,7 @@
           <p:cNvPr id="41" name="Graphic 39">
             <a:extLst>
               <a:ext uri="{FF2B5EF4-FFF2-40B4-BE49-F238E27FC236}">
-                <a16:creationId xmlns:a16="http://schemas.microsoft.com/office/drawing/2014/main" xmlns="" id="{1D75FFD8-3F66-48B3-BB01-D4B8A9496851}"/>
+                <a16:creationId xmlns:a16="http://schemas.microsoft.com/office/drawing/2014/main" id="{1D75FFD8-3F66-48B3-BB01-D4B8A9496851}"/>
               </a:ext>
             </a:extLst>
           </p:cNvPr>
@@ -5769,7 +5769,7 @@
             <p:cNvPr id="42" name="Freeform: Shape 41">
               <a:extLst>
                 <a:ext uri="{FF2B5EF4-FFF2-40B4-BE49-F238E27FC236}">
-                  <a16:creationId xmlns:a16="http://schemas.microsoft.com/office/drawing/2014/main" xmlns="" id="{9BA0EC60-510D-41EF-AFE6-E4E6BD83F8C9}"/>
+                  <a16:creationId xmlns:a16="http://schemas.microsoft.com/office/drawing/2014/main" id="{9BA0EC60-510D-41EF-AFE6-E4E6BD83F8C9}"/>
                 </a:ext>
               </a:extLst>
             </p:cNvPr>
@@ -5959,7 +5959,7 @@
             <p:cNvPr id="43" name="Freeform: Shape 42">
               <a:extLst>
                 <a:ext uri="{FF2B5EF4-FFF2-40B4-BE49-F238E27FC236}">
-                  <a16:creationId xmlns:a16="http://schemas.microsoft.com/office/drawing/2014/main" xmlns="" id="{0162C508-E081-418C-A19D-15A59388C43A}"/>
+                  <a16:creationId xmlns:a16="http://schemas.microsoft.com/office/drawing/2014/main" id="{0162C508-E081-418C-A19D-15A59388C43A}"/>
                 </a:ext>
               </a:extLst>
             </p:cNvPr>
@@ -6067,7 +6067,7 @@
             <p:cNvPr id="44" name="Freeform: Shape 43">
               <a:extLst>
                 <a:ext uri="{FF2B5EF4-FFF2-40B4-BE49-F238E27FC236}">
-                  <a16:creationId xmlns:a16="http://schemas.microsoft.com/office/drawing/2014/main" xmlns="" id="{2A710D7D-FC65-4BF6-BDA4-E59B01AD6FBC}"/>
+                  <a16:creationId xmlns:a16="http://schemas.microsoft.com/office/drawing/2014/main" id="{2A710D7D-FC65-4BF6-BDA4-E59B01AD6FBC}"/>
                 </a:ext>
               </a:extLst>
             </p:cNvPr>
@@ -6175,7 +6175,7 @@
             <p:cNvPr id="45" name="Freeform: Shape 44">
               <a:extLst>
                 <a:ext uri="{FF2B5EF4-FFF2-40B4-BE49-F238E27FC236}">
-                  <a16:creationId xmlns:a16="http://schemas.microsoft.com/office/drawing/2014/main" xmlns="" id="{18811B6B-BBB0-4D69-AEF8-AD0A7F9A4B57}"/>
+                  <a16:creationId xmlns:a16="http://schemas.microsoft.com/office/drawing/2014/main" id="{18811B6B-BBB0-4D69-AEF8-AD0A7F9A4B57}"/>
                 </a:ext>
               </a:extLst>
             </p:cNvPr>
@@ -6283,7 +6283,7 @@
             <p:cNvPr id="46" name="Freeform: Shape 45">
               <a:extLst>
                 <a:ext uri="{FF2B5EF4-FFF2-40B4-BE49-F238E27FC236}">
-                  <a16:creationId xmlns:a16="http://schemas.microsoft.com/office/drawing/2014/main" xmlns="" id="{3DB7F04C-0D31-4172-9D02-F8C8B2043EB9}"/>
+                  <a16:creationId xmlns:a16="http://schemas.microsoft.com/office/drawing/2014/main" id="{3DB7F04C-0D31-4172-9D02-F8C8B2043EB9}"/>
                 </a:ext>
               </a:extLst>
             </p:cNvPr>
@@ -6463,7 +6463,7 @@
             <p:cNvPr id="47" name="Freeform: Shape 46">
               <a:extLst>
                 <a:ext uri="{FF2B5EF4-FFF2-40B4-BE49-F238E27FC236}">
-                  <a16:creationId xmlns:a16="http://schemas.microsoft.com/office/drawing/2014/main" xmlns="" id="{1FB04931-77A8-4259-95CA-DA7DEDB2DEFD}"/>
+                  <a16:creationId xmlns:a16="http://schemas.microsoft.com/office/drawing/2014/main" id="{1FB04931-77A8-4259-95CA-DA7DEDB2DEFD}"/>
                 </a:ext>
               </a:extLst>
             </p:cNvPr>
@@ -6654,7 +6654,7 @@
           <p:cNvPr id="18" name="Content Placeholder 2">
             <a:extLst>
               <a:ext uri="{FF2B5EF4-FFF2-40B4-BE49-F238E27FC236}">
-                <a16:creationId xmlns:a16="http://schemas.microsoft.com/office/drawing/2014/main" xmlns="" id="{D7B996D2-06BA-413A-BDEE-428A188D3ADF}"/>
+                <a16:creationId xmlns:a16="http://schemas.microsoft.com/office/drawing/2014/main" id="{D7B996D2-06BA-413A-BDEE-428A188D3ADF}"/>
               </a:ext>
             </a:extLst>
           </p:cNvPr>
@@ -6715,35 +6715,35 @@
           <a:p>
             <a:pPr lvl="0"/>
             <a:r>
-              <a:rPr lang="en-US" smtClean="0"/>
+              <a:rPr lang="en-US"/>
               <a:t>Click to edit Master text styles</a:t>
             </a:r>
           </a:p>
           <a:p>
             <a:pPr lvl="1"/>
             <a:r>
-              <a:rPr lang="en-US" smtClean="0"/>
+              <a:rPr lang="en-US"/>
               <a:t>Second level</a:t>
             </a:r>
           </a:p>
           <a:p>
             <a:pPr lvl="2"/>
             <a:r>
-              <a:rPr lang="en-US" smtClean="0"/>
+              <a:rPr lang="en-US"/>
               <a:t>Third level</a:t>
             </a:r>
           </a:p>
           <a:p>
             <a:pPr lvl="3"/>
             <a:r>
-              <a:rPr lang="en-US" smtClean="0"/>
+              <a:rPr lang="en-US"/>
               <a:t>Fourth level</a:t>
             </a:r>
           </a:p>
           <a:p>
             <a:pPr lvl="4"/>
             <a:r>
-              <a:rPr lang="en-US" smtClean="0"/>
+              <a:rPr lang="en-US"/>
               <a:t>Fifth level</a:t>
             </a:r>
             <a:endParaRPr lang="en-US" dirty="0"/>
@@ -6755,7 +6755,7 @@
           <p:cNvPr id="7" name="Title 6">
             <a:extLst>
               <a:ext uri="{FF2B5EF4-FFF2-40B4-BE49-F238E27FC236}">
-                <a16:creationId xmlns:a16="http://schemas.microsoft.com/office/drawing/2014/main" xmlns="" id="{5E5109FC-8CB6-4120-99CF-163DDAB90612}"/>
+                <a16:creationId xmlns:a16="http://schemas.microsoft.com/office/drawing/2014/main" id="{5E5109FC-8CB6-4120-99CF-163DDAB90612}"/>
               </a:ext>
             </a:extLst>
           </p:cNvPr>
@@ -6777,10 +6777,9 @@
           <a:lstStyle/>
           <a:p>
             <a:r>
-              <a:rPr lang="en-US" smtClean="0"/>
+              <a:rPr lang="en-US"/>
               <a:t>Click to edit Master title style</a:t>
             </a:r>
-            <a:endParaRPr lang="en-US"/>
           </a:p>
         </p:txBody>
       </p:sp>
@@ -6789,7 +6788,7 @@
           <p:cNvPr id="20" name="Graphic 19">
             <a:extLst>
               <a:ext uri="{FF2B5EF4-FFF2-40B4-BE49-F238E27FC236}">
-                <a16:creationId xmlns:a16="http://schemas.microsoft.com/office/drawing/2014/main" xmlns="" id="{9462DA56-F882-470A-8F8C-A55B25FD8A7A}"/>
+                <a16:creationId xmlns:a16="http://schemas.microsoft.com/office/drawing/2014/main" id="{9462DA56-F882-470A-8F8C-A55B25FD8A7A}"/>
               </a:ext>
             </a:extLst>
           </p:cNvPr>
@@ -6955,7 +6954,7 @@
           <p:cNvPr id="48" name="Oval 47">
             <a:extLst>
               <a:ext uri="{FF2B5EF4-FFF2-40B4-BE49-F238E27FC236}">
-                <a16:creationId xmlns:a16="http://schemas.microsoft.com/office/drawing/2014/main" xmlns="" id="{2F290D8B-987A-4555-890C-F3CD026BF7BF}"/>
+                <a16:creationId xmlns:a16="http://schemas.microsoft.com/office/drawing/2014/main" id="{2F290D8B-987A-4555-890C-F3CD026BF7BF}"/>
               </a:ext>
             </a:extLst>
           </p:cNvPr>
@@ -7007,7 +7006,7 @@
           <p:cNvPr id="49" name="Graphic 12">
             <a:extLst>
               <a:ext uri="{FF2B5EF4-FFF2-40B4-BE49-F238E27FC236}">
-                <a16:creationId xmlns:a16="http://schemas.microsoft.com/office/drawing/2014/main" xmlns="" id="{6139C5E6-5A04-4458-8EF9-628BFBA73A92}"/>
+                <a16:creationId xmlns:a16="http://schemas.microsoft.com/office/drawing/2014/main" id="{6139C5E6-5A04-4458-8EF9-628BFBA73A92}"/>
               </a:ext>
             </a:extLst>
           </p:cNvPr>
@@ -7124,7 +7123,7 @@
           <p:cNvPr id="4" name="Date Placeholder 3">
             <a:extLst>
               <a:ext uri="{FF2B5EF4-FFF2-40B4-BE49-F238E27FC236}">
-                <a16:creationId xmlns:a16="http://schemas.microsoft.com/office/drawing/2014/main" xmlns="" id="{DC2A0631-3130-4C36-8E5E-80464B1A62A7}"/>
+                <a16:creationId xmlns:a16="http://schemas.microsoft.com/office/drawing/2014/main" id="{DC2A0631-3130-4C36-8E5E-80464B1A62A7}"/>
               </a:ext>
             </a:extLst>
           </p:cNvPr>
@@ -7152,7 +7151,7 @@
           <p:cNvPr id="5" name="Footer Placeholder 4">
             <a:extLst>
               <a:ext uri="{FF2B5EF4-FFF2-40B4-BE49-F238E27FC236}">
-                <a16:creationId xmlns:a16="http://schemas.microsoft.com/office/drawing/2014/main" xmlns="" id="{79230F82-FE68-4450-98DF-5D29369AEE76}"/>
+                <a16:creationId xmlns:a16="http://schemas.microsoft.com/office/drawing/2014/main" id="{79230F82-FE68-4450-98DF-5D29369AEE76}"/>
               </a:ext>
             </a:extLst>
           </p:cNvPr>
@@ -7189,7 +7188,7 @@
           <p:cNvPr id="6" name="Slide Number Placeholder 5">
             <a:extLst>
               <a:ext uri="{FF2B5EF4-FFF2-40B4-BE49-F238E27FC236}">
-                <a16:creationId xmlns:a16="http://schemas.microsoft.com/office/drawing/2014/main" xmlns="" id="{EE6603C1-6E1A-4E4B-9555-31D84B6BDAD9}"/>
+                <a16:creationId xmlns:a16="http://schemas.microsoft.com/office/drawing/2014/main" id="{EE6603C1-6E1A-4E4B-9555-31D84B6BDAD9}"/>
               </a:ext>
             </a:extLst>
           </p:cNvPr>
@@ -7218,7 +7217,7 @@
           <p:cNvPr id="41" name="Graphic 39">
             <a:extLst>
               <a:ext uri="{FF2B5EF4-FFF2-40B4-BE49-F238E27FC236}">
-                <a16:creationId xmlns:a16="http://schemas.microsoft.com/office/drawing/2014/main" xmlns="" id="{1D75FFD8-3F66-48B3-BB01-D4B8A9496851}"/>
+                <a16:creationId xmlns:a16="http://schemas.microsoft.com/office/drawing/2014/main" id="{1D75FFD8-3F66-48B3-BB01-D4B8A9496851}"/>
               </a:ext>
             </a:extLst>
           </p:cNvPr>
@@ -7238,7 +7237,7 @@
             <p:cNvPr id="42" name="Freeform: Shape 41">
               <a:extLst>
                 <a:ext uri="{FF2B5EF4-FFF2-40B4-BE49-F238E27FC236}">
-                  <a16:creationId xmlns:a16="http://schemas.microsoft.com/office/drawing/2014/main" xmlns="" id="{9BA0EC60-510D-41EF-AFE6-E4E6BD83F8C9}"/>
+                  <a16:creationId xmlns:a16="http://schemas.microsoft.com/office/drawing/2014/main" id="{9BA0EC60-510D-41EF-AFE6-E4E6BD83F8C9}"/>
                 </a:ext>
               </a:extLst>
             </p:cNvPr>
@@ -7428,7 +7427,7 @@
             <p:cNvPr id="43" name="Freeform: Shape 42">
               <a:extLst>
                 <a:ext uri="{FF2B5EF4-FFF2-40B4-BE49-F238E27FC236}">
-                  <a16:creationId xmlns:a16="http://schemas.microsoft.com/office/drawing/2014/main" xmlns="" id="{0162C508-E081-418C-A19D-15A59388C43A}"/>
+                  <a16:creationId xmlns:a16="http://schemas.microsoft.com/office/drawing/2014/main" id="{0162C508-E081-418C-A19D-15A59388C43A}"/>
                 </a:ext>
               </a:extLst>
             </p:cNvPr>
@@ -7536,7 +7535,7 @@
             <p:cNvPr id="44" name="Freeform: Shape 43">
               <a:extLst>
                 <a:ext uri="{FF2B5EF4-FFF2-40B4-BE49-F238E27FC236}">
-                  <a16:creationId xmlns:a16="http://schemas.microsoft.com/office/drawing/2014/main" xmlns="" id="{2A710D7D-FC65-4BF6-BDA4-E59B01AD6FBC}"/>
+                  <a16:creationId xmlns:a16="http://schemas.microsoft.com/office/drawing/2014/main" id="{2A710D7D-FC65-4BF6-BDA4-E59B01AD6FBC}"/>
                 </a:ext>
               </a:extLst>
             </p:cNvPr>
@@ -7644,7 +7643,7 @@
             <p:cNvPr id="45" name="Freeform: Shape 44">
               <a:extLst>
                 <a:ext uri="{FF2B5EF4-FFF2-40B4-BE49-F238E27FC236}">
-                  <a16:creationId xmlns:a16="http://schemas.microsoft.com/office/drawing/2014/main" xmlns="" id="{18811B6B-BBB0-4D69-AEF8-AD0A7F9A4B57}"/>
+                  <a16:creationId xmlns:a16="http://schemas.microsoft.com/office/drawing/2014/main" id="{18811B6B-BBB0-4D69-AEF8-AD0A7F9A4B57}"/>
                 </a:ext>
               </a:extLst>
             </p:cNvPr>
@@ -7752,7 +7751,7 @@
             <p:cNvPr id="46" name="Freeform: Shape 45">
               <a:extLst>
                 <a:ext uri="{FF2B5EF4-FFF2-40B4-BE49-F238E27FC236}">
-                  <a16:creationId xmlns:a16="http://schemas.microsoft.com/office/drawing/2014/main" xmlns="" id="{3DB7F04C-0D31-4172-9D02-F8C8B2043EB9}"/>
+                  <a16:creationId xmlns:a16="http://schemas.microsoft.com/office/drawing/2014/main" id="{3DB7F04C-0D31-4172-9D02-F8C8B2043EB9}"/>
                 </a:ext>
               </a:extLst>
             </p:cNvPr>
@@ -7932,7 +7931,7 @@
             <p:cNvPr id="47" name="Freeform: Shape 46">
               <a:extLst>
                 <a:ext uri="{FF2B5EF4-FFF2-40B4-BE49-F238E27FC236}">
-                  <a16:creationId xmlns:a16="http://schemas.microsoft.com/office/drawing/2014/main" xmlns="" id="{1FB04931-77A8-4259-95CA-DA7DEDB2DEFD}"/>
+                  <a16:creationId xmlns:a16="http://schemas.microsoft.com/office/drawing/2014/main" id="{1FB04931-77A8-4259-95CA-DA7DEDB2DEFD}"/>
                 </a:ext>
               </a:extLst>
             </p:cNvPr>
@@ -8123,7 +8122,7 @@
           <p:cNvPr id="7" name="Title 6">
             <a:extLst>
               <a:ext uri="{FF2B5EF4-FFF2-40B4-BE49-F238E27FC236}">
-                <a16:creationId xmlns:a16="http://schemas.microsoft.com/office/drawing/2014/main" xmlns="" id="{5E5109FC-8CB6-4120-99CF-163DDAB90612}"/>
+                <a16:creationId xmlns:a16="http://schemas.microsoft.com/office/drawing/2014/main" id="{5E5109FC-8CB6-4120-99CF-163DDAB90612}"/>
               </a:ext>
             </a:extLst>
           </p:cNvPr>
@@ -8145,10 +8144,9 @@
           <a:lstStyle/>
           <a:p>
             <a:r>
-              <a:rPr lang="en-US" smtClean="0"/>
+              <a:rPr lang="en-US"/>
               <a:t>Click to edit Master title style</a:t>
             </a:r>
-            <a:endParaRPr lang="en-US"/>
           </a:p>
         </p:txBody>
       </p:sp>
@@ -8157,7 +8155,7 @@
           <p:cNvPr id="20" name="Graphic 19">
             <a:extLst>
               <a:ext uri="{FF2B5EF4-FFF2-40B4-BE49-F238E27FC236}">
-                <a16:creationId xmlns:a16="http://schemas.microsoft.com/office/drawing/2014/main" xmlns="" id="{9462DA56-F882-470A-8F8C-A55B25FD8A7A}"/>
+                <a16:creationId xmlns:a16="http://schemas.microsoft.com/office/drawing/2014/main" id="{9462DA56-F882-470A-8F8C-A55B25FD8A7A}"/>
               </a:ext>
             </a:extLst>
           </p:cNvPr>
@@ -8293,7 +8291,7 @@
           <p:cNvPr id="17" name="Text Placeholder 2">
             <a:extLst>
               <a:ext uri="{FF2B5EF4-FFF2-40B4-BE49-F238E27FC236}">
-                <a16:creationId xmlns:a16="http://schemas.microsoft.com/office/drawing/2014/main" xmlns="" id="{24B91177-A100-491C-B5EF-BC77E2E33F72}"/>
+                <a16:creationId xmlns:a16="http://schemas.microsoft.com/office/drawing/2014/main" id="{24B91177-A100-491C-B5EF-BC77E2E33F72}"/>
               </a:ext>
             </a:extLst>
           </p:cNvPr>
@@ -8355,7 +8353,7 @@
           <a:p>
             <a:pPr lvl="0"/>
             <a:r>
-              <a:rPr lang="en-US" smtClean="0"/>
+              <a:rPr lang="en-US"/>
               <a:t>Click to edit Master text styles</a:t>
             </a:r>
           </a:p>
@@ -8366,7 +8364,7 @@
           <p:cNvPr id="19" name="Content Placeholder 3">
             <a:extLst>
               <a:ext uri="{FF2B5EF4-FFF2-40B4-BE49-F238E27FC236}">
-                <a16:creationId xmlns:a16="http://schemas.microsoft.com/office/drawing/2014/main" xmlns="" id="{B6758D2F-C9AC-4514-B48E-2863E8DDE0CF}"/>
+                <a16:creationId xmlns:a16="http://schemas.microsoft.com/office/drawing/2014/main" id="{B6758D2F-C9AC-4514-B48E-2863E8DDE0CF}"/>
               </a:ext>
             </a:extLst>
           </p:cNvPr>
@@ -8427,35 +8425,35 @@
           <a:p>
             <a:pPr lvl="0"/>
             <a:r>
-              <a:rPr lang="en-US" smtClean="0"/>
+              <a:rPr lang="en-US"/>
               <a:t>Click to edit Master text styles</a:t>
             </a:r>
           </a:p>
           <a:p>
             <a:pPr lvl="1"/>
             <a:r>
-              <a:rPr lang="en-US" smtClean="0"/>
+              <a:rPr lang="en-US"/>
               <a:t>Second level</a:t>
             </a:r>
           </a:p>
           <a:p>
             <a:pPr lvl="2"/>
             <a:r>
-              <a:rPr lang="en-US" smtClean="0"/>
+              <a:rPr lang="en-US"/>
               <a:t>Third level</a:t>
             </a:r>
           </a:p>
           <a:p>
             <a:pPr lvl="3"/>
             <a:r>
-              <a:rPr lang="en-US" smtClean="0"/>
+              <a:rPr lang="en-US"/>
               <a:t>Fourth level</a:t>
             </a:r>
           </a:p>
           <a:p>
             <a:pPr lvl="4"/>
             <a:r>
-              <a:rPr lang="en-US" smtClean="0"/>
+              <a:rPr lang="en-US"/>
               <a:t>Fifth level</a:t>
             </a:r>
             <a:endParaRPr lang="en-US" dirty="0"/>
@@ -8467,7 +8465,7 @@
           <p:cNvPr id="21" name="Text Placeholder 4">
             <a:extLst>
               <a:ext uri="{FF2B5EF4-FFF2-40B4-BE49-F238E27FC236}">
-                <a16:creationId xmlns:a16="http://schemas.microsoft.com/office/drawing/2014/main" xmlns="" id="{633C3A9F-17E4-45DF-8DB7-7A55846AAA8F}"/>
+                <a16:creationId xmlns:a16="http://schemas.microsoft.com/office/drawing/2014/main" id="{633C3A9F-17E4-45DF-8DB7-7A55846AAA8F}"/>
               </a:ext>
             </a:extLst>
           </p:cNvPr>
@@ -8529,7 +8527,7 @@
           <a:p>
             <a:pPr lvl="0"/>
             <a:r>
-              <a:rPr lang="en-US" smtClean="0"/>
+              <a:rPr lang="en-US"/>
               <a:t>Click to edit Master text styles</a:t>
             </a:r>
           </a:p>
@@ -8540,7 +8538,7 @@
           <p:cNvPr id="22" name="Content Placeholder 5">
             <a:extLst>
               <a:ext uri="{FF2B5EF4-FFF2-40B4-BE49-F238E27FC236}">
-                <a16:creationId xmlns:a16="http://schemas.microsoft.com/office/drawing/2014/main" xmlns="" id="{C19AB308-7C32-46C9-B8DB-AA96B7ED0D62}"/>
+                <a16:creationId xmlns:a16="http://schemas.microsoft.com/office/drawing/2014/main" id="{C19AB308-7C32-46C9-B8DB-AA96B7ED0D62}"/>
               </a:ext>
             </a:extLst>
           </p:cNvPr>
@@ -8601,38 +8599,37 @@
           <a:p>
             <a:pPr lvl="0"/>
             <a:r>
-              <a:rPr lang="en-US" smtClean="0"/>
+              <a:rPr lang="en-US"/>
               <a:t>Click to edit Master text styles</a:t>
             </a:r>
           </a:p>
           <a:p>
             <a:pPr lvl="1"/>
             <a:r>
-              <a:rPr lang="en-US" smtClean="0"/>
+              <a:rPr lang="en-US"/>
               <a:t>Second level</a:t>
             </a:r>
           </a:p>
           <a:p>
             <a:pPr lvl="2"/>
             <a:r>
-              <a:rPr lang="en-US" smtClean="0"/>
+              <a:rPr lang="en-US"/>
               <a:t>Third level</a:t>
             </a:r>
           </a:p>
           <a:p>
             <a:pPr lvl="3"/>
             <a:r>
-              <a:rPr lang="en-US" smtClean="0"/>
+              <a:rPr lang="en-US"/>
               <a:t>Fourth level</a:t>
             </a:r>
           </a:p>
           <a:p>
             <a:pPr lvl="4"/>
             <a:r>
-              <a:rPr lang="en-US" smtClean="0"/>
+              <a:rPr lang="en-US"/>
               <a:t>Fifth level</a:t>
             </a:r>
-            <a:endParaRPr lang="en-US"/>
           </a:p>
         </p:txBody>
       </p:sp>
@@ -8671,7 +8668,7 @@
           <p:cNvPr id="48" name="Oval 47">
             <a:extLst>
               <a:ext uri="{FF2B5EF4-FFF2-40B4-BE49-F238E27FC236}">
-                <a16:creationId xmlns:a16="http://schemas.microsoft.com/office/drawing/2014/main" xmlns="" id="{2F290D8B-987A-4555-890C-F3CD026BF7BF}"/>
+                <a16:creationId xmlns:a16="http://schemas.microsoft.com/office/drawing/2014/main" id="{2F290D8B-987A-4555-890C-F3CD026BF7BF}"/>
               </a:ext>
             </a:extLst>
           </p:cNvPr>
@@ -8723,7 +8720,7 @@
           <p:cNvPr id="49" name="Graphic 12">
             <a:extLst>
               <a:ext uri="{FF2B5EF4-FFF2-40B4-BE49-F238E27FC236}">
-                <a16:creationId xmlns:a16="http://schemas.microsoft.com/office/drawing/2014/main" xmlns="" id="{6139C5E6-5A04-4458-8EF9-628BFBA73A92}"/>
+                <a16:creationId xmlns:a16="http://schemas.microsoft.com/office/drawing/2014/main" id="{6139C5E6-5A04-4458-8EF9-628BFBA73A92}"/>
               </a:ext>
             </a:extLst>
           </p:cNvPr>
@@ -8840,7 +8837,7 @@
           <p:cNvPr id="4" name="Date Placeholder 3">
             <a:extLst>
               <a:ext uri="{FF2B5EF4-FFF2-40B4-BE49-F238E27FC236}">
-                <a16:creationId xmlns:a16="http://schemas.microsoft.com/office/drawing/2014/main" xmlns="" id="{DC2A0631-3130-4C36-8E5E-80464B1A62A7}"/>
+                <a16:creationId xmlns:a16="http://schemas.microsoft.com/office/drawing/2014/main" id="{DC2A0631-3130-4C36-8E5E-80464B1A62A7}"/>
               </a:ext>
             </a:extLst>
           </p:cNvPr>
@@ -8868,7 +8865,7 @@
           <p:cNvPr id="5" name="Footer Placeholder 4">
             <a:extLst>
               <a:ext uri="{FF2B5EF4-FFF2-40B4-BE49-F238E27FC236}">
-                <a16:creationId xmlns:a16="http://schemas.microsoft.com/office/drawing/2014/main" xmlns="" id="{79230F82-FE68-4450-98DF-5D29369AEE76}"/>
+                <a16:creationId xmlns:a16="http://schemas.microsoft.com/office/drawing/2014/main" id="{79230F82-FE68-4450-98DF-5D29369AEE76}"/>
               </a:ext>
             </a:extLst>
           </p:cNvPr>
@@ -8905,7 +8902,7 @@
           <p:cNvPr id="6" name="Slide Number Placeholder 5">
             <a:extLst>
               <a:ext uri="{FF2B5EF4-FFF2-40B4-BE49-F238E27FC236}">
-                <a16:creationId xmlns:a16="http://schemas.microsoft.com/office/drawing/2014/main" xmlns="" id="{EE6603C1-6E1A-4E4B-9555-31D84B6BDAD9}"/>
+                <a16:creationId xmlns:a16="http://schemas.microsoft.com/office/drawing/2014/main" id="{EE6603C1-6E1A-4E4B-9555-31D84B6BDAD9}"/>
               </a:ext>
             </a:extLst>
           </p:cNvPr>
@@ -8934,7 +8931,7 @@
           <p:cNvPr id="41" name="Graphic 39">
             <a:extLst>
               <a:ext uri="{FF2B5EF4-FFF2-40B4-BE49-F238E27FC236}">
-                <a16:creationId xmlns:a16="http://schemas.microsoft.com/office/drawing/2014/main" xmlns="" id="{1D75FFD8-3F66-48B3-BB01-D4B8A9496851}"/>
+                <a16:creationId xmlns:a16="http://schemas.microsoft.com/office/drawing/2014/main" id="{1D75FFD8-3F66-48B3-BB01-D4B8A9496851}"/>
               </a:ext>
             </a:extLst>
           </p:cNvPr>
@@ -8954,7 +8951,7 @@
             <p:cNvPr id="42" name="Freeform: Shape 41">
               <a:extLst>
                 <a:ext uri="{FF2B5EF4-FFF2-40B4-BE49-F238E27FC236}">
-                  <a16:creationId xmlns:a16="http://schemas.microsoft.com/office/drawing/2014/main" xmlns="" id="{9BA0EC60-510D-41EF-AFE6-E4E6BD83F8C9}"/>
+                  <a16:creationId xmlns:a16="http://schemas.microsoft.com/office/drawing/2014/main" id="{9BA0EC60-510D-41EF-AFE6-E4E6BD83F8C9}"/>
                 </a:ext>
               </a:extLst>
             </p:cNvPr>
@@ -9144,7 +9141,7 @@
             <p:cNvPr id="43" name="Freeform: Shape 42">
               <a:extLst>
                 <a:ext uri="{FF2B5EF4-FFF2-40B4-BE49-F238E27FC236}">
-                  <a16:creationId xmlns:a16="http://schemas.microsoft.com/office/drawing/2014/main" xmlns="" id="{0162C508-E081-418C-A19D-15A59388C43A}"/>
+                  <a16:creationId xmlns:a16="http://schemas.microsoft.com/office/drawing/2014/main" id="{0162C508-E081-418C-A19D-15A59388C43A}"/>
                 </a:ext>
               </a:extLst>
             </p:cNvPr>
@@ -9252,7 +9249,7 @@
             <p:cNvPr id="44" name="Freeform: Shape 43">
               <a:extLst>
                 <a:ext uri="{FF2B5EF4-FFF2-40B4-BE49-F238E27FC236}">
-                  <a16:creationId xmlns:a16="http://schemas.microsoft.com/office/drawing/2014/main" xmlns="" id="{2A710D7D-FC65-4BF6-BDA4-E59B01AD6FBC}"/>
+                  <a16:creationId xmlns:a16="http://schemas.microsoft.com/office/drawing/2014/main" id="{2A710D7D-FC65-4BF6-BDA4-E59B01AD6FBC}"/>
                 </a:ext>
               </a:extLst>
             </p:cNvPr>
@@ -9360,7 +9357,7 @@
             <p:cNvPr id="45" name="Freeform: Shape 44">
               <a:extLst>
                 <a:ext uri="{FF2B5EF4-FFF2-40B4-BE49-F238E27FC236}">
-                  <a16:creationId xmlns:a16="http://schemas.microsoft.com/office/drawing/2014/main" xmlns="" id="{18811B6B-BBB0-4D69-AEF8-AD0A7F9A4B57}"/>
+                  <a16:creationId xmlns:a16="http://schemas.microsoft.com/office/drawing/2014/main" id="{18811B6B-BBB0-4D69-AEF8-AD0A7F9A4B57}"/>
                 </a:ext>
               </a:extLst>
             </p:cNvPr>
@@ -9468,7 +9465,7 @@
             <p:cNvPr id="46" name="Freeform: Shape 45">
               <a:extLst>
                 <a:ext uri="{FF2B5EF4-FFF2-40B4-BE49-F238E27FC236}">
-                  <a16:creationId xmlns:a16="http://schemas.microsoft.com/office/drawing/2014/main" xmlns="" id="{3DB7F04C-0D31-4172-9D02-F8C8B2043EB9}"/>
+                  <a16:creationId xmlns:a16="http://schemas.microsoft.com/office/drawing/2014/main" id="{3DB7F04C-0D31-4172-9D02-F8C8B2043EB9}"/>
                 </a:ext>
               </a:extLst>
             </p:cNvPr>
@@ -9648,7 +9645,7 @@
             <p:cNvPr id="47" name="Freeform: Shape 46">
               <a:extLst>
                 <a:ext uri="{FF2B5EF4-FFF2-40B4-BE49-F238E27FC236}">
-                  <a16:creationId xmlns:a16="http://schemas.microsoft.com/office/drawing/2014/main" xmlns="" id="{1FB04931-77A8-4259-95CA-DA7DEDB2DEFD}"/>
+                  <a16:creationId xmlns:a16="http://schemas.microsoft.com/office/drawing/2014/main" id="{1FB04931-77A8-4259-95CA-DA7DEDB2DEFD}"/>
                 </a:ext>
               </a:extLst>
             </p:cNvPr>
@@ -9839,7 +9836,7 @@
           <p:cNvPr id="7" name="Title 6">
             <a:extLst>
               <a:ext uri="{FF2B5EF4-FFF2-40B4-BE49-F238E27FC236}">
-                <a16:creationId xmlns:a16="http://schemas.microsoft.com/office/drawing/2014/main" xmlns="" id="{5E5109FC-8CB6-4120-99CF-163DDAB90612}"/>
+                <a16:creationId xmlns:a16="http://schemas.microsoft.com/office/drawing/2014/main" id="{5E5109FC-8CB6-4120-99CF-163DDAB90612}"/>
               </a:ext>
             </a:extLst>
           </p:cNvPr>
@@ -9861,10 +9858,9 @@
           <a:lstStyle/>
           <a:p>
             <a:r>
-              <a:rPr lang="en-US" smtClean="0"/>
+              <a:rPr lang="en-US"/>
               <a:t>Click to edit Master title style</a:t>
             </a:r>
-            <a:endParaRPr lang="en-US"/>
           </a:p>
         </p:txBody>
       </p:sp>
@@ -9873,7 +9869,7 @@
           <p:cNvPr id="20" name="Graphic 19">
             <a:extLst>
               <a:ext uri="{FF2B5EF4-FFF2-40B4-BE49-F238E27FC236}">
-                <a16:creationId xmlns:a16="http://schemas.microsoft.com/office/drawing/2014/main" xmlns="" id="{9462DA56-F882-470A-8F8C-A55B25FD8A7A}"/>
+                <a16:creationId xmlns:a16="http://schemas.microsoft.com/office/drawing/2014/main" id="{9462DA56-F882-470A-8F8C-A55B25FD8A7A}"/>
               </a:ext>
             </a:extLst>
           </p:cNvPr>
@@ -10009,7 +10005,7 @@
           <p:cNvPr id="23" name="Content Placeholder 2">
             <a:extLst>
               <a:ext uri="{FF2B5EF4-FFF2-40B4-BE49-F238E27FC236}">
-                <a16:creationId xmlns:a16="http://schemas.microsoft.com/office/drawing/2014/main" xmlns="" id="{CD5AE8A8-E027-4529-A5B7-4D355C71E647}"/>
+                <a16:creationId xmlns:a16="http://schemas.microsoft.com/office/drawing/2014/main" id="{CD5AE8A8-E027-4529-A5B7-4D355C71E647}"/>
               </a:ext>
             </a:extLst>
           </p:cNvPr>
@@ -10070,38 +10066,37 @@
           <a:p>
             <a:pPr lvl="0"/>
             <a:r>
-              <a:rPr lang="en-US" smtClean="0"/>
+              <a:rPr lang="en-US"/>
               <a:t>Click to edit Master text styles</a:t>
             </a:r>
           </a:p>
           <a:p>
             <a:pPr lvl="1"/>
             <a:r>
-              <a:rPr lang="en-US" smtClean="0"/>
+              <a:rPr lang="en-US"/>
               <a:t>Second level</a:t>
             </a:r>
           </a:p>
           <a:p>
             <a:pPr lvl="2"/>
             <a:r>
-              <a:rPr lang="en-US" smtClean="0"/>
+              <a:rPr lang="en-US"/>
               <a:t>Third level</a:t>
             </a:r>
           </a:p>
           <a:p>
             <a:pPr lvl="3"/>
             <a:r>
-              <a:rPr lang="en-US" smtClean="0"/>
+              <a:rPr lang="en-US"/>
               <a:t>Fourth level</a:t>
             </a:r>
           </a:p>
           <a:p>
             <a:pPr lvl="4"/>
             <a:r>
-              <a:rPr lang="en-US" smtClean="0"/>
+              <a:rPr lang="en-US"/>
               <a:t>Fifth level</a:t>
             </a:r>
-            <a:endParaRPr lang="en-US"/>
           </a:p>
         </p:txBody>
       </p:sp>
@@ -10110,7 +10105,7 @@
           <p:cNvPr id="24" name="Content Placeholder 3">
             <a:extLst>
               <a:ext uri="{FF2B5EF4-FFF2-40B4-BE49-F238E27FC236}">
-                <a16:creationId xmlns:a16="http://schemas.microsoft.com/office/drawing/2014/main" xmlns="" id="{FB3E4803-F2CA-4138-9997-6108BFDFE7E2}"/>
+                <a16:creationId xmlns:a16="http://schemas.microsoft.com/office/drawing/2014/main" id="{FB3E4803-F2CA-4138-9997-6108BFDFE7E2}"/>
               </a:ext>
             </a:extLst>
           </p:cNvPr>
@@ -10171,38 +10166,37 @@
           <a:p>
             <a:pPr lvl="0"/>
             <a:r>
-              <a:rPr lang="en-US" smtClean="0"/>
+              <a:rPr lang="en-US"/>
               <a:t>Click to edit Master text styles</a:t>
             </a:r>
           </a:p>
           <a:p>
             <a:pPr lvl="1"/>
             <a:r>
-              <a:rPr lang="en-US" smtClean="0"/>
+              <a:rPr lang="en-US"/>
               <a:t>Second level</a:t>
             </a:r>
           </a:p>
           <a:p>
             <a:pPr lvl="2"/>
             <a:r>
-              <a:rPr lang="en-US" smtClean="0"/>
+              <a:rPr lang="en-US"/>
               <a:t>Third level</a:t>
             </a:r>
           </a:p>
           <a:p>
             <a:pPr lvl="3"/>
             <a:r>
-              <a:rPr lang="en-US" smtClean="0"/>
+              <a:rPr lang="en-US"/>
               <a:t>Fourth level</a:t>
             </a:r>
           </a:p>
           <a:p>
             <a:pPr lvl="4"/>
             <a:r>
-              <a:rPr lang="en-US" smtClean="0"/>
+              <a:rPr lang="en-US"/>
               <a:t>Fifth level</a:t>
             </a:r>
-            <a:endParaRPr lang="en-US"/>
           </a:p>
         </p:txBody>
       </p:sp>
@@ -10241,7 +10235,7 @@
           <p:cNvPr id="57" name="Picture Placeholder 56">
             <a:extLst>
               <a:ext uri="{FF2B5EF4-FFF2-40B4-BE49-F238E27FC236}">
-                <a16:creationId xmlns:a16="http://schemas.microsoft.com/office/drawing/2014/main" xmlns="" id="{8E328517-DD21-40E0-B948-B25B366BDEC7}"/>
+                <a16:creationId xmlns:a16="http://schemas.microsoft.com/office/drawing/2014/main" id="{8E328517-DD21-40E0-B948-B25B366BDEC7}"/>
               </a:ext>
             </a:extLst>
           </p:cNvPr>
@@ -10626,7 +10620,7 @@
           </a:lstStyle>
           <a:p>
             <a:r>
-              <a:rPr lang="en-US" smtClean="0"/>
+              <a:rPr lang="en-US"/>
               <a:t>Click icon to add picture</a:t>
             </a:r>
             <a:endParaRPr lang="en-US" dirty="0"/>
@@ -10638,7 +10632,7 @@
           <p:cNvPr id="35" name="Oval 34">
             <a:extLst>
               <a:ext uri="{FF2B5EF4-FFF2-40B4-BE49-F238E27FC236}">
-                <a16:creationId xmlns:a16="http://schemas.microsoft.com/office/drawing/2014/main" xmlns="" id="{7BC6DBB9-1B34-4374-A887-DC30F9E2F62F}"/>
+                <a16:creationId xmlns:a16="http://schemas.microsoft.com/office/drawing/2014/main" id="{7BC6DBB9-1B34-4374-A887-DC30F9E2F62F}"/>
               </a:ext>
             </a:extLst>
           </p:cNvPr>
@@ -10690,7 +10684,7 @@
           <p:cNvPr id="36" name="Graphic 12">
             <a:extLst>
               <a:ext uri="{FF2B5EF4-FFF2-40B4-BE49-F238E27FC236}">
-                <a16:creationId xmlns:a16="http://schemas.microsoft.com/office/drawing/2014/main" xmlns="" id="{00DE0AE3-F44D-4F2C-B7A3-C253AA498DEF}"/>
+                <a16:creationId xmlns:a16="http://schemas.microsoft.com/office/drawing/2014/main" id="{00DE0AE3-F44D-4F2C-B7A3-C253AA498DEF}"/>
               </a:ext>
             </a:extLst>
           </p:cNvPr>
@@ -10807,7 +10801,7 @@
           <p:cNvPr id="4" name="Date Placeholder 3">
             <a:extLst>
               <a:ext uri="{FF2B5EF4-FFF2-40B4-BE49-F238E27FC236}">
-                <a16:creationId xmlns:a16="http://schemas.microsoft.com/office/drawing/2014/main" xmlns="" id="{AC6F89F8-3E24-406D-9C49-00E6E47E4AAC}"/>
+                <a16:creationId xmlns:a16="http://schemas.microsoft.com/office/drawing/2014/main" id="{AC6F89F8-3E24-406D-9C49-00E6E47E4AAC}"/>
               </a:ext>
             </a:extLst>
           </p:cNvPr>
@@ -10835,7 +10829,7 @@
           <p:cNvPr id="5" name="Footer Placeholder 4">
             <a:extLst>
               <a:ext uri="{FF2B5EF4-FFF2-40B4-BE49-F238E27FC236}">
-                <a16:creationId xmlns:a16="http://schemas.microsoft.com/office/drawing/2014/main" xmlns="" id="{4392DBDA-ED00-4248-AC6D-0CE0B821B52F}"/>
+                <a16:creationId xmlns:a16="http://schemas.microsoft.com/office/drawing/2014/main" id="{4392DBDA-ED00-4248-AC6D-0CE0B821B52F}"/>
               </a:ext>
             </a:extLst>
           </p:cNvPr>
@@ -10872,7 +10866,7 @@
           <p:cNvPr id="6" name="Slide Number Placeholder 5">
             <a:extLst>
               <a:ext uri="{FF2B5EF4-FFF2-40B4-BE49-F238E27FC236}">
-                <a16:creationId xmlns:a16="http://schemas.microsoft.com/office/drawing/2014/main" xmlns="" id="{EC2B5F97-2F18-4EF2-9CBC-AAAB9FF4CC91}"/>
+                <a16:creationId xmlns:a16="http://schemas.microsoft.com/office/drawing/2014/main" id="{EC2B5F97-2F18-4EF2-9CBC-AAAB9FF4CC91}"/>
               </a:ext>
             </a:extLst>
           </p:cNvPr>
@@ -10901,7 +10895,7 @@
           <p:cNvPr id="38" name="Freeform: Shape 37">
             <a:extLst>
               <a:ext uri="{FF2B5EF4-FFF2-40B4-BE49-F238E27FC236}">
-                <a16:creationId xmlns:a16="http://schemas.microsoft.com/office/drawing/2014/main" xmlns="" id="{C6C05708-08C7-4EF1-B0D8-6A01C1B1AD85}"/>
+                <a16:creationId xmlns:a16="http://schemas.microsoft.com/office/drawing/2014/main" id="{C6C05708-08C7-4EF1-B0D8-6A01C1B1AD85}"/>
               </a:ext>
             </a:extLst>
           </p:cNvPr>
@@ -11009,7 +11003,7 @@
           <p:cNvPr id="3" name="Graphic 33">
             <a:extLst>
               <a:ext uri="{FF2B5EF4-FFF2-40B4-BE49-F238E27FC236}">
-                <a16:creationId xmlns:a16="http://schemas.microsoft.com/office/drawing/2014/main" xmlns="" id="{38956B41-4EE0-4C7C-8436-027F5DE8B1BC}"/>
+                <a16:creationId xmlns:a16="http://schemas.microsoft.com/office/drawing/2014/main" id="{38956B41-4EE0-4C7C-8436-027F5DE8B1BC}"/>
               </a:ext>
             </a:extLst>
           </p:cNvPr>
@@ -11145,7 +11139,7 @@
           <p:cNvPr id="33" name="Freeform: Shape 32">
             <a:extLst>
               <a:ext uri="{FF2B5EF4-FFF2-40B4-BE49-F238E27FC236}">
-                <a16:creationId xmlns:a16="http://schemas.microsoft.com/office/drawing/2014/main" xmlns="" id="{E08687FC-7322-4F20-9769-1ECF4296A96E}"/>
+                <a16:creationId xmlns:a16="http://schemas.microsoft.com/office/drawing/2014/main" id="{E08687FC-7322-4F20-9769-1ECF4296A96E}"/>
               </a:ext>
             </a:extLst>
           </p:cNvPr>
@@ -11253,7 +11247,7 @@
           <p:cNvPr id="41" name="Freeform: Shape 40">
             <a:extLst>
               <a:ext uri="{FF2B5EF4-FFF2-40B4-BE49-F238E27FC236}">
-                <a16:creationId xmlns:a16="http://schemas.microsoft.com/office/drawing/2014/main" xmlns="" id="{0FCCDE26-7222-4C1B-884A-0FAE84FA57DB}"/>
+                <a16:creationId xmlns:a16="http://schemas.microsoft.com/office/drawing/2014/main" id="{0FCCDE26-7222-4C1B-884A-0FAE84FA57DB}"/>
               </a:ext>
             </a:extLst>
           </p:cNvPr>
@@ -11361,7 +11355,7 @@
           <p:cNvPr id="19" name="Title 1">
             <a:extLst>
               <a:ext uri="{FF2B5EF4-FFF2-40B4-BE49-F238E27FC236}">
-                <a16:creationId xmlns:a16="http://schemas.microsoft.com/office/drawing/2014/main" xmlns="" id="{2AC78A4D-01A3-43A6-BE82-E64E2BF16D65}"/>
+                <a16:creationId xmlns:a16="http://schemas.microsoft.com/office/drawing/2014/main" id="{2AC78A4D-01A3-43A6-BE82-E64E2BF16D65}"/>
               </a:ext>
             </a:extLst>
           </p:cNvPr>
@@ -11387,10 +11381,9 @@
           </a:lstStyle>
           <a:p>
             <a:r>
-              <a:rPr lang="en-US" smtClean="0"/>
+              <a:rPr lang="en-US"/>
               <a:t>Click to edit Master title style</a:t>
             </a:r>
-            <a:endParaRPr lang="en-US"/>
           </a:p>
         </p:txBody>
       </p:sp>
@@ -11399,7 +11392,7 @@
           <p:cNvPr id="20" name="Text Placeholder 3">
             <a:extLst>
               <a:ext uri="{FF2B5EF4-FFF2-40B4-BE49-F238E27FC236}">
-                <a16:creationId xmlns:a16="http://schemas.microsoft.com/office/drawing/2014/main" xmlns="" id="{E6544955-4597-4E52-9C7E-8AEB5D2A4983}"/>
+                <a16:creationId xmlns:a16="http://schemas.microsoft.com/office/drawing/2014/main" id="{E6544955-4597-4E52-9C7E-8AEB5D2A4983}"/>
               </a:ext>
             </a:extLst>
           </p:cNvPr>
@@ -11459,7 +11452,7 @@
           <a:p>
             <a:pPr lvl="0"/>
             <a:r>
-              <a:rPr lang="en-US" smtClean="0"/>
+              <a:rPr lang="en-US"/>
               <a:t>Click to edit Master text styles</a:t>
             </a:r>
           </a:p>
@@ -11500,7 +11493,7 @@
           <p:cNvPr id="35" name="Oval 34">
             <a:extLst>
               <a:ext uri="{FF2B5EF4-FFF2-40B4-BE49-F238E27FC236}">
-                <a16:creationId xmlns:a16="http://schemas.microsoft.com/office/drawing/2014/main" xmlns="" id="{7BC6DBB9-1B34-4374-A887-DC30F9E2F62F}"/>
+                <a16:creationId xmlns:a16="http://schemas.microsoft.com/office/drawing/2014/main" id="{7BC6DBB9-1B34-4374-A887-DC30F9E2F62F}"/>
               </a:ext>
             </a:extLst>
           </p:cNvPr>
@@ -11552,7 +11545,7 @@
           <p:cNvPr id="36" name="Graphic 12">
             <a:extLst>
               <a:ext uri="{FF2B5EF4-FFF2-40B4-BE49-F238E27FC236}">
-                <a16:creationId xmlns:a16="http://schemas.microsoft.com/office/drawing/2014/main" xmlns="" id="{00DE0AE3-F44D-4F2C-B7A3-C253AA498DEF}"/>
+                <a16:creationId xmlns:a16="http://schemas.microsoft.com/office/drawing/2014/main" id="{00DE0AE3-F44D-4F2C-B7A3-C253AA498DEF}"/>
               </a:ext>
             </a:extLst>
           </p:cNvPr>
@@ -11669,7 +11662,7 @@
           <p:cNvPr id="4" name="Date Placeholder 3">
             <a:extLst>
               <a:ext uri="{FF2B5EF4-FFF2-40B4-BE49-F238E27FC236}">
-                <a16:creationId xmlns:a16="http://schemas.microsoft.com/office/drawing/2014/main" xmlns="" id="{AC6F89F8-3E24-406D-9C49-00E6E47E4AAC}"/>
+                <a16:creationId xmlns:a16="http://schemas.microsoft.com/office/drawing/2014/main" id="{AC6F89F8-3E24-406D-9C49-00E6E47E4AAC}"/>
               </a:ext>
             </a:extLst>
           </p:cNvPr>
@@ -11697,7 +11690,7 @@
           <p:cNvPr id="5" name="Footer Placeholder 4">
             <a:extLst>
               <a:ext uri="{FF2B5EF4-FFF2-40B4-BE49-F238E27FC236}">
-                <a16:creationId xmlns:a16="http://schemas.microsoft.com/office/drawing/2014/main" xmlns="" id="{4392DBDA-ED00-4248-AC6D-0CE0B821B52F}"/>
+                <a16:creationId xmlns:a16="http://schemas.microsoft.com/office/drawing/2014/main" id="{4392DBDA-ED00-4248-AC6D-0CE0B821B52F}"/>
               </a:ext>
             </a:extLst>
           </p:cNvPr>
@@ -11734,7 +11727,7 @@
           <p:cNvPr id="6" name="Slide Number Placeholder 5">
             <a:extLst>
               <a:ext uri="{FF2B5EF4-FFF2-40B4-BE49-F238E27FC236}">
-                <a16:creationId xmlns:a16="http://schemas.microsoft.com/office/drawing/2014/main" xmlns="" id="{EC2B5F97-2F18-4EF2-9CBC-AAAB9FF4CC91}"/>
+                <a16:creationId xmlns:a16="http://schemas.microsoft.com/office/drawing/2014/main" id="{EC2B5F97-2F18-4EF2-9CBC-AAAB9FF4CC91}"/>
               </a:ext>
             </a:extLst>
           </p:cNvPr>
@@ -11763,7 +11756,7 @@
           <p:cNvPr id="38" name="Freeform: Shape 37">
             <a:extLst>
               <a:ext uri="{FF2B5EF4-FFF2-40B4-BE49-F238E27FC236}">
-                <a16:creationId xmlns:a16="http://schemas.microsoft.com/office/drawing/2014/main" xmlns="" id="{C6C05708-08C7-4EF1-B0D8-6A01C1B1AD85}"/>
+                <a16:creationId xmlns:a16="http://schemas.microsoft.com/office/drawing/2014/main" id="{C6C05708-08C7-4EF1-B0D8-6A01C1B1AD85}"/>
               </a:ext>
             </a:extLst>
           </p:cNvPr>
@@ -11871,7 +11864,7 @@
           <p:cNvPr id="3" name="Graphic 33">
             <a:extLst>
               <a:ext uri="{FF2B5EF4-FFF2-40B4-BE49-F238E27FC236}">
-                <a16:creationId xmlns:a16="http://schemas.microsoft.com/office/drawing/2014/main" xmlns="" id="{38956B41-4EE0-4C7C-8436-027F5DE8B1BC}"/>
+                <a16:creationId xmlns:a16="http://schemas.microsoft.com/office/drawing/2014/main" id="{38956B41-4EE0-4C7C-8436-027F5DE8B1BC}"/>
               </a:ext>
             </a:extLst>
           </p:cNvPr>
@@ -12007,7 +12000,7 @@
           <p:cNvPr id="33" name="Freeform: Shape 32">
             <a:extLst>
               <a:ext uri="{FF2B5EF4-FFF2-40B4-BE49-F238E27FC236}">
-                <a16:creationId xmlns:a16="http://schemas.microsoft.com/office/drawing/2014/main" xmlns="" id="{E08687FC-7322-4F20-9769-1ECF4296A96E}"/>
+                <a16:creationId xmlns:a16="http://schemas.microsoft.com/office/drawing/2014/main" id="{E08687FC-7322-4F20-9769-1ECF4296A96E}"/>
               </a:ext>
             </a:extLst>
           </p:cNvPr>
@@ -12115,7 +12108,7 @@
           <p:cNvPr id="41" name="Freeform: Shape 40">
             <a:extLst>
               <a:ext uri="{FF2B5EF4-FFF2-40B4-BE49-F238E27FC236}">
-                <a16:creationId xmlns:a16="http://schemas.microsoft.com/office/drawing/2014/main" xmlns="" id="{0FCCDE26-7222-4C1B-884A-0FAE84FA57DB}"/>
+                <a16:creationId xmlns:a16="http://schemas.microsoft.com/office/drawing/2014/main" id="{0FCCDE26-7222-4C1B-884A-0FAE84FA57DB}"/>
               </a:ext>
             </a:extLst>
           </p:cNvPr>
@@ -12223,7 +12216,7 @@
           <p:cNvPr id="19" name="Title 1">
             <a:extLst>
               <a:ext uri="{FF2B5EF4-FFF2-40B4-BE49-F238E27FC236}">
-                <a16:creationId xmlns:a16="http://schemas.microsoft.com/office/drawing/2014/main" xmlns="" id="{2AC78A4D-01A3-43A6-BE82-E64E2BF16D65}"/>
+                <a16:creationId xmlns:a16="http://schemas.microsoft.com/office/drawing/2014/main" id="{2AC78A4D-01A3-43A6-BE82-E64E2BF16D65}"/>
               </a:ext>
             </a:extLst>
           </p:cNvPr>
@@ -12249,10 +12242,9 @@
           </a:lstStyle>
           <a:p>
             <a:r>
-              <a:rPr lang="en-US" smtClean="0"/>
+              <a:rPr lang="en-US"/>
               <a:t>Click to edit Master title style</a:t>
             </a:r>
-            <a:endParaRPr lang="en-US"/>
           </a:p>
         </p:txBody>
       </p:sp>
@@ -12261,7 +12253,7 @@
           <p:cNvPr id="20" name="Text Placeholder 3">
             <a:extLst>
               <a:ext uri="{FF2B5EF4-FFF2-40B4-BE49-F238E27FC236}">
-                <a16:creationId xmlns:a16="http://schemas.microsoft.com/office/drawing/2014/main" xmlns="" id="{E6544955-4597-4E52-9C7E-8AEB5D2A4983}"/>
+                <a16:creationId xmlns:a16="http://schemas.microsoft.com/office/drawing/2014/main" id="{E6544955-4597-4E52-9C7E-8AEB5D2A4983}"/>
               </a:ext>
             </a:extLst>
           </p:cNvPr>
@@ -12321,7 +12313,7 @@
           <a:p>
             <a:pPr lvl="0"/>
             <a:r>
-              <a:rPr lang="en-US" smtClean="0"/>
+              <a:rPr lang="en-US"/>
               <a:t>Click to edit Master text styles</a:t>
             </a:r>
           </a:p>
@@ -12332,7 +12324,7 @@
           <p:cNvPr id="14" name="Content Placeholder 2">
             <a:extLst>
               <a:ext uri="{FF2B5EF4-FFF2-40B4-BE49-F238E27FC236}">
-                <a16:creationId xmlns:a16="http://schemas.microsoft.com/office/drawing/2014/main" xmlns="" id="{A28A6791-A2CB-40CE-AEF5-A729106DA43B}"/>
+                <a16:creationId xmlns:a16="http://schemas.microsoft.com/office/drawing/2014/main" id="{A28A6791-A2CB-40CE-AEF5-A729106DA43B}"/>
               </a:ext>
             </a:extLst>
           </p:cNvPr>
@@ -12385,38 +12377,37 @@
           <a:p>
             <a:pPr lvl="0"/>
             <a:r>
-              <a:rPr lang="en-US" smtClean="0"/>
+              <a:rPr lang="en-US"/>
               <a:t>Click to edit Master text styles</a:t>
             </a:r>
           </a:p>
           <a:p>
             <a:pPr lvl="1"/>
             <a:r>
-              <a:rPr lang="en-US" smtClean="0"/>
+              <a:rPr lang="en-US"/>
               <a:t>Second level</a:t>
             </a:r>
           </a:p>
           <a:p>
             <a:pPr lvl="2"/>
             <a:r>
-              <a:rPr lang="en-US" smtClean="0"/>
+              <a:rPr lang="en-US"/>
               <a:t>Third level</a:t>
             </a:r>
           </a:p>
           <a:p>
             <a:pPr lvl="3"/>
             <a:r>
-              <a:rPr lang="en-US" smtClean="0"/>
+              <a:rPr lang="en-US"/>
               <a:t>Fourth level</a:t>
             </a:r>
           </a:p>
           <a:p>
             <a:pPr lvl="4"/>
             <a:r>
-              <a:rPr lang="en-US" smtClean="0"/>
+              <a:rPr lang="en-US"/>
               <a:t>Fifth level</a:t>
             </a:r>
-            <a:endParaRPr lang="en-US"/>
           </a:p>
         </p:txBody>
       </p:sp>
@@ -12455,7 +12446,7 @@
           <p:cNvPr id="48" name="Oval 47">
             <a:extLst>
               <a:ext uri="{FF2B5EF4-FFF2-40B4-BE49-F238E27FC236}">
-                <a16:creationId xmlns:a16="http://schemas.microsoft.com/office/drawing/2014/main" xmlns="" id="{2F290D8B-987A-4555-890C-F3CD026BF7BF}"/>
+                <a16:creationId xmlns:a16="http://schemas.microsoft.com/office/drawing/2014/main" id="{2F290D8B-987A-4555-890C-F3CD026BF7BF}"/>
               </a:ext>
             </a:extLst>
           </p:cNvPr>
@@ -12507,7 +12498,7 @@
           <p:cNvPr id="49" name="Graphic 12">
             <a:extLst>
               <a:ext uri="{FF2B5EF4-FFF2-40B4-BE49-F238E27FC236}">
-                <a16:creationId xmlns:a16="http://schemas.microsoft.com/office/drawing/2014/main" xmlns="" id="{6139C5E6-5A04-4458-8EF9-628BFBA73A92}"/>
+                <a16:creationId xmlns:a16="http://schemas.microsoft.com/office/drawing/2014/main" id="{6139C5E6-5A04-4458-8EF9-628BFBA73A92}"/>
               </a:ext>
             </a:extLst>
           </p:cNvPr>
@@ -12624,7 +12615,7 @@
           <p:cNvPr id="4" name="Date Placeholder 3">
             <a:extLst>
               <a:ext uri="{FF2B5EF4-FFF2-40B4-BE49-F238E27FC236}">
-                <a16:creationId xmlns:a16="http://schemas.microsoft.com/office/drawing/2014/main" xmlns="" id="{DC2A0631-3130-4C36-8E5E-80464B1A62A7}"/>
+                <a16:creationId xmlns:a16="http://schemas.microsoft.com/office/drawing/2014/main" id="{DC2A0631-3130-4C36-8E5E-80464B1A62A7}"/>
               </a:ext>
             </a:extLst>
           </p:cNvPr>
@@ -12652,7 +12643,7 @@
           <p:cNvPr id="5" name="Footer Placeholder 4">
             <a:extLst>
               <a:ext uri="{FF2B5EF4-FFF2-40B4-BE49-F238E27FC236}">
-                <a16:creationId xmlns:a16="http://schemas.microsoft.com/office/drawing/2014/main" xmlns="" id="{79230F82-FE68-4450-98DF-5D29369AEE76}"/>
+                <a16:creationId xmlns:a16="http://schemas.microsoft.com/office/drawing/2014/main" id="{79230F82-FE68-4450-98DF-5D29369AEE76}"/>
               </a:ext>
             </a:extLst>
           </p:cNvPr>
@@ -12689,7 +12680,7 @@
           <p:cNvPr id="6" name="Slide Number Placeholder 5">
             <a:extLst>
               <a:ext uri="{FF2B5EF4-FFF2-40B4-BE49-F238E27FC236}">
-                <a16:creationId xmlns:a16="http://schemas.microsoft.com/office/drawing/2014/main" xmlns="" id="{EE6603C1-6E1A-4E4B-9555-31D84B6BDAD9}"/>
+                <a16:creationId xmlns:a16="http://schemas.microsoft.com/office/drawing/2014/main" id="{EE6603C1-6E1A-4E4B-9555-31D84B6BDAD9}"/>
               </a:ext>
             </a:extLst>
           </p:cNvPr>
@@ -12718,7 +12709,7 @@
           <p:cNvPr id="41" name="Graphic 39">
             <a:extLst>
               <a:ext uri="{FF2B5EF4-FFF2-40B4-BE49-F238E27FC236}">
-                <a16:creationId xmlns:a16="http://schemas.microsoft.com/office/drawing/2014/main" xmlns="" id="{1D75FFD8-3F66-48B3-BB01-D4B8A9496851}"/>
+                <a16:creationId xmlns:a16="http://schemas.microsoft.com/office/drawing/2014/main" id="{1D75FFD8-3F66-48B3-BB01-D4B8A9496851}"/>
               </a:ext>
             </a:extLst>
           </p:cNvPr>
@@ -12738,7 +12729,7 @@
             <p:cNvPr id="42" name="Freeform: Shape 41">
               <a:extLst>
                 <a:ext uri="{FF2B5EF4-FFF2-40B4-BE49-F238E27FC236}">
-                  <a16:creationId xmlns:a16="http://schemas.microsoft.com/office/drawing/2014/main" xmlns="" id="{9BA0EC60-510D-41EF-AFE6-E4E6BD83F8C9}"/>
+                  <a16:creationId xmlns:a16="http://schemas.microsoft.com/office/drawing/2014/main" id="{9BA0EC60-510D-41EF-AFE6-E4E6BD83F8C9}"/>
                 </a:ext>
               </a:extLst>
             </p:cNvPr>
@@ -12928,7 +12919,7 @@
             <p:cNvPr id="43" name="Freeform: Shape 42">
               <a:extLst>
                 <a:ext uri="{FF2B5EF4-FFF2-40B4-BE49-F238E27FC236}">
-                  <a16:creationId xmlns:a16="http://schemas.microsoft.com/office/drawing/2014/main" xmlns="" id="{0162C508-E081-418C-A19D-15A59388C43A}"/>
+                  <a16:creationId xmlns:a16="http://schemas.microsoft.com/office/drawing/2014/main" id="{0162C508-E081-418C-A19D-15A59388C43A}"/>
                 </a:ext>
               </a:extLst>
             </p:cNvPr>
@@ -13036,7 +13027,7 @@
             <p:cNvPr id="44" name="Freeform: Shape 43">
               <a:extLst>
                 <a:ext uri="{FF2B5EF4-FFF2-40B4-BE49-F238E27FC236}">
-                  <a16:creationId xmlns:a16="http://schemas.microsoft.com/office/drawing/2014/main" xmlns="" id="{2A710D7D-FC65-4BF6-BDA4-E59B01AD6FBC}"/>
+                  <a16:creationId xmlns:a16="http://schemas.microsoft.com/office/drawing/2014/main" id="{2A710D7D-FC65-4BF6-BDA4-E59B01AD6FBC}"/>
                 </a:ext>
               </a:extLst>
             </p:cNvPr>
@@ -13144,7 +13135,7 @@
             <p:cNvPr id="45" name="Freeform: Shape 44">
               <a:extLst>
                 <a:ext uri="{FF2B5EF4-FFF2-40B4-BE49-F238E27FC236}">
-                  <a16:creationId xmlns:a16="http://schemas.microsoft.com/office/drawing/2014/main" xmlns="" id="{18811B6B-BBB0-4D69-AEF8-AD0A7F9A4B57}"/>
+                  <a16:creationId xmlns:a16="http://schemas.microsoft.com/office/drawing/2014/main" id="{18811B6B-BBB0-4D69-AEF8-AD0A7F9A4B57}"/>
                 </a:ext>
               </a:extLst>
             </p:cNvPr>
@@ -13252,7 +13243,7 @@
             <p:cNvPr id="46" name="Freeform: Shape 45">
               <a:extLst>
                 <a:ext uri="{FF2B5EF4-FFF2-40B4-BE49-F238E27FC236}">
-                  <a16:creationId xmlns:a16="http://schemas.microsoft.com/office/drawing/2014/main" xmlns="" id="{3DB7F04C-0D31-4172-9D02-F8C8B2043EB9}"/>
+                  <a16:creationId xmlns:a16="http://schemas.microsoft.com/office/drawing/2014/main" id="{3DB7F04C-0D31-4172-9D02-F8C8B2043EB9}"/>
                 </a:ext>
               </a:extLst>
             </p:cNvPr>
@@ -13432,7 +13423,7 @@
             <p:cNvPr id="47" name="Freeform: Shape 46">
               <a:extLst>
                 <a:ext uri="{FF2B5EF4-FFF2-40B4-BE49-F238E27FC236}">
-                  <a16:creationId xmlns:a16="http://schemas.microsoft.com/office/drawing/2014/main" xmlns="" id="{1FB04931-77A8-4259-95CA-DA7DEDB2DEFD}"/>
+                  <a16:creationId xmlns:a16="http://schemas.microsoft.com/office/drawing/2014/main" id="{1FB04931-77A8-4259-95CA-DA7DEDB2DEFD}"/>
                 </a:ext>
               </a:extLst>
             </p:cNvPr>
@@ -13623,7 +13614,7 @@
           <p:cNvPr id="18" name="Graphic 19">
             <a:extLst>
               <a:ext uri="{FF2B5EF4-FFF2-40B4-BE49-F238E27FC236}">
-                <a16:creationId xmlns:a16="http://schemas.microsoft.com/office/drawing/2014/main" xmlns="" id="{436C4D92-1746-4D54-8232-468DFF66CF79}"/>
+                <a16:creationId xmlns:a16="http://schemas.microsoft.com/office/drawing/2014/main" id="{436C4D92-1746-4D54-8232-468DFF66CF79}"/>
               </a:ext>
             </a:extLst>
           </p:cNvPr>
@@ -13759,7 +13750,7 @@
           <p:cNvPr id="19" name="Title 6">
             <a:extLst>
               <a:ext uri="{FF2B5EF4-FFF2-40B4-BE49-F238E27FC236}">
-                <a16:creationId xmlns:a16="http://schemas.microsoft.com/office/drawing/2014/main" xmlns="" id="{E77FD51D-3B1F-4D51-8A61-6CF8222774BD}"/>
+                <a16:creationId xmlns:a16="http://schemas.microsoft.com/office/drawing/2014/main" id="{E77FD51D-3B1F-4D51-8A61-6CF8222774BD}"/>
               </a:ext>
             </a:extLst>
           </p:cNvPr>
@@ -13781,10 +13772,9 @@
           <a:lstStyle/>
           <a:p>
             <a:r>
-              <a:rPr lang="en-US" smtClean="0"/>
+              <a:rPr lang="en-US"/>
               <a:t>Click to edit Master title style</a:t>
             </a:r>
-            <a:endParaRPr lang="en-US"/>
           </a:p>
         </p:txBody>
       </p:sp>
@@ -13823,7 +13813,7 @@
           <p:cNvPr id="48" name="Oval 47">
             <a:extLst>
               <a:ext uri="{FF2B5EF4-FFF2-40B4-BE49-F238E27FC236}">
-                <a16:creationId xmlns:a16="http://schemas.microsoft.com/office/drawing/2014/main" xmlns="" id="{2F290D8B-987A-4555-890C-F3CD026BF7BF}"/>
+                <a16:creationId xmlns:a16="http://schemas.microsoft.com/office/drawing/2014/main" id="{2F290D8B-987A-4555-890C-F3CD026BF7BF}"/>
               </a:ext>
             </a:extLst>
           </p:cNvPr>
@@ -13875,7 +13865,7 @@
           <p:cNvPr id="49" name="Graphic 12">
             <a:extLst>
               <a:ext uri="{FF2B5EF4-FFF2-40B4-BE49-F238E27FC236}">
-                <a16:creationId xmlns:a16="http://schemas.microsoft.com/office/drawing/2014/main" xmlns="" id="{6139C5E6-5A04-4458-8EF9-628BFBA73A92}"/>
+                <a16:creationId xmlns:a16="http://schemas.microsoft.com/office/drawing/2014/main" id="{6139C5E6-5A04-4458-8EF9-628BFBA73A92}"/>
               </a:ext>
             </a:extLst>
           </p:cNvPr>
@@ -13992,7 +13982,7 @@
           <p:cNvPr id="4" name="Date Placeholder 3">
             <a:extLst>
               <a:ext uri="{FF2B5EF4-FFF2-40B4-BE49-F238E27FC236}">
-                <a16:creationId xmlns:a16="http://schemas.microsoft.com/office/drawing/2014/main" xmlns="" id="{DC2A0631-3130-4C36-8E5E-80464B1A62A7}"/>
+                <a16:creationId xmlns:a16="http://schemas.microsoft.com/office/drawing/2014/main" id="{DC2A0631-3130-4C36-8E5E-80464B1A62A7}"/>
               </a:ext>
             </a:extLst>
           </p:cNvPr>
@@ -14020,7 +14010,7 @@
           <p:cNvPr id="5" name="Footer Placeholder 4">
             <a:extLst>
               <a:ext uri="{FF2B5EF4-FFF2-40B4-BE49-F238E27FC236}">
-                <a16:creationId xmlns:a16="http://schemas.microsoft.com/office/drawing/2014/main" xmlns="" id="{79230F82-FE68-4450-98DF-5D29369AEE76}"/>
+                <a16:creationId xmlns:a16="http://schemas.microsoft.com/office/drawing/2014/main" id="{79230F82-FE68-4450-98DF-5D29369AEE76}"/>
               </a:ext>
             </a:extLst>
           </p:cNvPr>
@@ -14057,7 +14047,7 @@
           <p:cNvPr id="6" name="Slide Number Placeholder 5">
             <a:extLst>
               <a:ext uri="{FF2B5EF4-FFF2-40B4-BE49-F238E27FC236}">
-                <a16:creationId xmlns:a16="http://schemas.microsoft.com/office/drawing/2014/main" xmlns="" id="{EE6603C1-6E1A-4E4B-9555-31D84B6BDAD9}"/>
+                <a16:creationId xmlns:a16="http://schemas.microsoft.com/office/drawing/2014/main" id="{EE6603C1-6E1A-4E4B-9555-31D84B6BDAD9}"/>
               </a:ext>
             </a:extLst>
           </p:cNvPr>
@@ -14086,7 +14076,7 @@
           <p:cNvPr id="41" name="Graphic 39">
             <a:extLst>
               <a:ext uri="{FF2B5EF4-FFF2-40B4-BE49-F238E27FC236}">
-                <a16:creationId xmlns:a16="http://schemas.microsoft.com/office/drawing/2014/main" xmlns="" id="{1D75FFD8-3F66-48B3-BB01-D4B8A9496851}"/>
+                <a16:creationId xmlns:a16="http://schemas.microsoft.com/office/drawing/2014/main" id="{1D75FFD8-3F66-48B3-BB01-D4B8A9496851}"/>
               </a:ext>
             </a:extLst>
           </p:cNvPr>
@@ -14106,7 +14096,7 @@
             <p:cNvPr id="42" name="Freeform: Shape 41">
               <a:extLst>
                 <a:ext uri="{FF2B5EF4-FFF2-40B4-BE49-F238E27FC236}">
-                  <a16:creationId xmlns:a16="http://schemas.microsoft.com/office/drawing/2014/main" xmlns="" id="{9BA0EC60-510D-41EF-AFE6-E4E6BD83F8C9}"/>
+                  <a16:creationId xmlns:a16="http://schemas.microsoft.com/office/drawing/2014/main" id="{9BA0EC60-510D-41EF-AFE6-E4E6BD83F8C9}"/>
                 </a:ext>
               </a:extLst>
             </p:cNvPr>
@@ -14296,7 +14286,7 @@
             <p:cNvPr id="43" name="Freeform: Shape 42">
               <a:extLst>
                 <a:ext uri="{FF2B5EF4-FFF2-40B4-BE49-F238E27FC236}">
-                  <a16:creationId xmlns:a16="http://schemas.microsoft.com/office/drawing/2014/main" xmlns="" id="{0162C508-E081-418C-A19D-15A59388C43A}"/>
+                  <a16:creationId xmlns:a16="http://schemas.microsoft.com/office/drawing/2014/main" id="{0162C508-E081-418C-A19D-15A59388C43A}"/>
                 </a:ext>
               </a:extLst>
             </p:cNvPr>
@@ -14404,7 +14394,7 @@
             <p:cNvPr id="44" name="Freeform: Shape 43">
               <a:extLst>
                 <a:ext uri="{FF2B5EF4-FFF2-40B4-BE49-F238E27FC236}">
-                  <a16:creationId xmlns:a16="http://schemas.microsoft.com/office/drawing/2014/main" xmlns="" id="{2A710D7D-FC65-4BF6-BDA4-E59B01AD6FBC}"/>
+                  <a16:creationId xmlns:a16="http://schemas.microsoft.com/office/drawing/2014/main" id="{2A710D7D-FC65-4BF6-BDA4-E59B01AD6FBC}"/>
                 </a:ext>
               </a:extLst>
             </p:cNvPr>
@@ -14512,7 +14502,7 @@
             <p:cNvPr id="45" name="Freeform: Shape 44">
               <a:extLst>
                 <a:ext uri="{FF2B5EF4-FFF2-40B4-BE49-F238E27FC236}">
-                  <a16:creationId xmlns:a16="http://schemas.microsoft.com/office/drawing/2014/main" xmlns="" id="{18811B6B-BBB0-4D69-AEF8-AD0A7F9A4B57}"/>
+                  <a16:creationId xmlns:a16="http://schemas.microsoft.com/office/drawing/2014/main" id="{18811B6B-BBB0-4D69-AEF8-AD0A7F9A4B57}"/>
                 </a:ext>
               </a:extLst>
             </p:cNvPr>
@@ -14620,7 +14610,7 @@
             <p:cNvPr id="46" name="Freeform: Shape 45">
               <a:extLst>
                 <a:ext uri="{FF2B5EF4-FFF2-40B4-BE49-F238E27FC236}">
-                  <a16:creationId xmlns:a16="http://schemas.microsoft.com/office/drawing/2014/main" xmlns="" id="{3DB7F04C-0D31-4172-9D02-F8C8B2043EB9}"/>
+                  <a16:creationId xmlns:a16="http://schemas.microsoft.com/office/drawing/2014/main" id="{3DB7F04C-0D31-4172-9D02-F8C8B2043EB9}"/>
                 </a:ext>
               </a:extLst>
             </p:cNvPr>
@@ -14800,7 +14790,7 @@
             <p:cNvPr id="47" name="Freeform: Shape 46">
               <a:extLst>
                 <a:ext uri="{FF2B5EF4-FFF2-40B4-BE49-F238E27FC236}">
-                  <a16:creationId xmlns:a16="http://schemas.microsoft.com/office/drawing/2014/main" xmlns="" id="{1FB04931-77A8-4259-95CA-DA7DEDB2DEFD}"/>
+                  <a16:creationId xmlns:a16="http://schemas.microsoft.com/office/drawing/2014/main" id="{1FB04931-77A8-4259-95CA-DA7DEDB2DEFD}"/>
                 </a:ext>
               </a:extLst>
             </p:cNvPr>
@@ -15021,7 +15011,7 @@
           <p:cNvPr id="39" name="Picture Placeholder 38">
             <a:extLst>
               <a:ext uri="{FF2B5EF4-FFF2-40B4-BE49-F238E27FC236}">
-                <a16:creationId xmlns:a16="http://schemas.microsoft.com/office/drawing/2014/main" xmlns="" id="{12A714F2-A8EC-40F7-ACFF-A00E1DD10C56}"/>
+                <a16:creationId xmlns:a16="http://schemas.microsoft.com/office/drawing/2014/main" id="{12A714F2-A8EC-40F7-ACFF-A00E1DD10C56}"/>
               </a:ext>
             </a:extLst>
           </p:cNvPr>
@@ -15176,7 +15166,7 @@
           </a:lstStyle>
           <a:p>
             <a:r>
-              <a:rPr lang="en-US" smtClean="0"/>
+              <a:rPr lang="en-US"/>
               <a:t>Click icon to add picture</a:t>
             </a:r>
             <a:endParaRPr lang="ru-RU"/>
@@ -15188,7 +15178,7 @@
           <p:cNvPr id="34" name="Oval 33">
             <a:extLst>
               <a:ext uri="{FF2B5EF4-FFF2-40B4-BE49-F238E27FC236}">
-                <a16:creationId xmlns:a16="http://schemas.microsoft.com/office/drawing/2014/main" xmlns="" id="{13074BE4-153F-46FE-B915-CD1AEF318A25}"/>
+                <a16:creationId xmlns:a16="http://schemas.microsoft.com/office/drawing/2014/main" id="{13074BE4-153F-46FE-B915-CD1AEF318A25}"/>
               </a:ext>
             </a:extLst>
           </p:cNvPr>
@@ -15240,7 +15230,7 @@
           <p:cNvPr id="35" name="Graphic 12">
             <a:extLst>
               <a:ext uri="{FF2B5EF4-FFF2-40B4-BE49-F238E27FC236}">
-                <a16:creationId xmlns:a16="http://schemas.microsoft.com/office/drawing/2014/main" xmlns="" id="{0B7E91C4-F19E-46BE-B05F-139B5418924E}"/>
+                <a16:creationId xmlns:a16="http://schemas.microsoft.com/office/drawing/2014/main" id="{0B7E91C4-F19E-46BE-B05F-139B5418924E}"/>
               </a:ext>
             </a:extLst>
           </p:cNvPr>
@@ -15357,7 +15347,7 @@
           <p:cNvPr id="10" name="Freeform: Shape 9">
             <a:extLst>
               <a:ext uri="{FF2B5EF4-FFF2-40B4-BE49-F238E27FC236}">
-                <a16:creationId xmlns:a16="http://schemas.microsoft.com/office/drawing/2014/main" xmlns="" id="{08A64499-0304-4070-BCB0-67E2BE20A3EA}"/>
+                <a16:creationId xmlns:a16="http://schemas.microsoft.com/office/drawing/2014/main" id="{08A64499-0304-4070-BCB0-67E2BE20A3EA}"/>
               </a:ext>
             </a:extLst>
           </p:cNvPr>
@@ -15465,7 +15455,7 @@
           <p:cNvPr id="25" name="Freeform: Shape 24">
             <a:extLst>
               <a:ext uri="{FF2B5EF4-FFF2-40B4-BE49-F238E27FC236}">
-                <a16:creationId xmlns:a16="http://schemas.microsoft.com/office/drawing/2014/main" xmlns="" id="{ED1736B3-AE79-40C2-80FF-2FB0FEE27195}"/>
+                <a16:creationId xmlns:a16="http://schemas.microsoft.com/office/drawing/2014/main" id="{ED1736B3-AE79-40C2-80FF-2FB0FEE27195}"/>
               </a:ext>
             </a:extLst>
           </p:cNvPr>
@@ -15555,7 +15545,7 @@
           <p:cNvPr id="2" name="Title 1">
             <a:extLst>
               <a:ext uri="{FF2B5EF4-FFF2-40B4-BE49-F238E27FC236}">
-                <a16:creationId xmlns:a16="http://schemas.microsoft.com/office/drawing/2014/main" xmlns="" id="{DC2228EE-3546-4272-9C39-150FF23CE033}"/>
+                <a16:creationId xmlns:a16="http://schemas.microsoft.com/office/drawing/2014/main" id="{DC2228EE-3546-4272-9C39-150FF23CE033}"/>
               </a:ext>
             </a:extLst>
           </p:cNvPr>
@@ -15607,7 +15597,7 @@
           <p:cNvPr id="3" name="Subtitle 2">
             <a:extLst>
               <a:ext uri="{FF2B5EF4-FFF2-40B4-BE49-F238E27FC236}">
-                <a16:creationId xmlns:a16="http://schemas.microsoft.com/office/drawing/2014/main" xmlns="" id="{0F2EFCC6-4D5A-4B43-A534-1A868887BC7F}"/>
+                <a16:creationId xmlns:a16="http://schemas.microsoft.com/office/drawing/2014/main" id="{0F2EFCC6-4D5A-4B43-A534-1A868887BC7F}"/>
               </a:ext>
             </a:extLst>
           </p:cNvPr>
@@ -15672,7 +15662,7 @@
           </a:lstStyle>
           <a:p>
             <a:r>
-              <a:rPr lang="en-US" smtClean="0"/>
+              <a:rPr lang="en-US"/>
               <a:t>Click to edit Master subtitle style</a:t>
             </a:r>
             <a:endParaRPr lang="ru-RU" dirty="0"/>
@@ -15684,7 +15674,7 @@
           <p:cNvPr id="4" name="Date Placeholder 3">
             <a:extLst>
               <a:ext uri="{FF2B5EF4-FFF2-40B4-BE49-F238E27FC236}">
-                <a16:creationId xmlns:a16="http://schemas.microsoft.com/office/drawing/2014/main" xmlns="" id="{0FD10BB4-D57E-4372-8E10-AC15DC09615A}"/>
+                <a16:creationId xmlns:a16="http://schemas.microsoft.com/office/drawing/2014/main" id="{0FD10BB4-D57E-4372-8E10-AC15DC09615A}"/>
               </a:ext>
             </a:extLst>
           </p:cNvPr>
@@ -15712,7 +15702,7 @@
           <p:cNvPr id="5" name="Footer Placeholder 4">
             <a:extLst>
               <a:ext uri="{FF2B5EF4-FFF2-40B4-BE49-F238E27FC236}">
-                <a16:creationId xmlns:a16="http://schemas.microsoft.com/office/drawing/2014/main" xmlns="" id="{66020939-F172-405E-A418-A87CE5D908B7}"/>
+                <a16:creationId xmlns:a16="http://schemas.microsoft.com/office/drawing/2014/main" id="{66020939-F172-405E-A418-A87CE5D908B7}"/>
               </a:ext>
             </a:extLst>
           </p:cNvPr>
@@ -15749,7 +15739,7 @@
           <p:cNvPr id="24" name="Graphic 22">
             <a:extLst>
               <a:ext uri="{FF2B5EF4-FFF2-40B4-BE49-F238E27FC236}">
-                <a16:creationId xmlns:a16="http://schemas.microsoft.com/office/drawing/2014/main" xmlns="" id="{4EE1436E-33B5-4388-87D8-2D0633CC3CE7}"/>
+                <a16:creationId xmlns:a16="http://schemas.microsoft.com/office/drawing/2014/main" id="{4EE1436E-33B5-4388-87D8-2D0633CC3CE7}"/>
               </a:ext>
             </a:extLst>
           </p:cNvPr>
@@ -15885,7 +15875,7 @@
           <p:cNvPr id="9" name="Freeform: Shape 8">
             <a:extLst>
               <a:ext uri="{FF2B5EF4-FFF2-40B4-BE49-F238E27FC236}">
-                <a16:creationId xmlns:a16="http://schemas.microsoft.com/office/drawing/2014/main" xmlns="" id="{A8FB11AB-3031-47CA-85DD-696856C3C62C}"/>
+                <a16:creationId xmlns:a16="http://schemas.microsoft.com/office/drawing/2014/main" id="{A8FB11AB-3031-47CA-85DD-696856C3C62C}"/>
               </a:ext>
             </a:extLst>
           </p:cNvPr>
@@ -15993,7 +15983,7 @@
           <p:cNvPr id="6" name="Slide Number Placeholder 5">
             <a:extLst>
               <a:ext uri="{FF2B5EF4-FFF2-40B4-BE49-F238E27FC236}">
-                <a16:creationId xmlns:a16="http://schemas.microsoft.com/office/drawing/2014/main" xmlns="" id="{E0210624-61F8-48B2-BD00-D3BC39DEBDCF}"/>
+                <a16:creationId xmlns:a16="http://schemas.microsoft.com/office/drawing/2014/main" id="{E0210624-61F8-48B2-BD00-D3BC39DEBDCF}"/>
               </a:ext>
             </a:extLst>
           </p:cNvPr>
@@ -16022,7 +16012,7 @@
           <p:cNvPr id="38" name="Freeform: Shape 37">
             <a:extLst>
               <a:ext uri="{FF2B5EF4-FFF2-40B4-BE49-F238E27FC236}">
-                <a16:creationId xmlns:a16="http://schemas.microsoft.com/office/drawing/2014/main" xmlns="" id="{9CD6F167-FB82-4EFB-BAB9-1D0FEE07B85D}"/>
+                <a16:creationId xmlns:a16="http://schemas.microsoft.com/office/drawing/2014/main" id="{9CD6F167-FB82-4EFB-BAB9-1D0FEE07B85D}"/>
               </a:ext>
             </a:extLst>
           </p:cNvPr>
@@ -16148,7 +16138,7 @@
           <p:cNvPr id="36" name="Freeform: Shape 35">
             <a:extLst>
               <a:ext uri="{FF2B5EF4-FFF2-40B4-BE49-F238E27FC236}">
-                <a16:creationId xmlns:a16="http://schemas.microsoft.com/office/drawing/2014/main" xmlns="" id="{3DD2082D-81A7-4E2D-8136-9D48016E7FE9}"/>
+                <a16:creationId xmlns:a16="http://schemas.microsoft.com/office/drawing/2014/main" id="{3DD2082D-81A7-4E2D-8136-9D48016E7FE9}"/>
               </a:ext>
             </a:extLst>
           </p:cNvPr>
@@ -16238,7 +16228,7 @@
           <p:cNvPr id="30" name="Freeform: Shape 29">
             <a:extLst>
               <a:ext uri="{FF2B5EF4-FFF2-40B4-BE49-F238E27FC236}">
-                <a16:creationId xmlns:a16="http://schemas.microsoft.com/office/drawing/2014/main" xmlns="" id="{ECF16C35-4A81-4062-808C-7697AF0FD6F5}"/>
+                <a16:creationId xmlns:a16="http://schemas.microsoft.com/office/drawing/2014/main" id="{ECF16C35-4A81-4062-808C-7697AF0FD6F5}"/>
               </a:ext>
             </a:extLst>
           </p:cNvPr>
@@ -16436,7 +16426,7 @@
           <p:cNvPr id="26" name="Picture Placeholder 25">
             <a:extLst>
               <a:ext uri="{FF2B5EF4-FFF2-40B4-BE49-F238E27FC236}">
-                <a16:creationId xmlns:a16="http://schemas.microsoft.com/office/drawing/2014/main" xmlns="" id="{5A97CE06-9ECC-4438-8B22-B58B27F2B5FA}"/>
+                <a16:creationId xmlns:a16="http://schemas.microsoft.com/office/drawing/2014/main" id="{5A97CE06-9ECC-4438-8B22-B58B27F2B5FA}"/>
               </a:ext>
             </a:extLst>
           </p:cNvPr>
@@ -16627,7 +16617,7 @@
           </a:lstStyle>
           <a:p>
             <a:r>
-              <a:rPr lang="en-US" smtClean="0"/>
+              <a:rPr lang="en-US"/>
               <a:t>Click icon to add picture</a:t>
             </a:r>
             <a:endParaRPr lang="ru-RU"/>
@@ -16639,7 +16629,7 @@
           <p:cNvPr id="24" name="Oval 23">
             <a:extLst>
               <a:ext uri="{FF2B5EF4-FFF2-40B4-BE49-F238E27FC236}">
-                <a16:creationId xmlns:a16="http://schemas.microsoft.com/office/drawing/2014/main" xmlns="" id="{CE8B26E3-C9CA-4CFF-8221-19518F497FF4}"/>
+                <a16:creationId xmlns:a16="http://schemas.microsoft.com/office/drawing/2014/main" id="{CE8B26E3-C9CA-4CFF-8221-19518F497FF4}"/>
               </a:ext>
             </a:extLst>
           </p:cNvPr>
@@ -16691,7 +16681,7 @@
           <p:cNvPr id="25" name="Graphic 12">
             <a:extLst>
               <a:ext uri="{FF2B5EF4-FFF2-40B4-BE49-F238E27FC236}">
-                <a16:creationId xmlns:a16="http://schemas.microsoft.com/office/drawing/2014/main" xmlns="" id="{A9957602-C843-44E0-A93F-66AF5A6A0F0A}"/>
+                <a16:creationId xmlns:a16="http://schemas.microsoft.com/office/drawing/2014/main" id="{A9957602-C843-44E0-A93F-66AF5A6A0F0A}"/>
               </a:ext>
             </a:extLst>
           </p:cNvPr>
@@ -16808,7 +16798,7 @@
           <p:cNvPr id="2" name="Title 1">
             <a:extLst>
               <a:ext uri="{FF2B5EF4-FFF2-40B4-BE49-F238E27FC236}">
-                <a16:creationId xmlns:a16="http://schemas.microsoft.com/office/drawing/2014/main" xmlns="" id="{7242568A-7F20-40F2-9490-E3BC7466DA0D}"/>
+                <a16:creationId xmlns:a16="http://schemas.microsoft.com/office/drawing/2014/main" id="{7242568A-7F20-40F2-9490-E3BC7466DA0D}"/>
               </a:ext>
             </a:extLst>
           </p:cNvPr>
@@ -16846,7 +16836,7 @@
           <p:cNvPr id="4" name="Date Placeholder 3">
             <a:extLst>
               <a:ext uri="{FF2B5EF4-FFF2-40B4-BE49-F238E27FC236}">
-                <a16:creationId xmlns:a16="http://schemas.microsoft.com/office/drawing/2014/main" xmlns="" id="{AC6F89F8-3E24-406D-9C49-00E6E47E4AAC}"/>
+                <a16:creationId xmlns:a16="http://schemas.microsoft.com/office/drawing/2014/main" id="{AC6F89F8-3E24-406D-9C49-00E6E47E4AAC}"/>
               </a:ext>
             </a:extLst>
           </p:cNvPr>
@@ -16874,7 +16864,7 @@
           <p:cNvPr id="5" name="Footer Placeholder 4">
             <a:extLst>
               <a:ext uri="{FF2B5EF4-FFF2-40B4-BE49-F238E27FC236}">
-                <a16:creationId xmlns:a16="http://schemas.microsoft.com/office/drawing/2014/main" xmlns="" id="{4392DBDA-ED00-4248-AC6D-0CE0B821B52F}"/>
+                <a16:creationId xmlns:a16="http://schemas.microsoft.com/office/drawing/2014/main" id="{4392DBDA-ED00-4248-AC6D-0CE0B821B52F}"/>
               </a:ext>
             </a:extLst>
           </p:cNvPr>
@@ -16911,7 +16901,7 @@
           <p:cNvPr id="6" name="Slide Number Placeholder 5">
             <a:extLst>
               <a:ext uri="{FF2B5EF4-FFF2-40B4-BE49-F238E27FC236}">
-                <a16:creationId xmlns:a16="http://schemas.microsoft.com/office/drawing/2014/main" xmlns="" id="{EC2B5F97-2F18-4EF2-9CBC-AAAB9FF4CC91}"/>
+                <a16:creationId xmlns:a16="http://schemas.microsoft.com/office/drawing/2014/main" id="{EC2B5F97-2F18-4EF2-9CBC-AAAB9FF4CC91}"/>
               </a:ext>
             </a:extLst>
           </p:cNvPr>
@@ -16940,7 +16930,7 @@
           <p:cNvPr id="10" name="Freeform: Shape 9">
             <a:extLst>
               <a:ext uri="{FF2B5EF4-FFF2-40B4-BE49-F238E27FC236}">
-                <a16:creationId xmlns:a16="http://schemas.microsoft.com/office/drawing/2014/main" xmlns="" id="{7492975F-6F5D-4157-A751-54BACCCF1800}"/>
+                <a16:creationId xmlns:a16="http://schemas.microsoft.com/office/drawing/2014/main" id="{7492975F-6F5D-4157-A751-54BACCCF1800}"/>
               </a:ext>
             </a:extLst>
           </p:cNvPr>
@@ -17048,7 +17038,7 @@
           <p:cNvPr id="13" name="Freeform: Shape 12">
             <a:extLst>
               <a:ext uri="{FF2B5EF4-FFF2-40B4-BE49-F238E27FC236}">
-                <a16:creationId xmlns:a16="http://schemas.microsoft.com/office/drawing/2014/main" xmlns="" id="{6C50EDEB-35C1-4DED-A608-A0EAA8DE5404}"/>
+                <a16:creationId xmlns:a16="http://schemas.microsoft.com/office/drawing/2014/main" id="{6C50EDEB-35C1-4DED-A608-A0EAA8DE5404}"/>
               </a:ext>
             </a:extLst>
           </p:cNvPr>
@@ -17208,7 +17198,7 @@
           <p:cNvPr id="16" name="Text Placeholder 14">
             <a:extLst>
               <a:ext uri="{FF2B5EF4-FFF2-40B4-BE49-F238E27FC236}">
-                <a16:creationId xmlns:a16="http://schemas.microsoft.com/office/drawing/2014/main" xmlns="" id="{F469DEB5-CC79-4D71-8360-0B10B34244B7}"/>
+                <a16:creationId xmlns:a16="http://schemas.microsoft.com/office/drawing/2014/main" id="{F469DEB5-CC79-4D71-8360-0B10B34244B7}"/>
               </a:ext>
             </a:extLst>
           </p:cNvPr>
@@ -17238,7 +17228,7 @@
           <a:p>
             <a:pPr lvl="0"/>
             <a:r>
-              <a:rPr lang="en-US" smtClean="0"/>
+              <a:rPr lang="en-US"/>
               <a:t>Click to edit Master text styles</a:t>
             </a:r>
           </a:p>
@@ -17249,7 +17239,7 @@
           <p:cNvPr id="17" name="Text Placeholder 14">
             <a:extLst>
               <a:ext uri="{FF2B5EF4-FFF2-40B4-BE49-F238E27FC236}">
-                <a16:creationId xmlns:a16="http://schemas.microsoft.com/office/drawing/2014/main" xmlns="" id="{9EE0722D-F13C-4FFB-9E31-CC024B92E6CD}"/>
+                <a16:creationId xmlns:a16="http://schemas.microsoft.com/office/drawing/2014/main" id="{9EE0722D-F13C-4FFB-9E31-CC024B92E6CD}"/>
               </a:ext>
             </a:extLst>
           </p:cNvPr>
@@ -17293,7 +17283,7 @@
           <a:p>
             <a:pPr lvl="0"/>
             <a:r>
-              <a:rPr lang="en-US" smtClean="0"/>
+              <a:rPr lang="en-US"/>
               <a:t>Click to edit Master text styles</a:t>
             </a:r>
           </a:p>
@@ -17304,7 +17294,7 @@
           <p:cNvPr id="3" name="Graphic 22">
             <a:extLst>
               <a:ext uri="{FF2B5EF4-FFF2-40B4-BE49-F238E27FC236}">
-                <a16:creationId xmlns:a16="http://schemas.microsoft.com/office/drawing/2014/main" xmlns="" id="{827885C7-FA6F-4513-83BC-BEAD42F63D5B}"/>
+                <a16:creationId xmlns:a16="http://schemas.microsoft.com/office/drawing/2014/main" id="{827885C7-FA6F-4513-83BC-BEAD42F63D5B}"/>
               </a:ext>
             </a:extLst>
           </p:cNvPr>
@@ -17440,7 +17430,7 @@
           <p:cNvPr id="22" name="Freeform: Shape 21">
             <a:extLst>
               <a:ext uri="{FF2B5EF4-FFF2-40B4-BE49-F238E27FC236}">
-                <a16:creationId xmlns:a16="http://schemas.microsoft.com/office/drawing/2014/main" xmlns="" id="{30961087-B677-45AC-8D02-FEE615D17609}"/>
+                <a16:creationId xmlns:a16="http://schemas.microsoft.com/office/drawing/2014/main" id="{30961087-B677-45AC-8D02-FEE615D17609}"/>
               </a:ext>
             </a:extLst>
           </p:cNvPr>
@@ -17578,7 +17568,7 @@
           <p:cNvPr id="42" name="Picture Placeholder 41">
             <a:extLst>
               <a:ext uri="{FF2B5EF4-FFF2-40B4-BE49-F238E27FC236}">
-                <a16:creationId xmlns:a16="http://schemas.microsoft.com/office/drawing/2014/main" xmlns="" id="{D6E0F90B-941A-45B6-85DA-E0D4E7977CD8}"/>
+                <a16:creationId xmlns:a16="http://schemas.microsoft.com/office/drawing/2014/main" id="{D6E0F90B-941A-45B6-85DA-E0D4E7977CD8}"/>
               </a:ext>
             </a:extLst>
           </p:cNvPr>
@@ -17803,7 +17793,7 @@
           </a:lstStyle>
           <a:p>
             <a:r>
-              <a:rPr lang="en-US" smtClean="0"/>
+              <a:rPr lang="en-US"/>
               <a:t>Click icon to add picture</a:t>
             </a:r>
             <a:endParaRPr lang="ru-RU"/>
@@ -17815,7 +17805,7 @@
           <p:cNvPr id="35" name="Oval 34">
             <a:extLst>
               <a:ext uri="{FF2B5EF4-FFF2-40B4-BE49-F238E27FC236}">
-                <a16:creationId xmlns:a16="http://schemas.microsoft.com/office/drawing/2014/main" xmlns="" id="{7BC6DBB9-1B34-4374-A887-DC30F9E2F62F}"/>
+                <a16:creationId xmlns:a16="http://schemas.microsoft.com/office/drawing/2014/main" id="{7BC6DBB9-1B34-4374-A887-DC30F9E2F62F}"/>
               </a:ext>
             </a:extLst>
           </p:cNvPr>
@@ -17867,7 +17857,7 @@
           <p:cNvPr id="36" name="Graphic 12">
             <a:extLst>
               <a:ext uri="{FF2B5EF4-FFF2-40B4-BE49-F238E27FC236}">
-                <a16:creationId xmlns:a16="http://schemas.microsoft.com/office/drawing/2014/main" xmlns="" id="{00DE0AE3-F44D-4F2C-B7A3-C253AA498DEF}"/>
+                <a16:creationId xmlns:a16="http://schemas.microsoft.com/office/drawing/2014/main" id="{00DE0AE3-F44D-4F2C-B7A3-C253AA498DEF}"/>
               </a:ext>
             </a:extLst>
           </p:cNvPr>
@@ -17984,7 +17974,7 @@
           <p:cNvPr id="2" name="Title 1">
             <a:extLst>
               <a:ext uri="{FF2B5EF4-FFF2-40B4-BE49-F238E27FC236}">
-                <a16:creationId xmlns:a16="http://schemas.microsoft.com/office/drawing/2014/main" xmlns="" id="{7242568A-7F20-40F2-9490-E3BC7466DA0D}"/>
+                <a16:creationId xmlns:a16="http://schemas.microsoft.com/office/drawing/2014/main" id="{7242568A-7F20-40F2-9490-E3BC7466DA0D}"/>
               </a:ext>
             </a:extLst>
           </p:cNvPr>
@@ -18022,7 +18012,7 @@
           <p:cNvPr id="4" name="Date Placeholder 3">
             <a:extLst>
               <a:ext uri="{FF2B5EF4-FFF2-40B4-BE49-F238E27FC236}">
-                <a16:creationId xmlns:a16="http://schemas.microsoft.com/office/drawing/2014/main" xmlns="" id="{AC6F89F8-3E24-406D-9C49-00E6E47E4AAC}"/>
+                <a16:creationId xmlns:a16="http://schemas.microsoft.com/office/drawing/2014/main" id="{AC6F89F8-3E24-406D-9C49-00E6E47E4AAC}"/>
               </a:ext>
             </a:extLst>
           </p:cNvPr>
@@ -18050,7 +18040,7 @@
           <p:cNvPr id="5" name="Footer Placeholder 4">
             <a:extLst>
               <a:ext uri="{FF2B5EF4-FFF2-40B4-BE49-F238E27FC236}">
-                <a16:creationId xmlns:a16="http://schemas.microsoft.com/office/drawing/2014/main" xmlns="" id="{4392DBDA-ED00-4248-AC6D-0CE0B821B52F}"/>
+                <a16:creationId xmlns:a16="http://schemas.microsoft.com/office/drawing/2014/main" id="{4392DBDA-ED00-4248-AC6D-0CE0B821B52F}"/>
               </a:ext>
             </a:extLst>
           </p:cNvPr>
@@ -18087,7 +18077,7 @@
           <p:cNvPr id="6" name="Slide Number Placeholder 5">
             <a:extLst>
               <a:ext uri="{FF2B5EF4-FFF2-40B4-BE49-F238E27FC236}">
-                <a16:creationId xmlns:a16="http://schemas.microsoft.com/office/drawing/2014/main" xmlns="" id="{EC2B5F97-2F18-4EF2-9CBC-AAAB9FF4CC91}"/>
+                <a16:creationId xmlns:a16="http://schemas.microsoft.com/office/drawing/2014/main" id="{EC2B5F97-2F18-4EF2-9CBC-AAAB9FF4CC91}"/>
               </a:ext>
             </a:extLst>
           </p:cNvPr>
@@ -18116,7 +18106,7 @@
           <p:cNvPr id="18" name="Text Placeholder 14">
             <a:extLst>
               <a:ext uri="{FF2B5EF4-FFF2-40B4-BE49-F238E27FC236}">
-                <a16:creationId xmlns:a16="http://schemas.microsoft.com/office/drawing/2014/main" xmlns="" id="{82903A57-2768-42F8-A5EA-4C19B9049850}"/>
+                <a16:creationId xmlns:a16="http://schemas.microsoft.com/office/drawing/2014/main" id="{82903A57-2768-42F8-A5EA-4C19B9049850}"/>
               </a:ext>
             </a:extLst>
           </p:cNvPr>
@@ -18160,7 +18150,7 @@
           <a:p>
             <a:pPr lvl="0"/>
             <a:r>
-              <a:rPr lang="en-US" smtClean="0"/>
+              <a:rPr lang="en-US"/>
               <a:t>Click to edit Master text styles</a:t>
             </a:r>
           </a:p>
@@ -18171,7 +18161,7 @@
           <p:cNvPr id="38" name="Freeform: Shape 37">
             <a:extLst>
               <a:ext uri="{FF2B5EF4-FFF2-40B4-BE49-F238E27FC236}">
-                <a16:creationId xmlns:a16="http://schemas.microsoft.com/office/drawing/2014/main" xmlns="" id="{C6C05708-08C7-4EF1-B0D8-6A01C1B1AD85}"/>
+                <a16:creationId xmlns:a16="http://schemas.microsoft.com/office/drawing/2014/main" id="{C6C05708-08C7-4EF1-B0D8-6A01C1B1AD85}"/>
               </a:ext>
             </a:extLst>
           </p:cNvPr>
@@ -18279,7 +18269,7 @@
           <p:cNvPr id="29" name="Freeform: Shape 28">
             <a:extLst>
               <a:ext uri="{FF2B5EF4-FFF2-40B4-BE49-F238E27FC236}">
-                <a16:creationId xmlns:a16="http://schemas.microsoft.com/office/drawing/2014/main" xmlns="" id="{E46691B2-7AF3-4CAC-A285-36444A9101D9}"/>
+                <a16:creationId xmlns:a16="http://schemas.microsoft.com/office/drawing/2014/main" id="{E46691B2-7AF3-4CAC-A285-36444A9101D9}"/>
               </a:ext>
             </a:extLst>
           </p:cNvPr>
@@ -18369,7 +18359,7 @@
           <p:cNvPr id="26" name="Freeform: Shape 25">
             <a:extLst>
               <a:ext uri="{FF2B5EF4-FFF2-40B4-BE49-F238E27FC236}">
-                <a16:creationId xmlns:a16="http://schemas.microsoft.com/office/drawing/2014/main" xmlns="" id="{FE8ACF66-A148-4D4F-A35C-837CDC6B154D}"/>
+                <a16:creationId xmlns:a16="http://schemas.microsoft.com/office/drawing/2014/main" id="{FE8ACF66-A148-4D4F-A35C-837CDC6B154D}"/>
               </a:ext>
             </a:extLst>
           </p:cNvPr>
@@ -18459,7 +18449,7 @@
           <p:cNvPr id="28" name="Text Placeholder 26">
             <a:extLst>
               <a:ext uri="{FF2B5EF4-FFF2-40B4-BE49-F238E27FC236}">
-                <a16:creationId xmlns:a16="http://schemas.microsoft.com/office/drawing/2014/main" xmlns="" id="{5F10B1F7-5633-4C8B-A868-72D9C782CBA6}"/>
+                <a16:creationId xmlns:a16="http://schemas.microsoft.com/office/drawing/2014/main" id="{5F10B1F7-5633-4C8B-A868-72D9C782CBA6}"/>
               </a:ext>
             </a:extLst>
           </p:cNvPr>
@@ -18505,7 +18495,7 @@
           <a:p>
             <a:pPr lvl="0"/>
             <a:r>
-              <a:rPr lang="en-US" smtClean="0"/>
+              <a:rPr lang="en-US"/>
               <a:t>Click to edit Master text styles</a:t>
             </a:r>
           </a:p>
@@ -18516,7 +18506,7 @@
           <p:cNvPr id="31" name="Text Placeholder 29">
             <a:extLst>
               <a:ext uri="{FF2B5EF4-FFF2-40B4-BE49-F238E27FC236}">
-                <a16:creationId xmlns:a16="http://schemas.microsoft.com/office/drawing/2014/main" xmlns="" id="{CBA9BCD0-48BA-4D5B-8871-61204EACE422}"/>
+                <a16:creationId xmlns:a16="http://schemas.microsoft.com/office/drawing/2014/main" id="{CBA9BCD0-48BA-4D5B-8871-61204EACE422}"/>
               </a:ext>
             </a:extLst>
           </p:cNvPr>
@@ -18595,7 +18585,7 @@
           <a:p>
             <a:pPr lvl="0"/>
             <a:r>
-              <a:rPr lang="en-US" smtClean="0"/>
+              <a:rPr lang="en-US"/>
               <a:t>Click to edit Master text styles</a:t>
             </a:r>
           </a:p>
@@ -18606,7 +18596,7 @@
           <p:cNvPr id="3" name="Graphic 33">
             <a:extLst>
               <a:ext uri="{FF2B5EF4-FFF2-40B4-BE49-F238E27FC236}">
-                <a16:creationId xmlns:a16="http://schemas.microsoft.com/office/drawing/2014/main" xmlns="" id="{38956B41-4EE0-4C7C-8436-027F5DE8B1BC}"/>
+                <a16:creationId xmlns:a16="http://schemas.microsoft.com/office/drawing/2014/main" id="{38956B41-4EE0-4C7C-8436-027F5DE8B1BC}"/>
               </a:ext>
             </a:extLst>
           </p:cNvPr>
@@ -18742,7 +18732,7 @@
           <p:cNvPr id="33" name="Freeform: Shape 32">
             <a:extLst>
               <a:ext uri="{FF2B5EF4-FFF2-40B4-BE49-F238E27FC236}">
-                <a16:creationId xmlns:a16="http://schemas.microsoft.com/office/drawing/2014/main" xmlns="" id="{E08687FC-7322-4F20-9769-1ECF4296A96E}"/>
+                <a16:creationId xmlns:a16="http://schemas.microsoft.com/office/drawing/2014/main" id="{E08687FC-7322-4F20-9769-1ECF4296A96E}"/>
               </a:ext>
             </a:extLst>
           </p:cNvPr>
@@ -18850,7 +18840,7 @@
           <p:cNvPr id="41" name="Freeform: Shape 40">
             <a:extLst>
               <a:ext uri="{FF2B5EF4-FFF2-40B4-BE49-F238E27FC236}">
-                <a16:creationId xmlns:a16="http://schemas.microsoft.com/office/drawing/2014/main" xmlns="" id="{0FCCDE26-7222-4C1B-884A-0FAE84FA57DB}"/>
+                <a16:creationId xmlns:a16="http://schemas.microsoft.com/office/drawing/2014/main" id="{0FCCDE26-7222-4C1B-884A-0FAE84FA57DB}"/>
               </a:ext>
             </a:extLst>
           </p:cNvPr>
@@ -18988,7 +18978,7 @@
           <p:cNvPr id="48" name="Oval 47">
             <a:extLst>
               <a:ext uri="{FF2B5EF4-FFF2-40B4-BE49-F238E27FC236}">
-                <a16:creationId xmlns:a16="http://schemas.microsoft.com/office/drawing/2014/main" xmlns="" id="{6F44C9A9-0E74-4918-9B66-273196D2956C}"/>
+                <a16:creationId xmlns:a16="http://schemas.microsoft.com/office/drawing/2014/main" id="{6F44C9A9-0E74-4918-9B66-273196D2956C}"/>
               </a:ext>
             </a:extLst>
           </p:cNvPr>
@@ -19040,7 +19030,7 @@
           <p:cNvPr id="49" name="Graphic 12">
             <a:extLst>
               <a:ext uri="{FF2B5EF4-FFF2-40B4-BE49-F238E27FC236}">
-                <a16:creationId xmlns:a16="http://schemas.microsoft.com/office/drawing/2014/main" xmlns="" id="{4FD74D9D-1BEE-4A13-ABAA-5FBA5C4D1BFA}"/>
+                <a16:creationId xmlns:a16="http://schemas.microsoft.com/office/drawing/2014/main" id="{4FD74D9D-1BEE-4A13-ABAA-5FBA5C4D1BFA}"/>
               </a:ext>
             </a:extLst>
           </p:cNvPr>
@@ -19157,7 +19147,7 @@
           <p:cNvPr id="2" name="Title 1">
             <a:extLst>
               <a:ext uri="{FF2B5EF4-FFF2-40B4-BE49-F238E27FC236}">
-                <a16:creationId xmlns:a16="http://schemas.microsoft.com/office/drawing/2014/main" xmlns="" id="{81053F33-9837-4E9F-8D29-24A800D841E9}"/>
+                <a16:creationId xmlns:a16="http://schemas.microsoft.com/office/drawing/2014/main" id="{81053F33-9837-4E9F-8D29-24A800D841E9}"/>
               </a:ext>
             </a:extLst>
           </p:cNvPr>
@@ -19197,7 +19187,7 @@
           <p:cNvPr id="3" name="Text Placeholder 2">
             <a:extLst>
               <a:ext uri="{FF2B5EF4-FFF2-40B4-BE49-F238E27FC236}">
-                <a16:creationId xmlns:a16="http://schemas.microsoft.com/office/drawing/2014/main" xmlns="" id="{40DFDBBD-D278-4F5A-BD28-172F5B157E88}"/>
+                <a16:creationId xmlns:a16="http://schemas.microsoft.com/office/drawing/2014/main" id="{40DFDBBD-D278-4F5A-BD28-172F5B157E88}"/>
               </a:ext>
             </a:extLst>
           </p:cNvPr>
@@ -19323,7 +19313,7 @@
           <p:cNvPr id="4" name="Date Placeholder 3">
             <a:extLst>
               <a:ext uri="{FF2B5EF4-FFF2-40B4-BE49-F238E27FC236}">
-                <a16:creationId xmlns:a16="http://schemas.microsoft.com/office/drawing/2014/main" xmlns="" id="{DC2A0631-3130-4C36-8E5E-80464B1A62A7}"/>
+                <a16:creationId xmlns:a16="http://schemas.microsoft.com/office/drawing/2014/main" id="{DC2A0631-3130-4C36-8E5E-80464B1A62A7}"/>
               </a:ext>
             </a:extLst>
           </p:cNvPr>
@@ -19351,7 +19341,7 @@
           <p:cNvPr id="5" name="Footer Placeholder 4">
             <a:extLst>
               <a:ext uri="{FF2B5EF4-FFF2-40B4-BE49-F238E27FC236}">
-                <a16:creationId xmlns:a16="http://schemas.microsoft.com/office/drawing/2014/main" xmlns="" id="{79230F82-FE68-4450-98DF-5D29369AEE76}"/>
+                <a16:creationId xmlns:a16="http://schemas.microsoft.com/office/drawing/2014/main" id="{79230F82-FE68-4450-98DF-5D29369AEE76}"/>
               </a:ext>
             </a:extLst>
           </p:cNvPr>
@@ -19388,7 +19378,7 @@
           <p:cNvPr id="6" name="Slide Number Placeholder 5">
             <a:extLst>
               <a:ext uri="{FF2B5EF4-FFF2-40B4-BE49-F238E27FC236}">
-                <a16:creationId xmlns:a16="http://schemas.microsoft.com/office/drawing/2014/main" xmlns="" id="{EE6603C1-6E1A-4E4B-9555-31D84B6BDAD9}"/>
+                <a16:creationId xmlns:a16="http://schemas.microsoft.com/office/drawing/2014/main" id="{EE6603C1-6E1A-4E4B-9555-31D84B6BDAD9}"/>
               </a:ext>
             </a:extLst>
           </p:cNvPr>
@@ -19417,7 +19407,7 @@
           <p:cNvPr id="17" name="Text Placeholder 26">
             <a:extLst>
               <a:ext uri="{FF2B5EF4-FFF2-40B4-BE49-F238E27FC236}">
-                <a16:creationId xmlns:a16="http://schemas.microsoft.com/office/drawing/2014/main" xmlns="" id="{C990C5BD-BC2C-4822-AA4E-446B77052F23}"/>
+                <a16:creationId xmlns:a16="http://schemas.microsoft.com/office/drawing/2014/main" id="{C990C5BD-BC2C-4822-AA4E-446B77052F23}"/>
               </a:ext>
             </a:extLst>
           </p:cNvPr>
@@ -19463,7 +19453,7 @@
           <a:p>
             <a:pPr lvl="0"/>
             <a:r>
-              <a:rPr lang="en-US" smtClean="0"/>
+              <a:rPr lang="en-US"/>
               <a:t>Click to edit Master text styles</a:t>
             </a:r>
           </a:p>
@@ -19474,7 +19464,7 @@
           <p:cNvPr id="22" name="Graphic 19">
             <a:extLst>
               <a:ext uri="{FF2B5EF4-FFF2-40B4-BE49-F238E27FC236}">
-                <a16:creationId xmlns:a16="http://schemas.microsoft.com/office/drawing/2014/main" xmlns="" id="{258EB2BC-F42B-4177-83EB-F2D2BF76129C}"/>
+                <a16:creationId xmlns:a16="http://schemas.microsoft.com/office/drawing/2014/main" id="{258EB2BC-F42B-4177-83EB-F2D2BF76129C}"/>
               </a:ext>
             </a:extLst>
           </p:cNvPr>
@@ -19610,7 +19600,7 @@
           <p:cNvPr id="24" name="Text Placeholder 2">
             <a:extLst>
               <a:ext uri="{FF2B5EF4-FFF2-40B4-BE49-F238E27FC236}">
-                <a16:creationId xmlns:a16="http://schemas.microsoft.com/office/drawing/2014/main" xmlns="" id="{B971AAD9-2660-4922-9B41-C45976A31C4F}"/>
+                <a16:creationId xmlns:a16="http://schemas.microsoft.com/office/drawing/2014/main" id="{B971AAD9-2660-4922-9B41-C45976A31C4F}"/>
               </a:ext>
             </a:extLst>
           </p:cNvPr>
@@ -19736,7 +19726,7 @@
           <p:cNvPr id="28" name="Text Placeholder 26">
             <a:extLst>
               <a:ext uri="{FF2B5EF4-FFF2-40B4-BE49-F238E27FC236}">
-                <a16:creationId xmlns:a16="http://schemas.microsoft.com/office/drawing/2014/main" xmlns="" id="{D0525F80-1CD7-406E-A2B0-ACB0CD78A32C}"/>
+                <a16:creationId xmlns:a16="http://schemas.microsoft.com/office/drawing/2014/main" id="{D0525F80-1CD7-406E-A2B0-ACB0CD78A32C}"/>
               </a:ext>
             </a:extLst>
           </p:cNvPr>
@@ -19818,7 +19808,7 @@
           <a:p>
             <a:pPr lvl="0"/>
             <a:r>
-              <a:rPr lang="en-US" smtClean="0"/>
+              <a:rPr lang="en-US"/>
               <a:t>Click to edit Master text styles</a:t>
             </a:r>
           </a:p>
@@ -19829,7 +19819,7 @@
           <p:cNvPr id="30" name="Text Placeholder 26">
             <a:extLst>
               <a:ext uri="{FF2B5EF4-FFF2-40B4-BE49-F238E27FC236}">
-                <a16:creationId xmlns:a16="http://schemas.microsoft.com/office/drawing/2014/main" xmlns="" id="{527B617A-AB11-44E9-B2E2-53B7F35CD968}"/>
+                <a16:creationId xmlns:a16="http://schemas.microsoft.com/office/drawing/2014/main" id="{527B617A-AB11-44E9-B2E2-53B7F35CD968}"/>
               </a:ext>
             </a:extLst>
           </p:cNvPr>
@@ -19911,7 +19901,7 @@
           <a:p>
             <a:pPr lvl="0"/>
             <a:r>
-              <a:rPr lang="en-US" smtClean="0"/>
+              <a:rPr lang="en-US"/>
               <a:t>Click to edit Master text styles</a:t>
             </a:r>
           </a:p>
@@ -19922,7 +19912,7 @@
           <p:cNvPr id="41" name="Graphic 39">
             <a:extLst>
               <a:ext uri="{FF2B5EF4-FFF2-40B4-BE49-F238E27FC236}">
-                <a16:creationId xmlns:a16="http://schemas.microsoft.com/office/drawing/2014/main" xmlns="" id="{F4C9083C-573A-4951-8064-8A2074E45857}"/>
+                <a16:creationId xmlns:a16="http://schemas.microsoft.com/office/drawing/2014/main" id="{F4C9083C-573A-4951-8064-8A2074E45857}"/>
               </a:ext>
             </a:extLst>
           </p:cNvPr>
@@ -19942,7 +19932,7 @@
             <p:cNvPr id="42" name="Freeform: Shape 41">
               <a:extLst>
                 <a:ext uri="{FF2B5EF4-FFF2-40B4-BE49-F238E27FC236}">
-                  <a16:creationId xmlns:a16="http://schemas.microsoft.com/office/drawing/2014/main" xmlns="" id="{E24D028E-B0C2-46BA-B6A7-734B26FEA989}"/>
+                  <a16:creationId xmlns:a16="http://schemas.microsoft.com/office/drawing/2014/main" id="{E24D028E-B0C2-46BA-B6A7-734B26FEA989}"/>
                 </a:ext>
               </a:extLst>
             </p:cNvPr>
@@ -20132,7 +20122,7 @@
             <p:cNvPr id="43" name="Freeform: Shape 42">
               <a:extLst>
                 <a:ext uri="{FF2B5EF4-FFF2-40B4-BE49-F238E27FC236}">
-                  <a16:creationId xmlns:a16="http://schemas.microsoft.com/office/drawing/2014/main" xmlns="" id="{1FD2C3DF-070C-48BB-8EC1-3FE31FCD20DC}"/>
+                  <a16:creationId xmlns:a16="http://schemas.microsoft.com/office/drawing/2014/main" id="{1FD2C3DF-070C-48BB-8EC1-3FE31FCD20DC}"/>
                 </a:ext>
               </a:extLst>
             </p:cNvPr>
@@ -20240,7 +20230,7 @@
             <p:cNvPr id="44" name="Freeform: Shape 43">
               <a:extLst>
                 <a:ext uri="{FF2B5EF4-FFF2-40B4-BE49-F238E27FC236}">
-                  <a16:creationId xmlns:a16="http://schemas.microsoft.com/office/drawing/2014/main" xmlns="" id="{F503CC8C-61AD-4DAB-B26E-509EA44669D4}"/>
+                  <a16:creationId xmlns:a16="http://schemas.microsoft.com/office/drawing/2014/main" id="{F503CC8C-61AD-4DAB-B26E-509EA44669D4}"/>
                 </a:ext>
               </a:extLst>
             </p:cNvPr>
@@ -20348,7 +20338,7 @@
             <p:cNvPr id="45" name="Freeform: Shape 44">
               <a:extLst>
                 <a:ext uri="{FF2B5EF4-FFF2-40B4-BE49-F238E27FC236}">
-                  <a16:creationId xmlns:a16="http://schemas.microsoft.com/office/drawing/2014/main" xmlns="" id="{8BB58BBD-BF4B-44A6-A2C8-AF1BE81D516E}"/>
+                  <a16:creationId xmlns:a16="http://schemas.microsoft.com/office/drawing/2014/main" id="{8BB58BBD-BF4B-44A6-A2C8-AF1BE81D516E}"/>
                 </a:ext>
               </a:extLst>
             </p:cNvPr>
@@ -20456,7 +20446,7 @@
             <p:cNvPr id="46" name="Freeform: Shape 45">
               <a:extLst>
                 <a:ext uri="{FF2B5EF4-FFF2-40B4-BE49-F238E27FC236}">
-                  <a16:creationId xmlns:a16="http://schemas.microsoft.com/office/drawing/2014/main" xmlns="" id="{602EAB3F-89ED-4532-AC15-8D6D0DE40EEB}"/>
+                  <a16:creationId xmlns:a16="http://schemas.microsoft.com/office/drawing/2014/main" id="{602EAB3F-89ED-4532-AC15-8D6D0DE40EEB}"/>
                 </a:ext>
               </a:extLst>
             </p:cNvPr>
@@ -20636,7 +20626,7 @@
             <p:cNvPr id="47" name="Freeform: Shape 46">
               <a:extLst>
                 <a:ext uri="{FF2B5EF4-FFF2-40B4-BE49-F238E27FC236}">
-                  <a16:creationId xmlns:a16="http://schemas.microsoft.com/office/drawing/2014/main" xmlns="" id="{714D3737-C4D1-46DE-A197-29A638CA1F30}"/>
+                  <a16:creationId xmlns:a16="http://schemas.microsoft.com/office/drawing/2014/main" id="{714D3737-C4D1-46DE-A197-29A638CA1F30}"/>
                 </a:ext>
               </a:extLst>
             </p:cNvPr>
@@ -20857,7 +20847,7 @@
           <p:cNvPr id="48" name="Oval 47">
             <a:extLst>
               <a:ext uri="{FF2B5EF4-FFF2-40B4-BE49-F238E27FC236}">
-                <a16:creationId xmlns:a16="http://schemas.microsoft.com/office/drawing/2014/main" xmlns="" id="{6BE8D45D-1E08-4F59-96CC-EA53D7CA6AB0}"/>
+                <a16:creationId xmlns:a16="http://schemas.microsoft.com/office/drawing/2014/main" id="{6BE8D45D-1E08-4F59-96CC-EA53D7CA6AB0}"/>
               </a:ext>
             </a:extLst>
           </p:cNvPr>
@@ -20909,7 +20899,7 @@
           <p:cNvPr id="49" name="Graphic 12">
             <a:extLst>
               <a:ext uri="{FF2B5EF4-FFF2-40B4-BE49-F238E27FC236}">
-                <a16:creationId xmlns:a16="http://schemas.microsoft.com/office/drawing/2014/main" xmlns="" id="{8E968353-82DA-42A2-88B6-AEFCF124AF4E}"/>
+                <a16:creationId xmlns:a16="http://schemas.microsoft.com/office/drawing/2014/main" id="{8E968353-82DA-42A2-88B6-AEFCF124AF4E}"/>
               </a:ext>
             </a:extLst>
           </p:cNvPr>
@@ -21026,7 +21016,7 @@
           <p:cNvPr id="2" name="Title 1">
             <a:extLst>
               <a:ext uri="{FF2B5EF4-FFF2-40B4-BE49-F238E27FC236}">
-                <a16:creationId xmlns:a16="http://schemas.microsoft.com/office/drawing/2014/main" xmlns="" id="{81053F33-9837-4E9F-8D29-24A800D841E9}"/>
+                <a16:creationId xmlns:a16="http://schemas.microsoft.com/office/drawing/2014/main" id="{81053F33-9837-4E9F-8D29-24A800D841E9}"/>
               </a:ext>
             </a:extLst>
           </p:cNvPr>
@@ -21066,7 +21056,7 @@
           <p:cNvPr id="4" name="Date Placeholder 3">
             <a:extLst>
               <a:ext uri="{FF2B5EF4-FFF2-40B4-BE49-F238E27FC236}">
-                <a16:creationId xmlns:a16="http://schemas.microsoft.com/office/drawing/2014/main" xmlns="" id="{DC2A0631-3130-4C36-8E5E-80464B1A62A7}"/>
+                <a16:creationId xmlns:a16="http://schemas.microsoft.com/office/drawing/2014/main" id="{DC2A0631-3130-4C36-8E5E-80464B1A62A7}"/>
               </a:ext>
             </a:extLst>
           </p:cNvPr>
@@ -21094,7 +21084,7 @@
           <p:cNvPr id="5" name="Footer Placeholder 4">
             <a:extLst>
               <a:ext uri="{FF2B5EF4-FFF2-40B4-BE49-F238E27FC236}">
-                <a16:creationId xmlns:a16="http://schemas.microsoft.com/office/drawing/2014/main" xmlns="" id="{79230F82-FE68-4450-98DF-5D29369AEE76}"/>
+                <a16:creationId xmlns:a16="http://schemas.microsoft.com/office/drawing/2014/main" id="{79230F82-FE68-4450-98DF-5D29369AEE76}"/>
               </a:ext>
             </a:extLst>
           </p:cNvPr>
@@ -21131,7 +21121,7 @@
           <p:cNvPr id="6" name="Slide Number Placeholder 5">
             <a:extLst>
               <a:ext uri="{FF2B5EF4-FFF2-40B4-BE49-F238E27FC236}">
-                <a16:creationId xmlns:a16="http://schemas.microsoft.com/office/drawing/2014/main" xmlns="" id="{EE6603C1-6E1A-4E4B-9555-31D84B6BDAD9}"/>
+                <a16:creationId xmlns:a16="http://schemas.microsoft.com/office/drawing/2014/main" id="{EE6603C1-6E1A-4E4B-9555-31D84B6BDAD9}"/>
               </a:ext>
             </a:extLst>
           </p:cNvPr>
@@ -21160,7 +21150,7 @@
           <p:cNvPr id="17" name="Text Placeholder 26">
             <a:extLst>
               <a:ext uri="{FF2B5EF4-FFF2-40B4-BE49-F238E27FC236}">
-                <a16:creationId xmlns:a16="http://schemas.microsoft.com/office/drawing/2014/main" xmlns="" id="{C990C5BD-BC2C-4822-AA4E-446B77052F23}"/>
+                <a16:creationId xmlns:a16="http://schemas.microsoft.com/office/drawing/2014/main" id="{C990C5BD-BC2C-4822-AA4E-446B77052F23}"/>
               </a:ext>
             </a:extLst>
           </p:cNvPr>
@@ -21206,7 +21196,7 @@
           <a:p>
             <a:pPr lvl="0"/>
             <a:r>
-              <a:rPr lang="en-US" smtClean="0"/>
+              <a:rPr lang="en-US"/>
               <a:t>Click to edit Master text styles</a:t>
             </a:r>
           </a:p>
@@ -21217,7 +21207,7 @@
           <p:cNvPr id="24" name="Text Placeholder 2">
             <a:extLst>
               <a:ext uri="{FF2B5EF4-FFF2-40B4-BE49-F238E27FC236}">
-                <a16:creationId xmlns:a16="http://schemas.microsoft.com/office/drawing/2014/main" xmlns="" id="{B971AAD9-2660-4922-9B41-C45976A31C4F}"/>
+                <a16:creationId xmlns:a16="http://schemas.microsoft.com/office/drawing/2014/main" id="{B971AAD9-2660-4922-9B41-C45976A31C4F}"/>
               </a:ext>
             </a:extLst>
           </p:cNvPr>
@@ -21343,7 +21333,7 @@
           <p:cNvPr id="30" name="Text Placeholder 26">
             <a:extLst>
               <a:ext uri="{FF2B5EF4-FFF2-40B4-BE49-F238E27FC236}">
-                <a16:creationId xmlns:a16="http://schemas.microsoft.com/office/drawing/2014/main" xmlns="" id="{527B617A-AB11-44E9-B2E2-53B7F35CD968}"/>
+                <a16:creationId xmlns:a16="http://schemas.microsoft.com/office/drawing/2014/main" id="{527B617A-AB11-44E9-B2E2-53B7F35CD968}"/>
               </a:ext>
             </a:extLst>
           </p:cNvPr>
@@ -21437,7 +21427,7 @@
           <p:cNvPr id="23" name="Text Placeholder 2">
             <a:extLst>
               <a:ext uri="{FF2B5EF4-FFF2-40B4-BE49-F238E27FC236}">
-                <a16:creationId xmlns:a16="http://schemas.microsoft.com/office/drawing/2014/main" xmlns="" id="{E9080FED-3BFC-4CCC-8B5A-A2942CA5CF36}"/>
+                <a16:creationId xmlns:a16="http://schemas.microsoft.com/office/drawing/2014/main" id="{E9080FED-3BFC-4CCC-8B5A-A2942CA5CF36}"/>
               </a:ext>
             </a:extLst>
           </p:cNvPr>
@@ -21563,7 +21553,7 @@
           <p:cNvPr id="25" name="Text Placeholder 26">
             <a:extLst>
               <a:ext uri="{FF2B5EF4-FFF2-40B4-BE49-F238E27FC236}">
-                <a16:creationId xmlns:a16="http://schemas.microsoft.com/office/drawing/2014/main" xmlns="" id="{E7EC8229-D712-4FD1-990B-9212FC211A9B}"/>
+                <a16:creationId xmlns:a16="http://schemas.microsoft.com/office/drawing/2014/main" id="{E7EC8229-D712-4FD1-990B-9212FC211A9B}"/>
               </a:ext>
             </a:extLst>
           </p:cNvPr>
@@ -21657,7 +21647,7 @@
           <p:cNvPr id="27" name="Text Placeholder 2">
             <a:extLst>
               <a:ext uri="{FF2B5EF4-FFF2-40B4-BE49-F238E27FC236}">
-                <a16:creationId xmlns:a16="http://schemas.microsoft.com/office/drawing/2014/main" xmlns="" id="{27341020-DCB7-4CC5-BE55-AAAF421822ED}"/>
+                <a16:creationId xmlns:a16="http://schemas.microsoft.com/office/drawing/2014/main" id="{27341020-DCB7-4CC5-BE55-AAAF421822ED}"/>
               </a:ext>
             </a:extLst>
           </p:cNvPr>
@@ -21783,7 +21773,7 @@
           <p:cNvPr id="29" name="Text Placeholder 26">
             <a:extLst>
               <a:ext uri="{FF2B5EF4-FFF2-40B4-BE49-F238E27FC236}">
-                <a16:creationId xmlns:a16="http://schemas.microsoft.com/office/drawing/2014/main" xmlns="" id="{B1896019-AE20-47E2-AA66-ED9D16B2DAF7}"/>
+                <a16:creationId xmlns:a16="http://schemas.microsoft.com/office/drawing/2014/main" id="{B1896019-AE20-47E2-AA66-ED9D16B2DAF7}"/>
               </a:ext>
             </a:extLst>
           </p:cNvPr>
@@ -21877,7 +21867,7 @@
           <p:cNvPr id="32" name="Text Placeholder 2">
             <a:extLst>
               <a:ext uri="{FF2B5EF4-FFF2-40B4-BE49-F238E27FC236}">
-                <a16:creationId xmlns:a16="http://schemas.microsoft.com/office/drawing/2014/main" xmlns="" id="{212C49D2-92E0-4567-8BD4-9B8FC0536701}"/>
+                <a16:creationId xmlns:a16="http://schemas.microsoft.com/office/drawing/2014/main" id="{212C49D2-92E0-4567-8BD4-9B8FC0536701}"/>
               </a:ext>
             </a:extLst>
           </p:cNvPr>
@@ -22003,7 +21993,7 @@
           <p:cNvPr id="33" name="Text Placeholder 26">
             <a:extLst>
               <a:ext uri="{FF2B5EF4-FFF2-40B4-BE49-F238E27FC236}">
-                <a16:creationId xmlns:a16="http://schemas.microsoft.com/office/drawing/2014/main" xmlns="" id="{6B5DA211-72E1-4B00-AA61-980CE5A34565}"/>
+                <a16:creationId xmlns:a16="http://schemas.microsoft.com/office/drawing/2014/main" id="{6B5DA211-72E1-4B00-AA61-980CE5A34565}"/>
               </a:ext>
             </a:extLst>
           </p:cNvPr>
@@ -22097,7 +22087,7 @@
           <p:cNvPr id="35" name="Text Placeholder 2">
             <a:extLst>
               <a:ext uri="{FF2B5EF4-FFF2-40B4-BE49-F238E27FC236}">
-                <a16:creationId xmlns:a16="http://schemas.microsoft.com/office/drawing/2014/main" xmlns="" id="{A7CF7C63-619A-46EE-AF36-FCA26441A064}"/>
+                <a16:creationId xmlns:a16="http://schemas.microsoft.com/office/drawing/2014/main" id="{A7CF7C63-619A-46EE-AF36-FCA26441A064}"/>
               </a:ext>
             </a:extLst>
           </p:cNvPr>
@@ -22223,7 +22213,7 @@
           <p:cNvPr id="36" name="Text Placeholder 26">
             <a:extLst>
               <a:ext uri="{FF2B5EF4-FFF2-40B4-BE49-F238E27FC236}">
-                <a16:creationId xmlns:a16="http://schemas.microsoft.com/office/drawing/2014/main" xmlns="" id="{92E0EA61-C10D-4760-B03F-F27BCF1FC24C}"/>
+                <a16:creationId xmlns:a16="http://schemas.microsoft.com/office/drawing/2014/main" id="{92E0EA61-C10D-4760-B03F-F27BCF1FC24C}"/>
               </a:ext>
             </a:extLst>
           </p:cNvPr>
@@ -22317,7 +22307,7 @@
           <p:cNvPr id="38" name="Text Placeholder 2">
             <a:extLst>
               <a:ext uri="{FF2B5EF4-FFF2-40B4-BE49-F238E27FC236}">
-                <a16:creationId xmlns:a16="http://schemas.microsoft.com/office/drawing/2014/main" xmlns="" id="{1A3A14FA-D9E9-4000-B30C-14CADBFE48F6}"/>
+                <a16:creationId xmlns:a16="http://schemas.microsoft.com/office/drawing/2014/main" id="{1A3A14FA-D9E9-4000-B30C-14CADBFE48F6}"/>
               </a:ext>
             </a:extLst>
           </p:cNvPr>
@@ -22443,7 +22433,7 @@
           <p:cNvPr id="39" name="Text Placeholder 26">
             <a:extLst>
               <a:ext uri="{FF2B5EF4-FFF2-40B4-BE49-F238E27FC236}">
-                <a16:creationId xmlns:a16="http://schemas.microsoft.com/office/drawing/2014/main" xmlns="" id="{0FBCB607-92E0-4206-871B-10CAEB3377B3}"/>
+                <a16:creationId xmlns:a16="http://schemas.microsoft.com/office/drawing/2014/main" id="{0FBCB607-92E0-4206-871B-10CAEB3377B3}"/>
               </a:ext>
             </a:extLst>
           </p:cNvPr>
@@ -22537,7 +22527,7 @@
           <p:cNvPr id="19" name="Chart Placeholder 18">
             <a:extLst>
               <a:ext uri="{FF2B5EF4-FFF2-40B4-BE49-F238E27FC236}">
-                <a16:creationId xmlns:a16="http://schemas.microsoft.com/office/drawing/2014/main" xmlns="" id="{08CD548A-F4DA-41C7-BC55-620C696D5A6A}"/>
+                <a16:creationId xmlns:a16="http://schemas.microsoft.com/office/drawing/2014/main" id="{08CD548A-F4DA-41C7-BC55-620C696D5A6A}"/>
               </a:ext>
             </a:extLst>
           </p:cNvPr>
@@ -22573,7 +22563,7 @@
           </a:lstStyle>
           <a:p>
             <a:r>
-              <a:rPr lang="en-US" smtClean="0"/>
+              <a:rPr lang="en-US"/>
               <a:t>Click icon to add chart</a:t>
             </a:r>
             <a:endParaRPr lang="ru-RU" dirty="0"/>
@@ -22585,7 +22575,7 @@
           <p:cNvPr id="41" name="Graphic 39">
             <a:extLst>
               <a:ext uri="{FF2B5EF4-FFF2-40B4-BE49-F238E27FC236}">
-                <a16:creationId xmlns:a16="http://schemas.microsoft.com/office/drawing/2014/main" xmlns="" id="{D0A213E0-4DC9-4F6A-98B8-21DE9AE2D9B0}"/>
+                <a16:creationId xmlns:a16="http://schemas.microsoft.com/office/drawing/2014/main" id="{D0A213E0-4DC9-4F6A-98B8-21DE9AE2D9B0}"/>
               </a:ext>
             </a:extLst>
           </p:cNvPr>
@@ -22605,7 +22595,7 @@
             <p:cNvPr id="42" name="Freeform: Shape 41">
               <a:extLst>
                 <a:ext uri="{FF2B5EF4-FFF2-40B4-BE49-F238E27FC236}">
-                  <a16:creationId xmlns:a16="http://schemas.microsoft.com/office/drawing/2014/main" xmlns="" id="{24312820-32BB-4DFC-B775-2031DE03F33E}"/>
+                  <a16:creationId xmlns:a16="http://schemas.microsoft.com/office/drawing/2014/main" id="{24312820-32BB-4DFC-B775-2031DE03F33E}"/>
                 </a:ext>
               </a:extLst>
             </p:cNvPr>
@@ -22795,7 +22785,7 @@
             <p:cNvPr id="43" name="Freeform: Shape 42">
               <a:extLst>
                 <a:ext uri="{FF2B5EF4-FFF2-40B4-BE49-F238E27FC236}">
-                  <a16:creationId xmlns:a16="http://schemas.microsoft.com/office/drawing/2014/main" xmlns="" id="{F9B4581F-B122-40B8-BE37-64894A713B38}"/>
+                  <a16:creationId xmlns:a16="http://schemas.microsoft.com/office/drawing/2014/main" id="{F9B4581F-B122-40B8-BE37-64894A713B38}"/>
                 </a:ext>
               </a:extLst>
             </p:cNvPr>
@@ -22903,7 +22893,7 @@
             <p:cNvPr id="44" name="Freeform: Shape 43">
               <a:extLst>
                 <a:ext uri="{FF2B5EF4-FFF2-40B4-BE49-F238E27FC236}">
-                  <a16:creationId xmlns:a16="http://schemas.microsoft.com/office/drawing/2014/main" xmlns="" id="{C7CF8C75-A610-43BA-923F-335A6051357D}"/>
+                  <a16:creationId xmlns:a16="http://schemas.microsoft.com/office/drawing/2014/main" id="{C7CF8C75-A610-43BA-923F-335A6051357D}"/>
                 </a:ext>
               </a:extLst>
             </p:cNvPr>
@@ -23011,7 +23001,7 @@
             <p:cNvPr id="45" name="Freeform: Shape 44">
               <a:extLst>
                 <a:ext uri="{FF2B5EF4-FFF2-40B4-BE49-F238E27FC236}">
-                  <a16:creationId xmlns:a16="http://schemas.microsoft.com/office/drawing/2014/main" xmlns="" id="{56793F9B-5B71-414E-9CB2-2B76F8308871}"/>
+                  <a16:creationId xmlns:a16="http://schemas.microsoft.com/office/drawing/2014/main" id="{56793F9B-5B71-414E-9CB2-2B76F8308871}"/>
                 </a:ext>
               </a:extLst>
             </p:cNvPr>
@@ -23119,7 +23109,7 @@
             <p:cNvPr id="46" name="Freeform: Shape 45">
               <a:extLst>
                 <a:ext uri="{FF2B5EF4-FFF2-40B4-BE49-F238E27FC236}">
-                  <a16:creationId xmlns:a16="http://schemas.microsoft.com/office/drawing/2014/main" xmlns="" id="{9807DE94-0E8D-4E1B-A7D2-E0F91AF2E54C}"/>
+                  <a16:creationId xmlns:a16="http://schemas.microsoft.com/office/drawing/2014/main" id="{9807DE94-0E8D-4E1B-A7D2-E0F91AF2E54C}"/>
                 </a:ext>
               </a:extLst>
             </p:cNvPr>
@@ -23299,7 +23289,7 @@
             <p:cNvPr id="47" name="Freeform: Shape 46">
               <a:extLst>
                 <a:ext uri="{FF2B5EF4-FFF2-40B4-BE49-F238E27FC236}">
-                  <a16:creationId xmlns:a16="http://schemas.microsoft.com/office/drawing/2014/main" xmlns="" id="{7BC592BA-C191-49B5-8F41-8E14CFFDAC40}"/>
+                  <a16:creationId xmlns:a16="http://schemas.microsoft.com/office/drawing/2014/main" id="{7BC592BA-C191-49B5-8F41-8E14CFFDAC40}"/>
                 </a:ext>
               </a:extLst>
             </p:cNvPr>
@@ -23490,7 +23480,7 @@
           <p:cNvPr id="3" name="Graphic 50">
             <a:extLst>
               <a:ext uri="{FF2B5EF4-FFF2-40B4-BE49-F238E27FC236}">
-                <a16:creationId xmlns:a16="http://schemas.microsoft.com/office/drawing/2014/main" xmlns="" id="{33AA43FA-C2DC-406C-BFE6-A2A804112236}"/>
+                <a16:creationId xmlns:a16="http://schemas.microsoft.com/office/drawing/2014/main" id="{33AA43FA-C2DC-406C-BFE6-A2A804112236}"/>
               </a:ext>
             </a:extLst>
           </p:cNvPr>
@@ -23656,7 +23646,7 @@
           <p:cNvPr id="52" name="Oval 51">
             <a:extLst>
               <a:ext uri="{FF2B5EF4-FFF2-40B4-BE49-F238E27FC236}">
-                <a16:creationId xmlns:a16="http://schemas.microsoft.com/office/drawing/2014/main" xmlns="" id="{F21AF1E2-466C-487E-86AF-CA6FFFCA2720}"/>
+                <a16:creationId xmlns:a16="http://schemas.microsoft.com/office/drawing/2014/main" id="{F21AF1E2-466C-487E-86AF-CA6FFFCA2720}"/>
               </a:ext>
             </a:extLst>
           </p:cNvPr>
@@ -23708,7 +23698,7 @@
           <p:cNvPr id="53" name="Graphic 12">
             <a:extLst>
               <a:ext uri="{FF2B5EF4-FFF2-40B4-BE49-F238E27FC236}">
-                <a16:creationId xmlns:a16="http://schemas.microsoft.com/office/drawing/2014/main" xmlns="" id="{531F1BC1-79BD-45BA-B27E-7A2C62A65EC9}"/>
+                <a16:creationId xmlns:a16="http://schemas.microsoft.com/office/drawing/2014/main" id="{531F1BC1-79BD-45BA-B27E-7A2C62A65EC9}"/>
               </a:ext>
             </a:extLst>
           </p:cNvPr>
@@ -23825,7 +23815,7 @@
           <p:cNvPr id="2" name="Title 1">
             <a:extLst>
               <a:ext uri="{FF2B5EF4-FFF2-40B4-BE49-F238E27FC236}">
-                <a16:creationId xmlns:a16="http://schemas.microsoft.com/office/drawing/2014/main" xmlns="" id="{81053F33-9837-4E9F-8D29-24A800D841E9}"/>
+                <a16:creationId xmlns:a16="http://schemas.microsoft.com/office/drawing/2014/main" id="{81053F33-9837-4E9F-8D29-24A800D841E9}"/>
               </a:ext>
             </a:extLst>
           </p:cNvPr>
@@ -23865,7 +23855,7 @@
           <p:cNvPr id="4" name="Date Placeholder 3">
             <a:extLst>
               <a:ext uri="{FF2B5EF4-FFF2-40B4-BE49-F238E27FC236}">
-                <a16:creationId xmlns:a16="http://schemas.microsoft.com/office/drawing/2014/main" xmlns="" id="{DC2A0631-3130-4C36-8E5E-80464B1A62A7}"/>
+                <a16:creationId xmlns:a16="http://schemas.microsoft.com/office/drawing/2014/main" id="{DC2A0631-3130-4C36-8E5E-80464B1A62A7}"/>
               </a:ext>
             </a:extLst>
           </p:cNvPr>
@@ -23893,7 +23883,7 @@
           <p:cNvPr id="5" name="Footer Placeholder 4">
             <a:extLst>
               <a:ext uri="{FF2B5EF4-FFF2-40B4-BE49-F238E27FC236}">
-                <a16:creationId xmlns:a16="http://schemas.microsoft.com/office/drawing/2014/main" xmlns="" id="{79230F82-FE68-4450-98DF-5D29369AEE76}"/>
+                <a16:creationId xmlns:a16="http://schemas.microsoft.com/office/drawing/2014/main" id="{79230F82-FE68-4450-98DF-5D29369AEE76}"/>
               </a:ext>
             </a:extLst>
           </p:cNvPr>
@@ -23930,7 +23920,7 @@
           <p:cNvPr id="6" name="Slide Number Placeholder 5">
             <a:extLst>
               <a:ext uri="{FF2B5EF4-FFF2-40B4-BE49-F238E27FC236}">
-                <a16:creationId xmlns:a16="http://schemas.microsoft.com/office/drawing/2014/main" xmlns="" id="{EE6603C1-6E1A-4E4B-9555-31D84B6BDAD9}"/>
+                <a16:creationId xmlns:a16="http://schemas.microsoft.com/office/drawing/2014/main" id="{EE6603C1-6E1A-4E4B-9555-31D84B6BDAD9}"/>
               </a:ext>
             </a:extLst>
           </p:cNvPr>
@@ -23959,7 +23949,7 @@
           <p:cNvPr id="17" name="Text Placeholder 26">
             <a:extLst>
               <a:ext uri="{FF2B5EF4-FFF2-40B4-BE49-F238E27FC236}">
-                <a16:creationId xmlns:a16="http://schemas.microsoft.com/office/drawing/2014/main" xmlns="" id="{C990C5BD-BC2C-4822-AA4E-446B77052F23}"/>
+                <a16:creationId xmlns:a16="http://schemas.microsoft.com/office/drawing/2014/main" id="{C990C5BD-BC2C-4822-AA4E-446B77052F23}"/>
               </a:ext>
             </a:extLst>
           </p:cNvPr>
@@ -24005,7 +23995,7 @@
           <a:p>
             <a:pPr lvl="0"/>
             <a:r>
-              <a:rPr lang="en-US" smtClean="0"/>
+              <a:rPr lang="en-US"/>
               <a:t>Click to edit Master text styles</a:t>
             </a:r>
           </a:p>
@@ -24016,7 +24006,7 @@
           <p:cNvPr id="18" name="Table Placeholder 17">
             <a:extLst>
               <a:ext uri="{FF2B5EF4-FFF2-40B4-BE49-F238E27FC236}">
-                <a16:creationId xmlns:a16="http://schemas.microsoft.com/office/drawing/2014/main" xmlns="" id="{3AF64257-E00C-4FE5-925B-A78911D1D2B9}"/>
+                <a16:creationId xmlns:a16="http://schemas.microsoft.com/office/drawing/2014/main" id="{3AF64257-E00C-4FE5-925B-A78911D1D2B9}"/>
               </a:ext>
             </a:extLst>
           </p:cNvPr>
@@ -24052,7 +24042,7 @@
           </a:lstStyle>
           <a:p>
             <a:r>
-              <a:rPr lang="en-US" smtClean="0"/>
+              <a:rPr lang="en-US"/>
               <a:t>Click icon to add table</a:t>
             </a:r>
             <a:endParaRPr lang="ru-RU" dirty="0"/>
@@ -24064,7 +24054,7 @@
           <p:cNvPr id="45" name="Graphic 39">
             <a:extLst>
               <a:ext uri="{FF2B5EF4-FFF2-40B4-BE49-F238E27FC236}">
-                <a16:creationId xmlns:a16="http://schemas.microsoft.com/office/drawing/2014/main" xmlns="" id="{2B29CFAD-7DFA-43C8-BC78-F666303C4A65}"/>
+                <a16:creationId xmlns:a16="http://schemas.microsoft.com/office/drawing/2014/main" id="{2B29CFAD-7DFA-43C8-BC78-F666303C4A65}"/>
               </a:ext>
             </a:extLst>
           </p:cNvPr>
@@ -24084,7 +24074,7 @@
             <p:cNvPr id="46" name="Freeform: Shape 45">
               <a:extLst>
                 <a:ext uri="{FF2B5EF4-FFF2-40B4-BE49-F238E27FC236}">
-                  <a16:creationId xmlns:a16="http://schemas.microsoft.com/office/drawing/2014/main" xmlns="" id="{7709766F-07C2-47E0-94AE-482595B63D17}"/>
+                  <a16:creationId xmlns:a16="http://schemas.microsoft.com/office/drawing/2014/main" id="{7709766F-07C2-47E0-94AE-482595B63D17}"/>
                 </a:ext>
               </a:extLst>
             </p:cNvPr>
@@ -24274,7 +24264,7 @@
             <p:cNvPr id="47" name="Freeform: Shape 46">
               <a:extLst>
                 <a:ext uri="{FF2B5EF4-FFF2-40B4-BE49-F238E27FC236}">
-                  <a16:creationId xmlns:a16="http://schemas.microsoft.com/office/drawing/2014/main" xmlns="" id="{29F02ED7-2803-4FC7-8D17-DB9AF81B2257}"/>
+                  <a16:creationId xmlns:a16="http://schemas.microsoft.com/office/drawing/2014/main" id="{29F02ED7-2803-4FC7-8D17-DB9AF81B2257}"/>
                 </a:ext>
               </a:extLst>
             </p:cNvPr>
@@ -24382,7 +24372,7 @@
             <p:cNvPr id="48" name="Freeform: Shape 47">
               <a:extLst>
                 <a:ext uri="{FF2B5EF4-FFF2-40B4-BE49-F238E27FC236}">
-                  <a16:creationId xmlns:a16="http://schemas.microsoft.com/office/drawing/2014/main" xmlns="" id="{6715C276-3245-4E87-976F-10DC35AF0E89}"/>
+                  <a16:creationId xmlns:a16="http://schemas.microsoft.com/office/drawing/2014/main" id="{6715C276-3245-4E87-976F-10DC35AF0E89}"/>
                 </a:ext>
               </a:extLst>
             </p:cNvPr>
@@ -24490,7 +24480,7 @@
             <p:cNvPr id="49" name="Freeform: Shape 48">
               <a:extLst>
                 <a:ext uri="{FF2B5EF4-FFF2-40B4-BE49-F238E27FC236}">
-                  <a16:creationId xmlns:a16="http://schemas.microsoft.com/office/drawing/2014/main" xmlns="" id="{4D4F9402-D548-4465-B31D-5C89E49D8F2D}"/>
+                  <a16:creationId xmlns:a16="http://schemas.microsoft.com/office/drawing/2014/main" id="{4D4F9402-D548-4465-B31D-5C89E49D8F2D}"/>
                 </a:ext>
               </a:extLst>
             </p:cNvPr>
@@ -24598,7 +24588,7 @@
             <p:cNvPr id="50" name="Freeform: Shape 49">
               <a:extLst>
                 <a:ext uri="{FF2B5EF4-FFF2-40B4-BE49-F238E27FC236}">
-                  <a16:creationId xmlns:a16="http://schemas.microsoft.com/office/drawing/2014/main" xmlns="" id="{64C16800-96DF-4B5C-B15B-EB27E1475EB3}"/>
+                  <a16:creationId xmlns:a16="http://schemas.microsoft.com/office/drawing/2014/main" id="{64C16800-96DF-4B5C-B15B-EB27E1475EB3}"/>
                 </a:ext>
               </a:extLst>
             </p:cNvPr>
@@ -24778,7 +24768,7 @@
             <p:cNvPr id="51" name="Freeform: Shape 50">
               <a:extLst>
                 <a:ext uri="{FF2B5EF4-FFF2-40B4-BE49-F238E27FC236}">
-                  <a16:creationId xmlns:a16="http://schemas.microsoft.com/office/drawing/2014/main" xmlns="" id="{AE9DBF7F-0A02-4C85-A28D-3C88C66B3486}"/>
+                  <a16:creationId xmlns:a16="http://schemas.microsoft.com/office/drawing/2014/main" id="{AE9DBF7F-0A02-4C85-A28D-3C88C66B3486}"/>
                 </a:ext>
               </a:extLst>
             </p:cNvPr>
@@ -24969,7 +24959,7 @@
           <p:cNvPr id="3" name="Graphic 54">
             <a:extLst>
               <a:ext uri="{FF2B5EF4-FFF2-40B4-BE49-F238E27FC236}">
-                <a16:creationId xmlns:a16="http://schemas.microsoft.com/office/drawing/2014/main" xmlns="" id="{A1820133-6B1B-4297-8A79-2E89B2C7199B}"/>
+                <a16:creationId xmlns:a16="http://schemas.microsoft.com/office/drawing/2014/main" id="{A1820133-6B1B-4297-8A79-2E89B2C7199B}"/>
               </a:ext>
             </a:extLst>
           </p:cNvPr>
@@ -25135,7 +25125,7 @@
           <p:cNvPr id="51" name="Picture Placeholder 50">
             <a:extLst>
               <a:ext uri="{FF2B5EF4-FFF2-40B4-BE49-F238E27FC236}">
-                <a16:creationId xmlns:a16="http://schemas.microsoft.com/office/drawing/2014/main" xmlns="" id="{3767FEE9-DC75-4465-BA6B-06E00CF6A27B}"/>
+                <a16:creationId xmlns:a16="http://schemas.microsoft.com/office/drawing/2014/main" id="{3767FEE9-DC75-4465-BA6B-06E00CF6A27B}"/>
               </a:ext>
             </a:extLst>
           </p:cNvPr>
@@ -25454,7 +25444,7 @@
           </a:lstStyle>
           <a:p>
             <a:r>
-              <a:rPr lang="en-US" smtClean="0"/>
+              <a:rPr lang="en-US"/>
               <a:t>Click icon to add picture</a:t>
             </a:r>
             <a:endParaRPr lang="ru-RU"/>
@@ -25466,7 +25456,7 @@
           <p:cNvPr id="46" name="Freeform: Shape 45">
             <a:extLst>
               <a:ext uri="{FF2B5EF4-FFF2-40B4-BE49-F238E27FC236}">
-                <a16:creationId xmlns:a16="http://schemas.microsoft.com/office/drawing/2014/main" xmlns="" id="{3A0902BC-58E0-4395-9D80-6CF5CA0FAAB0}"/>
+                <a16:creationId xmlns:a16="http://schemas.microsoft.com/office/drawing/2014/main" id="{3A0902BC-58E0-4395-9D80-6CF5CA0FAAB0}"/>
               </a:ext>
             </a:extLst>
           </p:cNvPr>
@@ -25582,7 +25572,7 @@
           <p:cNvPr id="47" name="Freeform: Shape 46">
             <a:extLst>
               <a:ext uri="{FF2B5EF4-FFF2-40B4-BE49-F238E27FC236}">
-                <a16:creationId xmlns:a16="http://schemas.microsoft.com/office/drawing/2014/main" xmlns="" id="{5DCE3DA5-C000-4DAD-8FCD-9A285AB48C83}"/>
+                <a16:creationId xmlns:a16="http://schemas.microsoft.com/office/drawing/2014/main" id="{5DCE3DA5-C000-4DAD-8FCD-9A285AB48C83}"/>
               </a:ext>
             </a:extLst>
           </p:cNvPr>
@@ -25690,7 +25680,7 @@
           <p:cNvPr id="45" name="Freeform: Shape 44">
             <a:extLst>
               <a:ext uri="{FF2B5EF4-FFF2-40B4-BE49-F238E27FC236}">
-                <a16:creationId xmlns:a16="http://schemas.microsoft.com/office/drawing/2014/main" xmlns="" id="{EAE88C29-9AC8-4A6D-9141-98B2210C7466}"/>
+                <a16:creationId xmlns:a16="http://schemas.microsoft.com/office/drawing/2014/main" id="{EAE88C29-9AC8-4A6D-9141-98B2210C7466}"/>
               </a:ext>
             </a:extLst>
           </p:cNvPr>
@@ -25798,7 +25788,7 @@
           <p:cNvPr id="24" name="Oval 23">
             <a:extLst>
               <a:ext uri="{FF2B5EF4-FFF2-40B4-BE49-F238E27FC236}">
-                <a16:creationId xmlns:a16="http://schemas.microsoft.com/office/drawing/2014/main" xmlns="" id="{7F8CA5B8-0BAD-4554-87FE-E0910E6CD5C5}"/>
+                <a16:creationId xmlns:a16="http://schemas.microsoft.com/office/drawing/2014/main" id="{7F8CA5B8-0BAD-4554-87FE-E0910E6CD5C5}"/>
               </a:ext>
             </a:extLst>
           </p:cNvPr>
@@ -25850,7 +25840,7 @@
           <p:cNvPr id="25" name="Graphic 12">
             <a:extLst>
               <a:ext uri="{FF2B5EF4-FFF2-40B4-BE49-F238E27FC236}">
-                <a16:creationId xmlns:a16="http://schemas.microsoft.com/office/drawing/2014/main" xmlns="" id="{12CBB0CF-5FCC-4507-BD7B-C02386D2A23C}"/>
+                <a16:creationId xmlns:a16="http://schemas.microsoft.com/office/drawing/2014/main" id="{12CBB0CF-5FCC-4507-BD7B-C02386D2A23C}"/>
               </a:ext>
             </a:extLst>
           </p:cNvPr>
@@ -25967,7 +25957,7 @@
           <p:cNvPr id="2" name="Title 1">
             <a:extLst>
               <a:ext uri="{FF2B5EF4-FFF2-40B4-BE49-F238E27FC236}">
-                <a16:creationId xmlns:a16="http://schemas.microsoft.com/office/drawing/2014/main" xmlns="" id="{0B9CB2BB-1ED9-489E-8AC7-2A8D8459E388}"/>
+                <a16:creationId xmlns:a16="http://schemas.microsoft.com/office/drawing/2014/main" id="{0B9CB2BB-1ED9-489E-8AC7-2A8D8459E388}"/>
               </a:ext>
             </a:extLst>
           </p:cNvPr>
@@ -26009,7 +25999,7 @@
           <p:cNvPr id="6" name="Footer Placeholder 5">
             <a:extLst>
               <a:ext uri="{FF2B5EF4-FFF2-40B4-BE49-F238E27FC236}">
-                <a16:creationId xmlns:a16="http://schemas.microsoft.com/office/drawing/2014/main" xmlns="" id="{FC208BCD-3B7E-49DF-8BF5-68AE9DD7D786}"/>
+                <a16:creationId xmlns:a16="http://schemas.microsoft.com/office/drawing/2014/main" id="{FC208BCD-3B7E-49DF-8BF5-68AE9DD7D786}"/>
               </a:ext>
             </a:extLst>
           </p:cNvPr>
@@ -26046,7 +26036,7 @@
           <p:cNvPr id="7" name="Slide Number Placeholder 6">
             <a:extLst>
               <a:ext uri="{FF2B5EF4-FFF2-40B4-BE49-F238E27FC236}">
-                <a16:creationId xmlns:a16="http://schemas.microsoft.com/office/drawing/2014/main" xmlns="" id="{B41517C1-CBB7-46B0-99AA-8512104026B7}"/>
+                <a16:creationId xmlns:a16="http://schemas.microsoft.com/office/drawing/2014/main" id="{B41517C1-CBB7-46B0-99AA-8512104026B7}"/>
               </a:ext>
             </a:extLst>
           </p:cNvPr>
@@ -26075,7 +26065,7 @@
           <p:cNvPr id="21" name="Text Placeholder 26">
             <a:extLst>
               <a:ext uri="{FF2B5EF4-FFF2-40B4-BE49-F238E27FC236}">
-                <a16:creationId xmlns:a16="http://schemas.microsoft.com/office/drawing/2014/main" xmlns="" id="{78B29DA7-7E72-4576-8F68-91B70D11C8FD}"/>
+                <a16:creationId xmlns:a16="http://schemas.microsoft.com/office/drawing/2014/main" id="{78B29DA7-7E72-4576-8F68-91B70D11C8FD}"/>
               </a:ext>
             </a:extLst>
           </p:cNvPr>
@@ -26121,7 +26111,7 @@
           <a:p>
             <a:pPr lvl="0"/>
             <a:r>
-              <a:rPr lang="en-US" smtClean="0"/>
+              <a:rPr lang="en-US"/>
               <a:t>Click to edit Master text styles</a:t>
             </a:r>
           </a:p>
@@ -26132,7 +26122,7 @@
           <p:cNvPr id="22" name="Graphic 21">
             <a:extLst>
               <a:ext uri="{FF2B5EF4-FFF2-40B4-BE49-F238E27FC236}">
-                <a16:creationId xmlns:a16="http://schemas.microsoft.com/office/drawing/2014/main" xmlns="" id="{B091E01B-B80B-4194-AC2B-41043EC597D2}"/>
+                <a16:creationId xmlns:a16="http://schemas.microsoft.com/office/drawing/2014/main" id="{B091E01B-B80B-4194-AC2B-41043EC597D2}"/>
               </a:ext>
             </a:extLst>
           </p:cNvPr>
@@ -26145,7 +26135,7 @@
           <a:blip r:embed="rId2">
             <a:extLst>
               <a:ext uri="{96DAC541-7B7A-43D3-8B79-37D633B846F1}">
-                <asvg:svgBlip xmlns:asvg="http://schemas.microsoft.com/office/drawing/2016/SVG/main" xmlns="" r:embed="rId3"/>
+                <asvg:svgBlip xmlns:asvg="http://schemas.microsoft.com/office/drawing/2016/SVG/main" r:embed="rId3"/>
               </a:ext>
             </a:extLst>
           </a:blip>
@@ -26168,7 +26158,7 @@
           <p:cNvPr id="40" name="Freeform: Shape 39">
             <a:extLst>
               <a:ext uri="{FF2B5EF4-FFF2-40B4-BE49-F238E27FC236}">
-                <a16:creationId xmlns:a16="http://schemas.microsoft.com/office/drawing/2014/main" xmlns="" id="{FBE26926-54A6-49D3-95EA-F31F133A0E3B}"/>
+                <a16:creationId xmlns:a16="http://schemas.microsoft.com/office/drawing/2014/main" id="{FBE26926-54A6-49D3-95EA-F31F133A0E3B}"/>
               </a:ext>
             </a:extLst>
           </p:cNvPr>
@@ -26263,7 +26253,7 @@
           <p:cNvPr id="41" name="Freeform: Shape 40">
             <a:extLst>
               <a:ext uri="{FF2B5EF4-FFF2-40B4-BE49-F238E27FC236}">
-                <a16:creationId xmlns:a16="http://schemas.microsoft.com/office/drawing/2014/main" xmlns="" id="{C3AFCA09-1411-4603-AEED-DBD79C4BE2CA}"/>
+                <a16:creationId xmlns:a16="http://schemas.microsoft.com/office/drawing/2014/main" id="{C3AFCA09-1411-4603-AEED-DBD79C4BE2CA}"/>
               </a:ext>
             </a:extLst>
           </p:cNvPr>
@@ -26408,7 +26398,7 @@
           <p:cNvPr id="42" name="Freeform: Shape 41">
             <a:extLst>
               <a:ext uri="{FF2B5EF4-FFF2-40B4-BE49-F238E27FC236}">
-                <a16:creationId xmlns:a16="http://schemas.microsoft.com/office/drawing/2014/main" xmlns="" id="{7E4E0103-B430-4F31-B26F-21E197A41135}"/>
+                <a16:creationId xmlns:a16="http://schemas.microsoft.com/office/drawing/2014/main" id="{7E4E0103-B430-4F31-B26F-21E197A41135}"/>
               </a:ext>
             </a:extLst>
           </p:cNvPr>
@@ -26626,7 +26616,7 @@
           <p:cNvPr id="44" name="Freeform: Shape 43">
             <a:extLst>
               <a:ext uri="{FF2B5EF4-FFF2-40B4-BE49-F238E27FC236}">
-                <a16:creationId xmlns:a16="http://schemas.microsoft.com/office/drawing/2014/main" xmlns="" id="{65525C01-736F-4E07-B20A-72ABE0F38C9F}"/>
+                <a16:creationId xmlns:a16="http://schemas.microsoft.com/office/drawing/2014/main" id="{65525C01-736F-4E07-B20A-72ABE0F38C9F}"/>
               </a:ext>
             </a:extLst>
           </p:cNvPr>
@@ -26836,7 +26826,7 @@
           <p:cNvPr id="48" name="Freeform: Shape 47">
             <a:extLst>
               <a:ext uri="{FF2B5EF4-FFF2-40B4-BE49-F238E27FC236}">
-                <a16:creationId xmlns:a16="http://schemas.microsoft.com/office/drawing/2014/main" xmlns="" id="{49472789-B79C-464F-9D88-E51F8B5062D3}"/>
+                <a16:creationId xmlns:a16="http://schemas.microsoft.com/office/drawing/2014/main" id="{49472789-B79C-464F-9D88-E51F8B5062D3}"/>
               </a:ext>
             </a:extLst>
           </p:cNvPr>
@@ -27100,7 +27090,7 @@
           <p:cNvPr id="25" name="Oval 24">
             <a:extLst>
               <a:ext uri="{FF2B5EF4-FFF2-40B4-BE49-F238E27FC236}">
-                <a16:creationId xmlns:a16="http://schemas.microsoft.com/office/drawing/2014/main" xmlns="" id="{DD823940-1850-4484-BDCE-3D9B898D6787}"/>
+                <a16:creationId xmlns:a16="http://schemas.microsoft.com/office/drawing/2014/main" id="{DD823940-1850-4484-BDCE-3D9B898D6787}"/>
               </a:ext>
             </a:extLst>
           </p:cNvPr>
@@ -27152,7 +27142,7 @@
           <p:cNvPr id="26" name="Graphic 12">
             <a:extLst>
               <a:ext uri="{FF2B5EF4-FFF2-40B4-BE49-F238E27FC236}">
-                <a16:creationId xmlns:a16="http://schemas.microsoft.com/office/drawing/2014/main" xmlns="" id="{6FFA8582-48C8-4154-ACF0-5F6412FAAE0C}"/>
+                <a16:creationId xmlns:a16="http://schemas.microsoft.com/office/drawing/2014/main" id="{6FFA8582-48C8-4154-ACF0-5F6412FAAE0C}"/>
               </a:ext>
             </a:extLst>
           </p:cNvPr>
@@ -27269,7 +27259,7 @@
           <p:cNvPr id="8" name="Media Placeholder 7">
             <a:extLst>
               <a:ext uri="{FF2B5EF4-FFF2-40B4-BE49-F238E27FC236}">
-                <a16:creationId xmlns:a16="http://schemas.microsoft.com/office/drawing/2014/main" xmlns="" id="{FBCC61A6-FEB7-4CD2-9686-FB5F1EB66A10}"/>
+                <a16:creationId xmlns:a16="http://schemas.microsoft.com/office/drawing/2014/main" id="{FBCC61A6-FEB7-4CD2-9686-FB5F1EB66A10}"/>
               </a:ext>
             </a:extLst>
           </p:cNvPr>
@@ -27305,7 +27295,7 @@
           </a:lstStyle>
           <a:p>
             <a:r>
-              <a:rPr lang="en-US" smtClean="0"/>
+              <a:rPr lang="en-US"/>
               <a:t>Click icon to add media</a:t>
             </a:r>
             <a:endParaRPr lang="ru-RU" dirty="0"/>
@@ -27317,7 +27307,7 @@
           <p:cNvPr id="6" name="Footer Placeholder 5">
             <a:extLst>
               <a:ext uri="{FF2B5EF4-FFF2-40B4-BE49-F238E27FC236}">
-                <a16:creationId xmlns:a16="http://schemas.microsoft.com/office/drawing/2014/main" xmlns="" id="{FC208BCD-3B7E-49DF-8BF5-68AE9DD7D786}"/>
+                <a16:creationId xmlns:a16="http://schemas.microsoft.com/office/drawing/2014/main" id="{FC208BCD-3B7E-49DF-8BF5-68AE9DD7D786}"/>
               </a:ext>
             </a:extLst>
           </p:cNvPr>
@@ -27354,7 +27344,7 @@
           <p:cNvPr id="7" name="Slide Number Placeholder 6">
             <a:extLst>
               <a:ext uri="{FF2B5EF4-FFF2-40B4-BE49-F238E27FC236}">
-                <a16:creationId xmlns:a16="http://schemas.microsoft.com/office/drawing/2014/main" xmlns="" id="{B41517C1-CBB7-46B0-99AA-8512104026B7}"/>
+                <a16:creationId xmlns:a16="http://schemas.microsoft.com/office/drawing/2014/main" id="{B41517C1-CBB7-46B0-99AA-8512104026B7}"/>
               </a:ext>
             </a:extLst>
           </p:cNvPr>
@@ -27383,7 +27373,7 @@
           <p:cNvPr id="11" name="Freeform: Shape 10">
             <a:extLst>
               <a:ext uri="{FF2B5EF4-FFF2-40B4-BE49-F238E27FC236}">
-                <a16:creationId xmlns:a16="http://schemas.microsoft.com/office/drawing/2014/main" xmlns="" id="{B8EAB5B0-43C3-4F9F-98FF-253CBE6C9668}"/>
+                <a16:creationId xmlns:a16="http://schemas.microsoft.com/office/drawing/2014/main" id="{B8EAB5B0-43C3-4F9F-98FF-253CBE6C9668}"/>
               </a:ext>
             </a:extLst>
           </p:cNvPr>
@@ -27528,7 +27518,7 @@
           <p:cNvPr id="15" name="Freeform: Shape 14">
             <a:extLst>
               <a:ext uri="{FF2B5EF4-FFF2-40B4-BE49-F238E27FC236}">
-                <a16:creationId xmlns:a16="http://schemas.microsoft.com/office/drawing/2014/main" xmlns="" id="{06A97B71-3A84-4844-BDB5-E3F77302BBC0}"/>
+                <a16:creationId xmlns:a16="http://schemas.microsoft.com/office/drawing/2014/main" id="{06A97B71-3A84-4844-BDB5-E3F77302BBC0}"/>
               </a:ext>
             </a:extLst>
           </p:cNvPr>
@@ -27636,7 +27626,7 @@
           <p:cNvPr id="16" name="Freeform: Shape 15">
             <a:extLst>
               <a:ext uri="{FF2B5EF4-FFF2-40B4-BE49-F238E27FC236}">
-                <a16:creationId xmlns:a16="http://schemas.microsoft.com/office/drawing/2014/main" xmlns="" id="{030939C4-65C9-4508-8EFE-F715B9946844}"/>
+                <a16:creationId xmlns:a16="http://schemas.microsoft.com/office/drawing/2014/main" id="{030939C4-65C9-4508-8EFE-F715B9946844}"/>
               </a:ext>
             </a:extLst>
           </p:cNvPr>
@@ -27846,7 +27836,7 @@
           <p:cNvPr id="17" name="Freeform: Shape 16">
             <a:extLst>
               <a:ext uri="{FF2B5EF4-FFF2-40B4-BE49-F238E27FC236}">
-                <a16:creationId xmlns:a16="http://schemas.microsoft.com/office/drawing/2014/main" xmlns="" id="{759BB951-621D-4456-A832-116187764B2E}"/>
+                <a16:creationId xmlns:a16="http://schemas.microsoft.com/office/drawing/2014/main" id="{759BB951-621D-4456-A832-116187764B2E}"/>
               </a:ext>
             </a:extLst>
           </p:cNvPr>
@@ -27962,7 +27952,7 @@
           <p:cNvPr id="18" name="Freeform: Shape 17">
             <a:extLst>
               <a:ext uri="{FF2B5EF4-FFF2-40B4-BE49-F238E27FC236}">
-                <a16:creationId xmlns:a16="http://schemas.microsoft.com/office/drawing/2014/main" xmlns="" id="{3F8008CE-2F0A-4568-9C4A-C347A4880513}"/>
+                <a16:creationId xmlns:a16="http://schemas.microsoft.com/office/drawing/2014/main" id="{3F8008CE-2F0A-4568-9C4A-C347A4880513}"/>
               </a:ext>
             </a:extLst>
           </p:cNvPr>
@@ -28198,7 +28188,7 @@
           <p:cNvPr id="19" name="Title 2">
             <a:extLst>
               <a:ext uri="{FF2B5EF4-FFF2-40B4-BE49-F238E27FC236}">
-                <a16:creationId xmlns:a16="http://schemas.microsoft.com/office/drawing/2014/main" xmlns="" id="{3A926948-B9C1-4E84-AF0F-40965A132C47}"/>
+                <a16:creationId xmlns:a16="http://schemas.microsoft.com/office/drawing/2014/main" id="{3A926948-B9C1-4E84-AF0F-40965A132C47}"/>
               </a:ext>
             </a:extLst>
           </p:cNvPr>
@@ -28233,7 +28223,7 @@
           </a:lstStyle>
           <a:p>
             <a:r>
-              <a:rPr lang="en-US" smtClean="0"/>
+              <a:rPr lang="en-US"/>
               <a:t>Click to edit Master title style</a:t>
             </a:r>
             <a:endParaRPr lang="ru-RU"/>
@@ -28245,7 +28235,7 @@
           <p:cNvPr id="10" name="Group 9">
             <a:extLst>
               <a:ext uri="{FF2B5EF4-FFF2-40B4-BE49-F238E27FC236}">
-                <a16:creationId xmlns:a16="http://schemas.microsoft.com/office/drawing/2014/main" xmlns="" id="{223A17C7-5A8B-4D9D-AC8A-2486018F3FB8}"/>
+                <a16:creationId xmlns:a16="http://schemas.microsoft.com/office/drawing/2014/main" id="{223A17C7-5A8B-4D9D-AC8A-2486018F3FB8}"/>
               </a:ext>
             </a:extLst>
           </p:cNvPr>
@@ -28265,7 +28255,7 @@
             <p:cNvPr id="3" name="Freeform: Shape 2">
               <a:extLst>
                 <a:ext uri="{FF2B5EF4-FFF2-40B4-BE49-F238E27FC236}">
-                  <a16:creationId xmlns:a16="http://schemas.microsoft.com/office/drawing/2014/main" xmlns="" id="{C42001FF-B76E-4445-BDE5-6BFAD41EBBD4}"/>
+                  <a16:creationId xmlns:a16="http://schemas.microsoft.com/office/drawing/2014/main" id="{C42001FF-B76E-4445-BDE5-6BFAD41EBBD4}"/>
                 </a:ext>
               </a:extLst>
             </p:cNvPr>
@@ -28373,7 +28363,7 @@
             <p:cNvPr id="4" name="Freeform: Shape 3">
               <a:extLst>
                 <a:ext uri="{FF2B5EF4-FFF2-40B4-BE49-F238E27FC236}">
-                  <a16:creationId xmlns:a16="http://schemas.microsoft.com/office/drawing/2014/main" xmlns="" id="{55EB89C3-8B52-4763-9DB2-C51CC8AF377C}"/>
+                  <a16:creationId xmlns:a16="http://schemas.microsoft.com/office/drawing/2014/main" id="{55EB89C3-8B52-4763-9DB2-C51CC8AF377C}"/>
                 </a:ext>
               </a:extLst>
             </p:cNvPr>
@@ -28571,7 +28561,7 @@
             <p:cNvPr id="5" name="Freeform: Shape 4">
               <a:extLst>
                 <a:ext uri="{FF2B5EF4-FFF2-40B4-BE49-F238E27FC236}">
-                  <a16:creationId xmlns:a16="http://schemas.microsoft.com/office/drawing/2014/main" xmlns="" id="{8F230BC5-B028-4266-A395-BFB56DFDC484}"/>
+                  <a16:creationId xmlns:a16="http://schemas.microsoft.com/office/drawing/2014/main" id="{8F230BC5-B028-4266-A395-BFB56DFDC484}"/>
                 </a:ext>
               </a:extLst>
             </p:cNvPr>
@@ -28679,7 +28669,7 @@
             <p:cNvPr id="9" name="Freeform: Shape 8">
               <a:extLst>
                 <a:ext uri="{FF2B5EF4-FFF2-40B4-BE49-F238E27FC236}">
-                  <a16:creationId xmlns:a16="http://schemas.microsoft.com/office/drawing/2014/main" xmlns="" id="{5A52C234-DC7D-488B-8975-61485991A4A8}"/>
+                  <a16:creationId xmlns:a16="http://schemas.microsoft.com/office/drawing/2014/main" id="{5A52C234-DC7D-488B-8975-61485991A4A8}"/>
                 </a:ext>
               </a:extLst>
             </p:cNvPr>
@@ -28875,7 +28865,7 @@
           <p:cNvPr id="2" name="Title Placeholder 1">
             <a:extLst>
               <a:ext uri="{FF2B5EF4-FFF2-40B4-BE49-F238E27FC236}">
-                <a16:creationId xmlns:a16="http://schemas.microsoft.com/office/drawing/2014/main" xmlns="" id="{A8DB6A3A-74E6-4FE2-8AD2-CEB070447182}"/>
+                <a16:creationId xmlns:a16="http://schemas.microsoft.com/office/drawing/2014/main" id="{A8DB6A3A-74E6-4FE2-8AD2-CEB070447182}"/>
               </a:ext>
             </a:extLst>
           </p:cNvPr>
@@ -28902,7 +28892,7 @@
           <a:lstStyle/>
           <a:p>
             <a:r>
-              <a:rPr lang="en-US" smtClean="0"/>
+              <a:rPr lang="en-US"/>
               <a:t>Click to edit Master title style</a:t>
             </a:r>
             <a:endParaRPr lang="ru-RU" dirty="0"/>
@@ -28914,7 +28904,7 @@
           <p:cNvPr id="3" name="Text Placeholder 2">
             <a:extLst>
               <a:ext uri="{FF2B5EF4-FFF2-40B4-BE49-F238E27FC236}">
-                <a16:creationId xmlns:a16="http://schemas.microsoft.com/office/drawing/2014/main" xmlns="" id="{2C0128AA-FDF4-4DD5-A009-3C58D24570F2}"/>
+                <a16:creationId xmlns:a16="http://schemas.microsoft.com/office/drawing/2014/main" id="{2C0128AA-FDF4-4DD5-A009-3C58D24570F2}"/>
               </a:ext>
             </a:extLst>
           </p:cNvPr>
@@ -28982,7 +28972,7 @@
           <p:cNvPr id="4" name="Date Placeholder 3">
             <a:extLst>
               <a:ext uri="{FF2B5EF4-FFF2-40B4-BE49-F238E27FC236}">
-                <a16:creationId xmlns:a16="http://schemas.microsoft.com/office/drawing/2014/main" xmlns="" id="{BB1C2DC0-7E13-4A66-9F9B-371BA9C6E4F1}"/>
+                <a16:creationId xmlns:a16="http://schemas.microsoft.com/office/drawing/2014/main" id="{BB1C2DC0-7E13-4A66-9F9B-371BA9C6E4F1}"/>
               </a:ext>
             </a:extLst>
           </p:cNvPr>
@@ -29028,7 +29018,7 @@
           <p:cNvPr id="6" name="Slide Number Placeholder 5">
             <a:extLst>
               <a:ext uri="{FF2B5EF4-FFF2-40B4-BE49-F238E27FC236}">
-                <a16:creationId xmlns:a16="http://schemas.microsoft.com/office/drawing/2014/main" xmlns="" id="{9475097E-EB08-4475-9112-275B8402794C}"/>
+                <a16:creationId xmlns:a16="http://schemas.microsoft.com/office/drawing/2014/main" id="{9475097E-EB08-4475-9112-275B8402794C}"/>
               </a:ext>
             </a:extLst>
           </p:cNvPr>
@@ -29074,7 +29064,7 @@
           <p:cNvPr id="11" name="Footer Placeholder 4">
             <a:extLst>
               <a:ext uri="{FF2B5EF4-FFF2-40B4-BE49-F238E27FC236}">
-                <a16:creationId xmlns:a16="http://schemas.microsoft.com/office/drawing/2014/main" xmlns="" id="{1F296578-6D40-435B-861E-0904DDC10B7C}"/>
+                <a16:creationId xmlns:a16="http://schemas.microsoft.com/office/drawing/2014/main" id="{1F296578-6D40-435B-861E-0904DDC10B7C}"/>
               </a:ext>
             </a:extLst>
           </p:cNvPr>
@@ -29528,7 +29518,7 @@
           <p:cNvPr id="2" name="Title 1">
             <a:extLst>
               <a:ext uri="{FF2B5EF4-FFF2-40B4-BE49-F238E27FC236}">
-                <a16:creationId xmlns:a16="http://schemas.microsoft.com/office/drawing/2014/main" xmlns="" id="{0264C9CC-E38A-467A-8F1C-459375F5EDFF}"/>
+                <a16:creationId xmlns:a16="http://schemas.microsoft.com/office/drawing/2014/main" id="{0264C9CC-E38A-467A-8F1C-459375F5EDFF}"/>
               </a:ext>
             </a:extLst>
           </p:cNvPr>
@@ -29547,7 +29537,7 @@
           <a:lstStyle/>
           <a:p>
             <a:r>
-              <a:rPr lang="en-US" dirty="0" smtClean="0">
+              <a:rPr lang="en-US" dirty="0">
                 <a:solidFill>
                   <a:schemeClr val="tx2">
                     <a:lumMod val="40000"/>
@@ -29558,7 +29548,7 @@
               <a:t>Blood </a:t>
             </a:r>
             <a:r>
-              <a:rPr lang="en-US" dirty="0" err="1" smtClean="0">
+              <a:rPr lang="en-US" dirty="0" err="1">
                 <a:solidFill>
                   <a:schemeClr val="tx2">
                     <a:lumMod val="40000"/>
@@ -29584,7 +29574,7 @@
           <p:cNvPr id="6" name="Text Placeholder 5">
             <a:extLst>
               <a:ext uri="{FF2B5EF4-FFF2-40B4-BE49-F238E27FC236}">
-                <a16:creationId xmlns:a16="http://schemas.microsoft.com/office/drawing/2014/main" xmlns="" id="{CDD6760C-D868-43F4-99FB-1B78C91F8FE1}"/>
+                <a16:creationId xmlns:a16="http://schemas.microsoft.com/office/drawing/2014/main" id="{CDD6760C-D868-43F4-99FB-1B78C91F8FE1}"/>
               </a:ext>
             </a:extLst>
           </p:cNvPr>
@@ -29603,7 +29593,7 @@
           <a:lstStyle/>
           <a:p>
             <a:r>
-              <a:rPr lang="en-US" dirty="0" smtClean="0">
+              <a:rPr lang="en-US" dirty="0">
                 <a:solidFill>
                   <a:schemeClr val="tx2">
                     <a:lumMod val="40000"/>
@@ -29616,7 +29606,7 @@
           </a:p>
           <a:p>
             <a:r>
-              <a:rPr lang="en-US" dirty="0" smtClean="0">
+              <a:rPr lang="en-US" dirty="0">
                 <a:solidFill>
                   <a:schemeClr val="tx2">
                     <a:lumMod val="40000"/>
@@ -29692,13 +29682,6 @@
   <p:clrMapOvr>
     <a:masterClrMapping/>
   </p:clrMapOvr>
-  <p:timing>
-    <p:tnLst>
-      <p:par>
-        <p:cTn id="1" dur="indefinite" restart="never" nodeType="tmRoot"/>
-      </p:par>
-    </p:tnLst>
-  </p:timing>
 </p:sld>
 </file>
 
@@ -29842,13 +29825,6 @@
   <p:clrMapOvr>
     <a:masterClrMapping/>
   </p:clrMapOvr>
-  <p:timing>
-    <p:tnLst>
-      <p:par>
-        <p:cTn id="1" dur="indefinite" restart="never" nodeType="tmRoot"/>
-      </p:par>
-    </p:tnLst>
-  </p:timing>
 </p:sld>
 </file>
 
@@ -29934,7 +29910,7 @@
           <a:lstStyle/>
           <a:p>
             <a:r>
-              <a:rPr lang="en-PH" sz="2400" dirty="0" smtClean="0">
+              <a:rPr lang="en-PH" sz="2400" dirty="0">
                 <a:solidFill>
                   <a:schemeClr val="tx2">
                     <a:lumMod val="40000"/>
@@ -29945,7 +29921,7 @@
               <a:t>Blood </a:t>
             </a:r>
             <a:r>
-              <a:rPr lang="en-PH" sz="2400" dirty="0" err="1" smtClean="0">
+              <a:rPr lang="en-PH" sz="2400" dirty="0" err="1">
                 <a:solidFill>
                   <a:schemeClr val="tx2">
                     <a:lumMod val="40000"/>
@@ -29956,7 +29932,7 @@
               <a:t>Findr</a:t>
             </a:r>
             <a:r>
-              <a:rPr lang="en-PH" sz="2400" dirty="0" smtClean="0">
+              <a:rPr lang="en-PH" sz="2400" dirty="0">
                 <a:solidFill>
                   <a:schemeClr val="tx2">
                     <a:lumMod val="40000"/>
@@ -29964,8 +29940,13 @@
                   </a:schemeClr>
                 </a:solidFill>
               </a:rPr>
-              <a:t> is basically a </a:t>
+              <a:t> is basically a web-based and mobile-based application that eases the reservation of blood and the handling of clients alike.</a:t>
             </a:r>
+          </a:p>
+          <a:p>
+            <a:pPr marL="0" indent="0">
+              <a:buNone/>
+            </a:pPr>
             <a:r>
               <a:rPr lang="en-PH" sz="2400" dirty="0">
                 <a:solidFill>
@@ -29975,33 +29956,6 @@
                   </a:schemeClr>
                 </a:solidFill>
               </a:rPr>
-              <a:t>web-based and mobile-based application that eases the reservation of blood and the handling of clients alike</a:t>
-            </a:r>
-            <a:r>
-              <a:rPr lang="en-PH" sz="2400" dirty="0" smtClean="0">
-                <a:solidFill>
-                  <a:schemeClr val="tx2">
-                    <a:lumMod val="40000"/>
-                    <a:lumOff val="60000"/>
-                  </a:schemeClr>
-                </a:solidFill>
-              </a:rPr>
-              <a:t>.</a:t>
-            </a:r>
-          </a:p>
-          <a:p>
-            <a:pPr marL="0" indent="0">
-              <a:buNone/>
-            </a:pPr>
-            <a:r>
-              <a:rPr lang="en-PH" sz="2400" dirty="0" smtClean="0">
-                <a:solidFill>
-                  <a:schemeClr val="tx2">
-                    <a:lumMod val="40000"/>
-                    <a:lumOff val="60000"/>
-                  </a:schemeClr>
-                </a:solidFill>
-              </a:rPr>
               <a:t> </a:t>
             </a:r>
           </a:p>
@@ -30015,25 +29969,14 @@
                   </a:schemeClr>
                 </a:solidFill>
               </a:rPr>
-              <a:t>The application only requires an account so that administrators can verify each client</a:t>
-            </a:r>
-            <a:r>
-              <a:rPr lang="en-PH" sz="2400" dirty="0" smtClean="0">
-                <a:solidFill>
-                  <a:schemeClr val="tx2">
-                    <a:lumMod val="40000"/>
-                    <a:lumOff val="60000"/>
-                  </a:schemeClr>
-                </a:solidFill>
-              </a:rPr>
-              <a:t>.</a:t>
+              <a:t>The application only requires an account so that administrators can verify each client.</a:t>
             </a:r>
           </a:p>
           <a:p>
             <a:pPr marL="0" indent="0">
               <a:buNone/>
             </a:pPr>
-            <a:endParaRPr lang="en-PH" sz="2400" dirty="0" smtClean="0"/>
+            <a:endParaRPr lang="en-PH" sz="2400" dirty="0"/>
           </a:p>
           <a:p>
             <a:r>
@@ -30045,51 +29988,7 @@
                   </a:schemeClr>
                 </a:solidFill>
               </a:rPr>
-              <a:t>O</a:t>
-            </a:r>
-            <a:r>
-              <a:rPr lang="en-PH" sz="2400" dirty="0" smtClean="0">
-                <a:solidFill>
-                  <a:schemeClr val="tx2">
-                    <a:lumMod val="40000"/>
-                    <a:lumOff val="60000"/>
-                  </a:schemeClr>
-                </a:solidFill>
-              </a:rPr>
-              <a:t>ur </a:t>
-            </a:r>
-            <a:r>
-              <a:rPr lang="en-PH" sz="2400" dirty="0">
-                <a:solidFill>
-                  <a:schemeClr val="tx2">
-                    <a:lumMod val="40000"/>
-                    <a:lumOff val="60000"/>
-                  </a:schemeClr>
-                </a:solidFill>
-              </a:rPr>
-              <a:t>team deems it </a:t>
-            </a:r>
-            <a:r>
-              <a:rPr lang="en-PH" sz="2400" dirty="0" smtClean="0">
-                <a:solidFill>
-                  <a:schemeClr val="tx2">
-                    <a:lumMod val="40000"/>
-                    <a:lumOff val="60000"/>
-                  </a:schemeClr>
-                </a:solidFill>
-              </a:rPr>
-              <a:t>necessary </a:t>
-            </a:r>
-            <a:r>
-              <a:rPr lang="en-PH" sz="2400" dirty="0">
-                <a:solidFill>
-                  <a:schemeClr val="tx2">
-                    <a:lumMod val="40000"/>
-                    <a:lumOff val="60000"/>
-                  </a:schemeClr>
-                </a:solidFill>
-              </a:rPr>
-              <a:t>that our system or our study be utilized for the development of blood availing in our country.</a:t>
+              <a:t>Our team deems it necessary that our system or our study be utilized for the development of blood availing in our country.</a:t>
             </a:r>
             <a:endParaRPr lang="en-US" sz="2400" dirty="0">
               <a:solidFill>
@@ -30149,13 +30048,6 @@
   <p:clrMapOvr>
     <a:masterClrMapping/>
   </p:clrMapOvr>
-  <p:timing>
-    <p:tnLst>
-      <p:par>
-        <p:cTn id="1" dur="indefinite" restart="never" nodeType="tmRoot"/>
-      </p:par>
-    </p:tnLst>
-  </p:timing>
 </p:sld>
 </file>
 
@@ -30249,18 +30141,7 @@
                   </a:schemeClr>
                 </a:solidFill>
               </a:rPr>
-              <a:t>The process of availing of blood at Red Cross is through making a call or e-mail. This method has been inefficient and time consuming for everyone who wants to avail blood from Red Cross</a:t>
-            </a:r>
-            <a:r>
-              <a:rPr lang="en-PH" sz="2400" dirty="0" smtClean="0">
-                <a:solidFill>
-                  <a:schemeClr val="tx2">
-                    <a:lumMod val="40000"/>
-                    <a:lumOff val="60000"/>
-                  </a:schemeClr>
-                </a:solidFill>
-              </a:rPr>
-              <a:t>.</a:t>
+              <a:t>The process of availing of blood at Red Cross is through making a call or e-mail. This method has been inefficient and time consuming for everyone who wants to avail blood from Red Cross.</a:t>
             </a:r>
           </a:p>
           <a:p>
@@ -30284,29 +30165,7 @@
                   </a:schemeClr>
                 </a:solidFill>
               </a:rPr>
-              <a:t>T</a:t>
-            </a:r>
-            <a:r>
-              <a:rPr lang="en-PH" sz="2400" dirty="0" smtClean="0">
-                <a:solidFill>
-                  <a:schemeClr val="tx2">
-                    <a:lumMod val="40000"/>
-                    <a:lumOff val="60000"/>
-                  </a:schemeClr>
-                </a:solidFill>
-              </a:rPr>
-              <a:t>he </a:t>
-            </a:r>
-            <a:r>
-              <a:rPr lang="en-PH" sz="2400" dirty="0">
-                <a:solidFill>
-                  <a:schemeClr val="tx2">
-                    <a:lumMod val="40000"/>
-                    <a:lumOff val="60000"/>
-                  </a:schemeClr>
-                </a:solidFill>
-              </a:rPr>
-              <a:t>availability of the blood group requested is not always guaranteed. This is a problem because it could only cost more time for the recipient to receive the blood.</a:t>
+              <a:t>The availability of the blood group requested is not always guaranteed. This is a problem because it could only cost more time for the recipient to receive the blood.</a:t>
             </a:r>
             <a:endParaRPr lang="en-US" sz="2400" dirty="0">
               <a:solidFill>
@@ -30357,17 +30216,6 @@
                 </a:solidFill>
               </a:rPr>
               <a:t>Problem Statement</a:t>
-            </a:r>
-            <a:r>
-              <a:rPr lang="en-US" dirty="0">
-                <a:solidFill>
-                  <a:schemeClr val="tx2">
-                    <a:lumMod val="40000"/>
-                    <a:lumOff val="60000"/>
-                  </a:schemeClr>
-                </a:solidFill>
-              </a:rPr>
-              <a:t/>
             </a:r>
             <a:br>
               <a:rPr lang="en-US" dirty="0">
@@ -30400,13 +30248,6 @@
   <p:clrMapOvr>
     <a:masterClrMapping/>
   </p:clrMapOvr>
-  <p:timing>
-    <p:tnLst>
-      <p:par>
-        <p:cTn id="1" dur="indefinite" restart="never" nodeType="tmRoot"/>
-      </p:par>
-    </p:tnLst>
-  </p:timing>
 </p:sld>
 </file>
 
@@ -30492,7 +30333,7 @@
           <a:lstStyle/>
           <a:p>
             <a:r>
-              <a:rPr lang="en-PH" sz="2400" dirty="0" smtClean="0">
+              <a:rPr lang="en-PH" sz="2800" dirty="0">
                 <a:solidFill>
                   <a:schemeClr val="tx2">
                     <a:lumMod val="40000"/>
@@ -30500,21 +30341,10 @@
                   </a:schemeClr>
                 </a:solidFill>
               </a:rPr>
-              <a:t>Our </a:t>
+              <a:t>Our team imagined a feasible project to improve the convenience of people searching for blood. Blood </a:t>
             </a:r>
             <a:r>
-              <a:rPr lang="en-PH" sz="2400" dirty="0">
-                <a:solidFill>
-                  <a:schemeClr val="tx2">
-                    <a:lumMod val="40000"/>
-                    <a:lumOff val="60000"/>
-                  </a:schemeClr>
-                </a:solidFill>
-              </a:rPr>
-              <a:t>team imagined a feasible project to improve the convenience of people searching for blood. Blood </a:t>
-            </a:r>
-            <a:r>
-              <a:rPr lang="en-PH" sz="2400" dirty="0" err="1">
+              <a:rPr lang="en-PH" sz="2800" dirty="0" err="1">
                 <a:solidFill>
                   <a:schemeClr val="tx2">
                     <a:lumMod val="40000"/>
@@ -30525,7 +30355,7 @@
               <a:t>Findr</a:t>
             </a:r>
             <a:r>
-              <a:rPr lang="en-PH" sz="2400" dirty="0">
+              <a:rPr lang="en-PH" sz="2800" dirty="0">
                 <a:solidFill>
                   <a:schemeClr val="tx2">
                     <a:lumMod val="40000"/>
@@ -30533,141 +30363,11 @@
                   </a:schemeClr>
                 </a:solidFill>
               </a:rPr>
-              <a:t>, a </a:t>
+              <a:t>, a web and mobile based application wherein people can find the nearest desired blood available, reserve the blood, and claim it as soon as possible.</a:t>
             </a:r>
-            <a:r>
-              <a:rPr lang="en-PH" sz="2400" dirty="0" smtClean="0">
-                <a:solidFill>
-                  <a:schemeClr val="tx2">
-                    <a:lumMod val="40000"/>
-                    <a:lumOff val="60000"/>
-                  </a:schemeClr>
-                </a:solidFill>
-              </a:rPr>
-              <a:t>web </a:t>
-            </a:r>
-            <a:r>
-              <a:rPr lang="en-PH" sz="2400" dirty="0">
-                <a:solidFill>
-                  <a:schemeClr val="tx2">
-                    <a:lumMod val="40000"/>
-                    <a:lumOff val="60000"/>
-                  </a:schemeClr>
-                </a:solidFill>
-              </a:rPr>
-              <a:t>and </a:t>
-            </a:r>
-            <a:r>
-              <a:rPr lang="en-PH" sz="2400" dirty="0" smtClean="0">
-                <a:solidFill>
-                  <a:schemeClr val="tx2">
-                    <a:lumMod val="40000"/>
-                    <a:lumOff val="60000"/>
-                  </a:schemeClr>
-                </a:solidFill>
-              </a:rPr>
-              <a:t>mobile based </a:t>
-            </a:r>
-            <a:r>
-              <a:rPr lang="en-PH" sz="2400" dirty="0">
-                <a:solidFill>
-                  <a:schemeClr val="tx2">
-                    <a:lumMod val="40000"/>
-                    <a:lumOff val="60000"/>
-                  </a:schemeClr>
-                </a:solidFill>
-              </a:rPr>
-              <a:t>application wherein people can find the nearest desired blood </a:t>
-            </a:r>
-            <a:r>
-              <a:rPr lang="en-PH" sz="2400" dirty="0" smtClean="0">
-                <a:solidFill>
-                  <a:schemeClr val="tx2">
-                    <a:lumMod val="40000"/>
-                    <a:lumOff val="60000"/>
-                  </a:schemeClr>
-                </a:solidFill>
-              </a:rPr>
-              <a:t>available</a:t>
-            </a:r>
-            <a:r>
-              <a:rPr lang="en-PH" sz="2400" dirty="0">
-                <a:solidFill>
-                  <a:schemeClr val="tx2">
-                    <a:lumMod val="40000"/>
-                    <a:lumOff val="60000"/>
-                  </a:schemeClr>
-                </a:solidFill>
-              </a:rPr>
-              <a:t>, reserve the blood, and claim it as soon as possible</a:t>
-            </a:r>
-            <a:r>
-              <a:rPr lang="en-PH" sz="2400" dirty="0" smtClean="0">
-                <a:solidFill>
-                  <a:schemeClr val="tx2">
-                    <a:lumMod val="40000"/>
-                    <a:lumOff val="60000"/>
-                  </a:schemeClr>
-                </a:solidFill>
-              </a:rPr>
-              <a:t>.</a:t>
-            </a:r>
-          </a:p>
-          <a:p>
-            <a:r>
-              <a:rPr lang="en-PH" sz="2400" dirty="0" smtClean="0">
-                <a:solidFill>
-                  <a:schemeClr val="tx2">
-                    <a:lumMod val="40000"/>
-                    <a:lumOff val="60000"/>
-                  </a:schemeClr>
-                </a:solidFill>
-              </a:rPr>
-              <a:t> </a:t>
-            </a:r>
-            <a:r>
-              <a:rPr lang="en-PH" sz="2400" dirty="0">
-                <a:solidFill>
-                  <a:schemeClr val="tx2">
-                    <a:lumMod val="40000"/>
-                    <a:lumOff val="60000"/>
-                  </a:schemeClr>
-                </a:solidFill>
-              </a:rPr>
-              <a:t>It will require the user to have an account. Upon registration, the system will ask for user’s information. </a:t>
-            </a:r>
-            <a:endParaRPr lang="en-PH" sz="2400" dirty="0" smtClean="0">
-              <a:solidFill>
-                <a:schemeClr val="tx2">
-                  <a:lumMod val="40000"/>
-                  <a:lumOff val="60000"/>
-                </a:schemeClr>
-              </a:solidFill>
-            </a:endParaRPr>
-          </a:p>
-          <a:p>
-            <a:r>
-              <a:rPr lang="en-PH" sz="2400" dirty="0">
-                <a:solidFill>
-                  <a:schemeClr val="tx2">
-                    <a:lumMod val="40000"/>
-                    <a:lumOff val="60000"/>
-                  </a:schemeClr>
-                </a:solidFill>
-              </a:rPr>
-              <a:t>The system will also require a photo or scanned document of user’s government issued ID upon registering. This is to ensure that the user is a legitimate client. Registration is mandatory for verification and security purposes. Once registered, clients can now use our system. </a:t>
-            </a:r>
-            <a:endParaRPr lang="en-US" sz="2400" dirty="0">
-              <a:solidFill>
-                <a:schemeClr val="tx2">
-                  <a:lumMod val="40000"/>
-                  <a:lumOff val="60000"/>
-                </a:schemeClr>
-              </a:solidFill>
-            </a:endParaRPr>
-          </a:p>
-          <a:p>
-            <a:endParaRPr lang="en-US" sz="2400" dirty="0">
+          </a:p>
+          <a:p>
+            <a:endParaRPr lang="en-US" sz="2800" dirty="0">
               <a:solidFill>
                 <a:schemeClr val="tx2">
                   <a:lumMod val="40000"/>
@@ -30706,17 +30406,6 @@
                 </a:solidFill>
               </a:rPr>
               <a:t>Solution</a:t>
-            </a:r>
-            <a:r>
-              <a:rPr lang="en-US" dirty="0">
-                <a:solidFill>
-                  <a:schemeClr val="tx2">
-                    <a:lumMod val="40000"/>
-                    <a:lumOff val="60000"/>
-                  </a:schemeClr>
-                </a:solidFill>
-              </a:rPr>
-              <a:t/>
             </a:r>
             <a:br>
               <a:rPr lang="en-US" dirty="0">
@@ -30749,13 +30438,6 @@
   <p:clrMapOvr>
     <a:masterClrMapping/>
   </p:clrMapOvr>
-  <p:timing>
-    <p:tnLst>
-      <p:par>
-        <p:cTn id="1" dur="indefinite" restart="never" nodeType="tmRoot"/>
-      </p:par>
-    </p:tnLst>
-  </p:timing>
 </p:sld>
 </file>
 
@@ -30841,7 +30523,7 @@
           <a:lstStyle/>
           <a:p>
             <a:r>
-              <a:rPr lang="en-PH" sz="2100" dirty="0">
+              <a:rPr lang="en-PH" sz="2600" dirty="0">
                 <a:solidFill>
                   <a:schemeClr val="accent2">
                     <a:lumMod val="20000"/>
@@ -30849,20 +30531,9 @@
                   </a:schemeClr>
                 </a:solidFill>
               </a:rPr>
-              <a:t>First step </a:t>
+              <a:t>First step – Client logs in to the system</a:t>
             </a:r>
-            <a:r>
-              <a:rPr lang="en-PH" sz="2100" dirty="0">
-                <a:solidFill>
-                  <a:schemeClr val="tx2">
-                    <a:lumMod val="40000"/>
-                    <a:lumOff val="60000"/>
-                  </a:schemeClr>
-                </a:solidFill>
-              </a:rPr>
-              <a:t>- Client logs in to the system. If the clients still don’t have an account he/she should register for an account.</a:t>
-            </a:r>
-            <a:endParaRPr lang="en-US" sz="2100" dirty="0">
+            <a:endParaRPr lang="en-US" sz="2600" dirty="0">
               <a:solidFill>
                 <a:schemeClr val="tx2">
                   <a:lumMod val="40000"/>
@@ -30873,7 +30544,7 @@
           </a:p>
           <a:p>
             <a:r>
-              <a:rPr lang="en-PH" sz="2100" dirty="0">
+              <a:rPr lang="en-PH" sz="2600" dirty="0">
                 <a:solidFill>
                   <a:schemeClr val="accent2">
                     <a:lumMod val="20000"/>
@@ -30881,20 +30552,9 @@
                   </a:schemeClr>
                 </a:solidFill>
               </a:rPr>
-              <a:t>Second step </a:t>
+              <a:t>Second step – Client searches for blood type</a:t>
             </a:r>
-            <a:r>
-              <a:rPr lang="en-PH" sz="2100" dirty="0">
-                <a:solidFill>
-                  <a:schemeClr val="tx2">
-                    <a:lumMod val="40000"/>
-                    <a:lumOff val="60000"/>
-                  </a:schemeClr>
-                </a:solidFill>
-              </a:rPr>
-              <a:t>- Client inquires for the type of blood needed. A list of red cross blood facility and its location will be shown, along with the availability of the client’s desired blood type.</a:t>
-            </a:r>
-            <a:endParaRPr lang="en-US" sz="2100" dirty="0">
+            <a:endParaRPr lang="en-US" sz="2600" dirty="0">
               <a:solidFill>
                 <a:schemeClr val="tx2">
                   <a:lumMod val="40000"/>
@@ -30905,7 +30565,7 @@
           </a:p>
           <a:p>
             <a:r>
-              <a:rPr lang="en-PH" sz="2100" dirty="0">
+              <a:rPr lang="en-PH" sz="2600" dirty="0">
                 <a:solidFill>
                   <a:schemeClr val="accent2">
                     <a:lumMod val="20000"/>
@@ -30913,20 +30573,9 @@
                   </a:schemeClr>
                 </a:solidFill>
               </a:rPr>
-              <a:t>Third step </a:t>
+              <a:t>Third step – Client chooses blood type</a:t>
             </a:r>
-            <a:r>
-              <a:rPr lang="en-PH" sz="2100" dirty="0">
-                <a:solidFill>
-                  <a:schemeClr val="tx2">
-                    <a:lumMod val="40000"/>
-                    <a:lumOff val="60000"/>
-                  </a:schemeClr>
-                </a:solidFill>
-              </a:rPr>
-              <a:t>- Client chooses the nearest desired blood available. Once chosen, a request for reservation will be sent to the red cross blood facility – which the admin will receive. </a:t>
-            </a:r>
-            <a:endParaRPr lang="en-US" sz="2100" dirty="0">
+            <a:endParaRPr lang="en-US" sz="2600" dirty="0">
               <a:solidFill>
                 <a:schemeClr val="tx2">
                   <a:lumMod val="40000"/>
@@ -30937,7 +30586,7 @@
           </a:p>
           <a:p>
             <a:r>
-              <a:rPr lang="en-PH" sz="2100" dirty="0">
+              <a:rPr lang="en-PH" sz="2600" dirty="0">
                 <a:solidFill>
                   <a:schemeClr val="accent2">
                     <a:lumMod val="20000"/>
@@ -30945,53 +30594,12 @@
                   </a:schemeClr>
                 </a:solidFill>
               </a:rPr>
-              <a:t>Fourth step </a:t>
+              <a:t>Fourth step – admin confirms reservation of blood</a:t>
             </a:r>
+          </a:p>
+          <a:p>
             <a:r>
-              <a:rPr lang="en-PH" sz="2100" dirty="0">
-                <a:solidFill>
-                  <a:schemeClr val="tx2">
-                    <a:lumMod val="40000"/>
-                    <a:lumOff val="60000"/>
-                  </a:schemeClr>
-                </a:solidFill>
-              </a:rPr>
-              <a:t>–</a:t>
-            </a:r>
-            <a:r>
-              <a:rPr lang="en-PH" sz="2100" dirty="0">
-                <a:solidFill>
-                  <a:schemeClr val="accent2">
-                    <a:lumMod val="40000"/>
-                    <a:lumOff val="60000"/>
-                  </a:schemeClr>
-                </a:solidFill>
-              </a:rPr>
-              <a:t> </a:t>
-            </a:r>
-            <a:r>
-              <a:rPr lang="en-PH" sz="2100" dirty="0">
-                <a:solidFill>
-                  <a:schemeClr val="tx2">
-                    <a:lumMod val="40000"/>
-                    <a:lumOff val="60000"/>
-                  </a:schemeClr>
-                </a:solidFill>
-              </a:rPr>
-              <a:t>Admin confirms blood reservation and will send a code to the user through the app, prompting the desired blood group is reserved and ready for pick up. </a:t>
-            </a:r>
-            <a:endParaRPr lang="en-US" sz="2100" dirty="0">
-              <a:solidFill>
-                <a:schemeClr val="tx2">
-                  <a:lumMod val="40000"/>
-                  <a:lumOff val="60000"/>
-                </a:schemeClr>
-              </a:solidFill>
-            </a:endParaRPr>
-          </a:p>
-          <a:p>
-            <a:r>
-              <a:rPr lang="en-PH" sz="2100" dirty="0">
+              <a:rPr lang="en-PH" sz="2600" dirty="0">
                 <a:solidFill>
                   <a:schemeClr val="accent2">
                     <a:lumMod val="20000"/>
@@ -30999,20 +30607,9 @@
                   </a:schemeClr>
                 </a:solidFill>
               </a:rPr>
-              <a:t>Fifth step </a:t>
+              <a:t>Fifth step – System will display amount to be paid</a:t>
             </a:r>
-            <a:r>
-              <a:rPr lang="en-PH" sz="2100" dirty="0">
-                <a:solidFill>
-                  <a:schemeClr val="tx2">
-                    <a:lumMod val="40000"/>
-                    <a:lumOff val="60000"/>
-                  </a:schemeClr>
-                </a:solidFill>
-              </a:rPr>
-              <a:t>– The system will display amount to be paid and the client can now pick up the blood. Note that upon claiming </a:t>
-            </a:r>
-            <a:endParaRPr lang="en-US" sz="2100" dirty="0">
+            <a:endParaRPr lang="en-US" sz="2600" dirty="0">
               <a:solidFill>
                 <a:schemeClr val="tx2">
                   <a:lumMod val="40000"/>
@@ -31049,22 +30646,7 @@
                   </a:schemeClr>
                 </a:solidFill>
               </a:rPr>
-              <a:t>Processing of our </a:t>
-            </a:r>
-            <a:r>
-              <a:rPr lang="en-PH" dirty="0" smtClean="0">
-                <a:solidFill>
-                  <a:schemeClr val="tx2">
-                    <a:lumMod val="40000"/>
-                    <a:lumOff val="60000"/>
-                  </a:schemeClr>
-                </a:solidFill>
-              </a:rPr>
-              <a:t>System</a:t>
-            </a:r>
-            <a:r>
-              <a:rPr lang="en-US" dirty="0"/>
-              <a:t/>
+              <a:t>Processing of our System</a:t>
             </a:r>
             <a:br>
               <a:rPr lang="en-US" dirty="0"/>
@@ -31083,13 +30665,6 @@
   <p:clrMapOvr>
     <a:masterClrMapping/>
   </p:clrMapOvr>
-  <p:timing>
-    <p:tnLst>
-      <p:par>
-        <p:cTn id="1" dur="indefinite" restart="never" nodeType="tmRoot"/>
-      </p:par>
-    </p:tnLst>
-  </p:timing>
 </p:sld>
 </file>
 
@@ -31183,47 +30758,14 @@
                   </a:schemeClr>
                 </a:solidFill>
               </a:rPr>
-              <a:t>The purpose of this project is to utilize our technology and use it to ease the process of availing of blood. </a:t>
-            </a:r>
-            <a:r>
-              <a:rPr lang="en-PH" sz="2400" dirty="0" smtClean="0">
-                <a:solidFill>
-                  <a:schemeClr val="tx2">
-                    <a:lumMod val="40000"/>
-                    <a:lumOff val="60000"/>
-                  </a:schemeClr>
-                </a:solidFill>
-              </a:rPr>
-              <a:t>It </a:t>
-            </a:r>
-            <a:r>
-              <a:rPr lang="en-PH" sz="2400" dirty="0">
-                <a:solidFill>
-                  <a:schemeClr val="tx2">
-                    <a:lumMod val="40000"/>
-                    <a:lumOff val="60000"/>
-                  </a:schemeClr>
-                </a:solidFill>
-              </a:rPr>
-              <a:t>will be free for everyone to use. Furthermore, the project will be user-friendly guaranteed so that even those who are not in to technology can easily use the application</a:t>
-            </a:r>
-            <a:r>
-              <a:rPr lang="en-PH" sz="2400" dirty="0" smtClean="0">
-                <a:solidFill>
-                  <a:schemeClr val="tx2">
-                    <a:lumMod val="40000"/>
-                    <a:lumOff val="60000"/>
-                  </a:schemeClr>
-                </a:solidFill>
-              </a:rPr>
-              <a:t>.</a:t>
+              <a:t>The purpose of this project is to utilize our technology and use it to ease the process of availing of blood. It will be free for everyone to use. Furthermore, the project will be user-friendly guaranteed so that even those who are not in to technology can easily use the application.</a:t>
             </a:r>
           </a:p>
           <a:p>
             <a:pPr marL="0" indent="0">
               <a:buNone/>
             </a:pPr>
-            <a:endParaRPr lang="en-PH" sz="2400" dirty="0" smtClean="0">
+            <a:endParaRPr lang="en-PH" sz="2400" dirty="0">
               <a:solidFill>
                 <a:schemeClr val="tx2">
                   <a:lumMod val="40000"/>
@@ -31264,18 +30806,7 @@
                   </a:schemeClr>
                 </a:solidFill>
               </a:rPr>
-              <a:t> aims to change the way we get blood. While adding convenience to the overall </a:t>
-            </a:r>
-            <a:r>
-              <a:rPr lang="en-PH" sz="2400" dirty="0" smtClean="0">
-                <a:solidFill>
-                  <a:schemeClr val="tx2">
-                    <a:lumMod val="40000"/>
-                    <a:lumOff val="60000"/>
-                  </a:schemeClr>
-                </a:solidFill>
-              </a:rPr>
-              <a:t>process</a:t>
+              <a:t> aims to change the way we get blood. While adding convenience to the overall process</a:t>
             </a:r>
             <a:endParaRPr lang="en-US" sz="2400" dirty="0">
               <a:solidFill>
@@ -31326,10 +30857,6 @@
               </a:rPr>
               <a:t>Purpose and Description</a:t>
             </a:r>
-            <a:r>
-              <a:rPr lang="en-US" dirty="0"/>
-              <a:t/>
-            </a:r>
             <a:br>
               <a:rPr lang="en-US" dirty="0"/>
             </a:br>
@@ -31347,13 +30874,6 @@
   <p:clrMapOvr>
     <a:masterClrMapping/>
   </p:clrMapOvr>
-  <p:timing>
-    <p:tnLst>
-      <p:par>
-        <p:cTn id="1" dur="indefinite" restart="never" nodeType="tmRoot"/>
-      </p:par>
-    </p:tnLst>
-  </p:timing>
 </p:sld>
 </file>
 
@@ -31468,19 +30988,10 @@
                   </a:schemeClr>
                 </a:solidFill>
               </a:rPr>
-              <a:t>T</a:t>
+              <a:t>To introduce a much easier and faster way of availing blood at Red Cross, because when it comes to blood, time is gold.</a:t>
             </a:r>
-            <a:r>
-              <a:rPr lang="en-PH" sz="2400" dirty="0" smtClean="0">
-                <a:solidFill>
-                  <a:schemeClr val="tx2">
-                    <a:lumMod val="40000"/>
-                    <a:lumOff val="60000"/>
-                  </a:schemeClr>
-                </a:solidFill>
-              </a:rPr>
-              <a:t>o </a:t>
-            </a:r>
+          </a:p>
+          <a:p>
             <a:r>
               <a:rPr lang="en-PH" sz="2400" dirty="0">
                 <a:solidFill>
@@ -31490,53 +31001,7 @@
                   </a:schemeClr>
                 </a:solidFill>
               </a:rPr>
-              <a:t>introduce a much easier and faster way of availing blood at Red Cross, because when it comes to blood, time is gold</a:t>
-            </a:r>
-            <a:r>
-              <a:rPr lang="en-PH" sz="2400" dirty="0" smtClean="0">
-                <a:solidFill>
-                  <a:schemeClr val="tx2">
-                    <a:lumMod val="40000"/>
-                    <a:lumOff val="60000"/>
-                  </a:schemeClr>
-                </a:solidFill>
-              </a:rPr>
-              <a:t>.</a:t>
-            </a:r>
-          </a:p>
-          <a:p>
-            <a:r>
-              <a:rPr lang="en-PH" sz="2400" dirty="0">
-                <a:solidFill>
-                  <a:schemeClr val="tx2">
-                    <a:lumMod val="40000"/>
-                    <a:lumOff val="60000"/>
-                  </a:schemeClr>
-                </a:solidFill>
-              </a:rPr>
-              <a:t>Innovate the way people avail blood from Red Cross</a:t>
-            </a:r>
-            <a:r>
-              <a:rPr lang="en-PH" sz="2400" dirty="0" smtClean="0">
-                <a:solidFill>
-                  <a:schemeClr val="tx2">
-                    <a:lumMod val="40000"/>
-                    <a:lumOff val="60000"/>
-                  </a:schemeClr>
-                </a:solidFill>
-              </a:rPr>
-              <a:t>.</a:t>
-            </a:r>
-            <a:r>
-              <a:rPr lang="en-PH" sz="2400" dirty="0">
-                <a:solidFill>
-                  <a:schemeClr val="tx2">
-                    <a:lumMod val="40000"/>
-                    <a:lumOff val="60000"/>
-                  </a:schemeClr>
-                </a:solidFill>
-              </a:rPr>
-              <a:t> Innovate the way people avail blood from Red Cross.</a:t>
+              <a:t>Innovate the way people avail blood from Red Cross. Innovate the way people avail blood from Red Cross.</a:t>
             </a:r>
             <a:endParaRPr lang="en-US" sz="2400" dirty="0">
               <a:solidFill>
@@ -31598,10 +31063,6 @@
               </a:rPr>
               <a:t>Objectives</a:t>
             </a:r>
-            <a:r>
-              <a:rPr lang="en-US" dirty="0"/>
-              <a:t/>
-            </a:r>
             <a:br>
               <a:rPr lang="en-US" dirty="0"/>
             </a:br>
@@ -31619,13 +31080,6 @@
   <p:clrMapOvr>
     <a:masterClrMapping/>
   </p:clrMapOvr>
-  <p:timing>
-    <p:tnLst>
-      <p:par>
-        <p:cTn id="1" dur="indefinite" restart="never" nodeType="tmRoot"/>
-      </p:par>
-    </p:tnLst>
-  </p:timing>
 </p:sld>
 </file>
 
@@ -31719,41 +31173,11 @@
                   </a:schemeClr>
                 </a:solidFill>
               </a:rPr>
-              <a:t>The application is easily accessible by everyone</a:t>
+              <a:t>The application is easily accessible by everyone. Clients can use the application through any browser and operating system available. Internet connection will be one of its non-functional requirement. </a:t>
             </a:r>
-            <a:r>
-              <a:rPr lang="en-PH" sz="2400" dirty="0" smtClean="0">
-                <a:solidFill>
-                  <a:schemeClr val="tx2">
-                    <a:lumMod val="40000"/>
-                    <a:lumOff val="60000"/>
-                  </a:schemeClr>
-                </a:solidFill>
-              </a:rPr>
-              <a:t>. </a:t>
-            </a:r>
-            <a:r>
-              <a:rPr lang="en-PH" sz="2400" dirty="0">
-                <a:solidFill>
-                  <a:schemeClr val="tx2">
-                    <a:lumMod val="40000"/>
-                    <a:lumOff val="60000"/>
-                  </a:schemeClr>
-                </a:solidFill>
-              </a:rPr>
-              <a:t>Clients can use the application through any browser and operating system available. Internet connection will be one of its non-functional requirement. </a:t>
-            </a:r>
-            <a:endParaRPr lang="en-PH" sz="2400" dirty="0" smtClean="0">
-              <a:solidFill>
-                <a:schemeClr val="tx2">
-                  <a:lumMod val="40000"/>
-                  <a:lumOff val="60000"/>
-                </a:schemeClr>
-              </a:solidFill>
-            </a:endParaRPr>
-          </a:p>
-          <a:p>
-            <a:endParaRPr lang="en-PH" sz="2400" dirty="0" smtClean="0">
+          </a:p>
+          <a:p>
+            <a:endParaRPr lang="en-PH" sz="2400" dirty="0">
               <a:solidFill>
                 <a:schemeClr val="tx2">
                   <a:lumMod val="40000"/>
@@ -31823,17 +31247,6 @@
               </a:rPr>
               <a:t>Scope and Limitations</a:t>
             </a:r>
-            <a:r>
-              <a:rPr lang="en-US" dirty="0">
-                <a:solidFill>
-                  <a:schemeClr val="tx2">
-                    <a:lumMod val="40000"/>
-                    <a:lumOff val="60000"/>
-                  </a:schemeClr>
-                </a:solidFill>
-              </a:rPr>
-              <a:t/>
-            </a:r>
             <a:br>
               <a:rPr lang="en-US" dirty="0">
                 <a:solidFill>
@@ -31865,13 +31278,6 @@
   <p:clrMapOvr>
     <a:masterClrMapping/>
   </p:clrMapOvr>
-  <p:timing>
-    <p:tnLst>
-      <p:par>
-        <p:cTn id="1" dur="indefinite" restart="never" nodeType="tmRoot"/>
-      </p:par>
-    </p:tnLst>
-  </p:timing>
 </p:sld>
 </file>
 
@@ -32033,7 +31439,7 @@
               </a:rPr>
               <a:t>- Large blood supplier here in the Philippines </a:t>
             </a:r>
-            <a:endParaRPr lang="en-US" sz="2400" dirty="0" smtClean="0">
+            <a:endParaRPr lang="en-US" sz="2400" dirty="0">
               <a:solidFill>
                 <a:schemeClr val="tx2">
                   <a:lumMod val="40000"/>
@@ -32097,18 +31503,7 @@
                   </a:schemeClr>
                 </a:solidFill>
               </a:rPr>
-              <a:t>- Lack of </a:t>
-            </a:r>
-            <a:r>
-              <a:rPr lang="en-PH" sz="2400" dirty="0" smtClean="0">
-                <a:solidFill>
-                  <a:schemeClr val="tx2">
-                    <a:lumMod val="40000"/>
-                    <a:lumOff val="60000"/>
-                  </a:schemeClr>
-                </a:solidFill>
-              </a:rPr>
-              <a:t>innovation</a:t>
+              <a:t>- Lack of innovation</a:t>
             </a:r>
           </a:p>
           <a:p>
@@ -32116,7 +31511,7 @@
               <a:buNone/>
             </a:pPr>
             <a:r>
-              <a:rPr lang="en-PH" sz="2400" dirty="0" smtClean="0">
+              <a:rPr lang="en-PH" sz="2400" dirty="0">
                 <a:solidFill>
                   <a:schemeClr val="tx2">
                     <a:lumMod val="40000"/>
@@ -32126,7 +31521,7 @@
               </a:rPr>
               <a:t> </a:t>
             </a:r>
-            <a:endParaRPr lang="en-US" sz="2400" dirty="0" smtClean="0">
+            <a:endParaRPr lang="en-US" sz="2400" dirty="0">
               <a:solidFill>
                 <a:schemeClr val="tx2">
                   <a:lumMod val="40000"/>
@@ -32192,7 +31587,12 @@
               </a:rPr>
               <a:t>- Expansion of products and services </a:t>
             </a:r>
-            <a:endParaRPr lang="en-PH" sz="2400" dirty="0" smtClean="0">
+          </a:p>
+          <a:p>
+            <a:pPr marL="0" indent="0">
+              <a:buNone/>
+            </a:pPr>
+            <a:endParaRPr lang="en-PH" sz="2400" dirty="0">
               <a:solidFill>
                 <a:schemeClr val="tx2">
                   <a:lumMod val="40000"/>
@@ -32205,20 +31605,7 @@
             <a:pPr marL="0" indent="0">
               <a:buNone/>
             </a:pPr>
-            <a:endParaRPr lang="en-PH" sz="2400" dirty="0" smtClean="0">
-              <a:solidFill>
-                <a:schemeClr val="tx2">
-                  <a:lumMod val="40000"/>
-                  <a:lumOff val="60000"/>
-                </a:schemeClr>
-              </a:solidFill>
-            </a:endParaRPr>
-          </a:p>
-          <a:p>
-            <a:pPr marL="0" indent="0">
-              <a:buNone/>
-            </a:pPr>
-            <a:endParaRPr lang="en-PH" sz="2400" dirty="0" smtClean="0">
+            <a:endParaRPr lang="en-PH" sz="2400" dirty="0">
               <a:solidFill>
                 <a:schemeClr val="accent2">
                   <a:lumMod val="20000"/>
@@ -32322,17 +31709,6 @@
               </a:rPr>
               <a:t>SWOT Analysis</a:t>
             </a:r>
-            <a:r>
-              <a:rPr lang="en-US" dirty="0">
-                <a:solidFill>
-                  <a:schemeClr val="tx2">
-                    <a:lumMod val="40000"/>
-                    <a:lumOff val="60000"/>
-                  </a:schemeClr>
-                </a:solidFill>
-              </a:rPr>
-              <a:t/>
-            </a:r>
             <a:br>
               <a:rPr lang="en-US" dirty="0">
                 <a:solidFill>
@@ -32364,13 +31740,6 @@
   <p:clrMapOvr>
     <a:masterClrMapping/>
   </p:clrMapOvr>
-  <p:timing>
-    <p:tnLst>
-      <p:par>
-        <p:cTn id="1" dur="indefinite" restart="never" nodeType="tmRoot"/>
-      </p:par>
-    </p:tnLst>
-  </p:timing>
 </p:sld>
 </file>
 
@@ -33203,15 +32572,6 @@
 </file>
 
 <file path=customXml/item2.xml><?xml version="1.0" encoding="utf-8"?>
-<?mso-contentType ?>
-<FormTemplates xmlns="http://schemas.microsoft.com/sharepoint/v3/contenttype/forms">
-  <Display>DocumentLibraryForm</Display>
-  <Edit>DocumentLibraryForm</Edit>
-  <New>DocumentLibraryForm</New>
-</FormTemplates>
-</file>
-
-<file path=customXml/item3.xml><?xml version="1.0" encoding="utf-8"?>
 <ct:contentTypeSchema xmlns:ct="http://schemas.microsoft.com/office/2006/metadata/contentType" xmlns:ma="http://schemas.microsoft.com/office/2006/metadata/properties/metaAttributes" ct:_="" ma:_="" ma:contentTypeName="Document" ma:contentTypeID="0x010100DEEA25CC0A0AC24199CDC46C25B8B0BC" ma:contentTypeVersion="10" ma:contentTypeDescription="Create a new document." ma:contentTypeScope="" ma:versionID="e3b47856d4cf355c0dacb39e1084d14f">
   <xsd:schema xmlns:xsd="http://www.w3.org/2001/XMLSchema" xmlns:xs="http://www.w3.org/2001/XMLSchema" xmlns:p="http://schemas.microsoft.com/office/2006/metadata/properties" xmlns:ns1="http://schemas.microsoft.com/sharepoint/v3" xmlns:ns2="6dc4bcd6-49db-4c07-9060-8acfc67cef9f" xmlns:ns3="fb0879af-3eba-417a-a55a-ffe6dcd6ca77" targetNamespace="http://schemas.microsoft.com/office/2006/metadata/properties" ma:root="true" ma:fieldsID="a845a615265fdb1f7b12cc65ac20ecbd" ns1:_="" ns2:_="" ns3:_="">
     <xsd:import namespace="http://schemas.microsoft.com/sharepoint/v3"/>
@@ -33419,6 +32779,15 @@
 </ct:contentTypeSchema>
 </file>
 
+<file path=customXml/item3.xml><?xml version="1.0" encoding="utf-8"?>
+<?mso-contentType ?>
+<FormTemplates xmlns="http://schemas.microsoft.com/sharepoint/v3/contenttype/forms">
+  <Display>DocumentLibraryForm</Display>
+  <Edit>DocumentLibraryForm</Edit>
+  <New>DocumentLibraryForm</New>
+</FormTemplates>
+</file>
+
 <file path=customXml/itemProps1.xml><?xml version="1.0" encoding="utf-8"?>
 <ds:datastoreItem xmlns:ds="http://schemas.openxmlformats.org/officeDocument/2006/customXml" ds:itemID="{12024DF7-0783-4549-86B7-A48B29FBA9C2}">
   <ds:schemaRefs>
@@ -33430,14 +32799,6 @@
 </file>
 
 <file path=customXml/itemProps2.xml><?xml version="1.0" encoding="utf-8"?>
-<ds:datastoreItem xmlns:ds="http://schemas.openxmlformats.org/officeDocument/2006/customXml" ds:itemID="{750F309C-DE10-4641-9043-BB7E781AC404}">
-  <ds:schemaRefs>
-    <ds:schemaRef ds:uri="http://schemas.microsoft.com/sharepoint/v3/contenttype/forms"/>
-  </ds:schemaRefs>
-</ds:datastoreItem>
-</file>
-
-<file path=customXml/itemProps3.xml><?xml version="1.0" encoding="utf-8"?>
 <ds:datastoreItem xmlns:ds="http://schemas.openxmlformats.org/officeDocument/2006/customXml" ds:itemID="{A6393BED-762D-4FA3-96CF-866F426A043C}">
   <ds:schemaRefs>
     <ds:schemaRef ds:uri="http://schemas.microsoft.com/office/2006/metadata/contentType"/>
@@ -33455,4 +32816,12 @@
     <ds:schemaRef ds:uri="http://schemas.microsoft.com/internal/obd"/>
   </ds:schemaRefs>
 </ds:datastoreItem>
+</file>
+
+<file path=customXml/itemProps3.xml><?xml version="1.0" encoding="utf-8"?>
+<ds:datastoreItem xmlns:ds="http://schemas.openxmlformats.org/officeDocument/2006/customXml" ds:itemID="{750F309C-DE10-4641-9043-BB7E781AC404}">
+  <ds:schemaRefs>
+    <ds:schemaRef ds:uri="http://schemas.microsoft.com/sharepoint/v3/contenttype/forms"/>
+  </ds:schemaRefs>
+</ds:datastoreItem>
 </file>